--- a/Coffee Lovers.pptx
+++ b/Coffee Lovers.pptx
@@ -2,10 +2,18 @@
 <file path=ppt/presentation.xml><?xml version="1.0" encoding="utf-8"?>
 <p:presentation xmlns:a="http://schemas.openxmlformats.org/drawingml/2006/main" xmlns:r="http://schemas.openxmlformats.org/officeDocument/2006/relationships" xmlns:p="http://schemas.openxmlformats.org/presentationml/2006/main" saveSubsetFonts="1">
   <p:sldMasterIdLst>
-    <p:sldMasterId id="2147483648" r:id="rId1"/>
+    <p:sldMasterId id="2147483660" r:id="rId1"/>
   </p:sldMasterIdLst>
   <p:sldIdLst>
     <p:sldId id="256" r:id="rId2"/>
+    <p:sldId id="257" r:id="rId3"/>
+    <p:sldId id="264" r:id="rId4"/>
+    <p:sldId id="258" r:id="rId5"/>
+    <p:sldId id="259" r:id="rId6"/>
+    <p:sldId id="260" r:id="rId7"/>
+    <p:sldId id="261" r:id="rId8"/>
+    <p:sldId id="262" r:id="rId9"/>
+    <p:sldId id="263" r:id="rId10"/>
   </p:sldIdLst>
   <p:sldSz cx="12192000" cy="6858000"/>
   <p:notesSz cx="6858000" cy="9144000"/>
@@ -13,7 +21,7 @@
     <a:defPPr>
       <a:defRPr lang="en-US"/>
     </a:defPPr>
-    <a:lvl1pPr marL="0" algn="l" defTabSz="914400" rtl="0" eaLnBrk="1" latinLnBrk="0" hangingPunct="1">
+    <a:lvl1pPr marL="0" algn="l" defTabSz="457200" rtl="0" eaLnBrk="1" latinLnBrk="0" hangingPunct="1">
       <a:defRPr sz="1800" kern="1200">
         <a:solidFill>
           <a:schemeClr val="tx1"/>
@@ -23,7 +31,7 @@
         <a:cs typeface="+mn-cs"/>
       </a:defRPr>
     </a:lvl1pPr>
-    <a:lvl2pPr marL="457200" algn="l" defTabSz="914400" rtl="0" eaLnBrk="1" latinLnBrk="0" hangingPunct="1">
+    <a:lvl2pPr marL="457200" algn="l" defTabSz="457200" rtl="0" eaLnBrk="1" latinLnBrk="0" hangingPunct="1">
       <a:defRPr sz="1800" kern="1200">
         <a:solidFill>
           <a:schemeClr val="tx1"/>
@@ -33,7 +41,7 @@
         <a:cs typeface="+mn-cs"/>
       </a:defRPr>
     </a:lvl2pPr>
-    <a:lvl3pPr marL="914400" algn="l" defTabSz="914400" rtl="0" eaLnBrk="1" latinLnBrk="0" hangingPunct="1">
+    <a:lvl3pPr marL="914400" algn="l" defTabSz="457200" rtl="0" eaLnBrk="1" latinLnBrk="0" hangingPunct="1">
       <a:defRPr sz="1800" kern="1200">
         <a:solidFill>
           <a:schemeClr val="tx1"/>
@@ -43,7 +51,7 @@
         <a:cs typeface="+mn-cs"/>
       </a:defRPr>
     </a:lvl3pPr>
-    <a:lvl4pPr marL="1371600" algn="l" defTabSz="914400" rtl="0" eaLnBrk="1" latinLnBrk="0" hangingPunct="1">
+    <a:lvl4pPr marL="1371600" algn="l" defTabSz="457200" rtl="0" eaLnBrk="1" latinLnBrk="0" hangingPunct="1">
       <a:defRPr sz="1800" kern="1200">
         <a:solidFill>
           <a:schemeClr val="tx1"/>
@@ -53,7 +61,7 @@
         <a:cs typeface="+mn-cs"/>
       </a:defRPr>
     </a:lvl4pPr>
-    <a:lvl5pPr marL="1828800" algn="l" defTabSz="914400" rtl="0" eaLnBrk="1" latinLnBrk="0" hangingPunct="1">
+    <a:lvl5pPr marL="1828800" algn="l" defTabSz="457200" rtl="0" eaLnBrk="1" latinLnBrk="0" hangingPunct="1">
       <a:defRPr sz="1800" kern="1200">
         <a:solidFill>
           <a:schemeClr val="tx1"/>
@@ -63,7 +71,7 @@
         <a:cs typeface="+mn-cs"/>
       </a:defRPr>
     </a:lvl5pPr>
-    <a:lvl6pPr marL="2286000" algn="l" defTabSz="914400" rtl="0" eaLnBrk="1" latinLnBrk="0" hangingPunct="1">
+    <a:lvl6pPr marL="2286000" algn="l" defTabSz="457200" rtl="0" eaLnBrk="1" latinLnBrk="0" hangingPunct="1">
       <a:defRPr sz="1800" kern="1200">
         <a:solidFill>
           <a:schemeClr val="tx1"/>
@@ -73,7 +81,7 @@
         <a:cs typeface="+mn-cs"/>
       </a:defRPr>
     </a:lvl6pPr>
-    <a:lvl7pPr marL="2743200" algn="l" defTabSz="914400" rtl="0" eaLnBrk="1" latinLnBrk="0" hangingPunct="1">
+    <a:lvl7pPr marL="2743200" algn="l" defTabSz="457200" rtl="0" eaLnBrk="1" latinLnBrk="0" hangingPunct="1">
       <a:defRPr sz="1800" kern="1200">
         <a:solidFill>
           <a:schemeClr val="tx1"/>
@@ -83,7 +91,7 @@
         <a:cs typeface="+mn-cs"/>
       </a:defRPr>
     </a:lvl7pPr>
-    <a:lvl8pPr marL="3200400" algn="l" defTabSz="914400" rtl="0" eaLnBrk="1" latinLnBrk="0" hangingPunct="1">
+    <a:lvl8pPr marL="3200400" algn="l" defTabSz="457200" rtl="0" eaLnBrk="1" latinLnBrk="0" hangingPunct="1">
       <a:defRPr sz="1800" kern="1200">
         <a:solidFill>
           <a:schemeClr val="tx1"/>
@@ -93,7 +101,7 @@
         <a:cs typeface="+mn-cs"/>
       </a:defRPr>
     </a:lvl8pPr>
-    <a:lvl9pPr marL="3657600" algn="l" defTabSz="914400" rtl="0" eaLnBrk="1" latinLnBrk="0" hangingPunct="1">
+    <a:lvl9pPr marL="3657600" algn="l" defTabSz="457200" rtl="0" eaLnBrk="1" latinLnBrk="0" hangingPunct="1">
       <a:defRPr sz="1800" kern="1200">
         <a:solidFill>
           <a:schemeClr val="tx1"/>
@@ -126,13 +134,7 @@
       </p:grpSpPr>
       <p:sp>
         <p:nvSpPr>
-          <p:cNvPr id="2" name="Title 1">
-            <a:extLst>
-              <a:ext uri="{FF2B5EF4-FFF2-40B4-BE49-F238E27FC236}">
-                <a16:creationId xmlns:a16="http://schemas.microsoft.com/office/drawing/2014/main" id="{D7D5513F-D20A-4C8D-93CA-9EE0D3524B04}"/>
-              </a:ext>
-            </a:extLst>
-          </p:cNvPr>
+          <p:cNvPr id="2" name="Title 1"/>
           <p:cNvSpPr>
             <a:spLocks noGrp="1"/>
           </p:cNvSpPr>
@@ -142,15 +144,17 @@
         </p:nvSpPr>
         <p:spPr>
           <a:xfrm>
-            <a:off x="1524000" y="1122363"/>
-            <a:ext cx="9144000" cy="2387600"/>
+            <a:off x="2589213" y="2514600"/>
+            <a:ext cx="8915399" cy="2262781"/>
           </a:xfrm>
         </p:spPr>
         <p:txBody>
-          <a:bodyPr anchor="b"/>
+          <a:bodyPr anchor="b">
+            <a:normAutofit/>
+          </a:bodyPr>
           <a:lstStyle>
-            <a:lvl1pPr algn="ctr">
-              <a:defRPr sz="6000"/>
+            <a:lvl1pPr>
+              <a:defRPr sz="5400"/>
             </a:lvl1pPr>
           </a:lstStyle>
           <a:p>
@@ -158,19 +162,13 @@
               <a:rPr lang="en-US"/>
               <a:t>Click to edit Master title style</a:t>
             </a:r>
-            <a:endParaRPr lang="en-CA"/>
-          </a:p>
-        </p:txBody>
-      </p:sp>
-      <p:sp>
-        <p:nvSpPr>
-          <p:cNvPr id="3" name="Subtitle 2">
-            <a:extLst>
-              <a:ext uri="{FF2B5EF4-FFF2-40B4-BE49-F238E27FC236}">
-                <a16:creationId xmlns:a16="http://schemas.microsoft.com/office/drawing/2014/main" id="{4EDAC618-CCA8-460A-9B1A-5821C301501A}"/>
-              </a:ext>
-            </a:extLst>
-          </p:cNvPr>
+            <a:endParaRPr lang="en-US" dirty="0"/>
+          </a:p>
+        </p:txBody>
+      </p:sp>
+      <p:sp>
+        <p:nvSpPr>
+          <p:cNvPr id="3" name="Subtitle 2"/>
           <p:cNvSpPr>
             <a:spLocks noGrp="1"/>
           </p:cNvSpPr>
@@ -180,48 +178,103 @@
         </p:nvSpPr>
         <p:spPr>
           <a:xfrm>
-            <a:off x="1524000" y="3602038"/>
-            <a:ext cx="9144000" cy="1655762"/>
+            <a:off x="2589213" y="4777379"/>
+            <a:ext cx="8915399" cy="1126283"/>
           </a:xfrm>
         </p:spPr>
         <p:txBody>
-          <a:bodyPr/>
+          <a:bodyPr anchor="t"/>
           <a:lstStyle>
-            <a:lvl1pPr marL="0" indent="0" algn="ctr">
-              <a:buNone/>
-              <a:defRPr sz="2400"/>
+            <a:lvl1pPr marL="0" indent="0" algn="l">
+              <a:buNone/>
+              <a:defRPr>
+                <a:solidFill>
+                  <a:schemeClr val="tx1">
+                    <a:lumMod val="65000"/>
+                    <a:lumOff val="35000"/>
+                  </a:schemeClr>
+                </a:solidFill>
+              </a:defRPr>
             </a:lvl1pPr>
             <a:lvl2pPr marL="457200" indent="0" algn="ctr">
               <a:buNone/>
-              <a:defRPr sz="2000"/>
+              <a:defRPr>
+                <a:solidFill>
+                  <a:schemeClr val="tx1">
+                    <a:tint val="75000"/>
+                  </a:schemeClr>
+                </a:solidFill>
+              </a:defRPr>
             </a:lvl2pPr>
             <a:lvl3pPr marL="914400" indent="0" algn="ctr">
               <a:buNone/>
-              <a:defRPr sz="1800"/>
+              <a:defRPr>
+                <a:solidFill>
+                  <a:schemeClr val="tx1">
+                    <a:tint val="75000"/>
+                  </a:schemeClr>
+                </a:solidFill>
+              </a:defRPr>
             </a:lvl3pPr>
             <a:lvl4pPr marL="1371600" indent="0" algn="ctr">
               <a:buNone/>
-              <a:defRPr sz="1600"/>
+              <a:defRPr>
+                <a:solidFill>
+                  <a:schemeClr val="tx1">
+                    <a:tint val="75000"/>
+                  </a:schemeClr>
+                </a:solidFill>
+              </a:defRPr>
             </a:lvl4pPr>
             <a:lvl5pPr marL="1828800" indent="0" algn="ctr">
               <a:buNone/>
-              <a:defRPr sz="1600"/>
+              <a:defRPr>
+                <a:solidFill>
+                  <a:schemeClr val="tx1">
+                    <a:tint val="75000"/>
+                  </a:schemeClr>
+                </a:solidFill>
+              </a:defRPr>
             </a:lvl5pPr>
             <a:lvl6pPr marL="2286000" indent="0" algn="ctr">
               <a:buNone/>
-              <a:defRPr sz="1600"/>
+              <a:defRPr>
+                <a:solidFill>
+                  <a:schemeClr val="tx1">
+                    <a:tint val="75000"/>
+                  </a:schemeClr>
+                </a:solidFill>
+              </a:defRPr>
             </a:lvl6pPr>
             <a:lvl7pPr marL="2743200" indent="0" algn="ctr">
               <a:buNone/>
-              <a:defRPr sz="1600"/>
+              <a:defRPr>
+                <a:solidFill>
+                  <a:schemeClr val="tx1">
+                    <a:tint val="75000"/>
+                  </a:schemeClr>
+                </a:solidFill>
+              </a:defRPr>
             </a:lvl7pPr>
             <a:lvl8pPr marL="3200400" indent="0" algn="ctr">
               <a:buNone/>
-              <a:defRPr sz="1600"/>
+              <a:defRPr>
+                <a:solidFill>
+                  <a:schemeClr val="tx1">
+                    <a:tint val="75000"/>
+                  </a:schemeClr>
+                </a:solidFill>
+              </a:defRPr>
             </a:lvl8pPr>
             <a:lvl9pPr marL="3657600" indent="0" algn="ctr">
               <a:buNone/>
-              <a:defRPr sz="1600"/>
+              <a:defRPr>
+                <a:solidFill>
+                  <a:schemeClr val="tx1">
+                    <a:tint val="75000"/>
+                  </a:schemeClr>
+                </a:solidFill>
+              </a:defRPr>
             </a:lvl9pPr>
           </a:lstStyle>
           <a:p>
@@ -229,19 +282,13 @@
               <a:rPr lang="en-US"/>
               <a:t>Click to edit Master subtitle style</a:t>
             </a:r>
-            <a:endParaRPr lang="en-CA"/>
-          </a:p>
-        </p:txBody>
-      </p:sp>
-      <p:sp>
-        <p:nvSpPr>
-          <p:cNvPr id="4" name="Date Placeholder 3">
-            <a:extLst>
-              <a:ext uri="{FF2B5EF4-FFF2-40B4-BE49-F238E27FC236}">
-                <a16:creationId xmlns:a16="http://schemas.microsoft.com/office/drawing/2014/main" id="{C8000097-A503-4DD7-8B4A-9BD86A8BDFB6}"/>
-              </a:ext>
-            </a:extLst>
-          </p:cNvPr>
+            <a:endParaRPr lang="en-US" dirty="0"/>
+          </a:p>
+        </p:txBody>
+      </p:sp>
+      <p:sp>
+        <p:nvSpPr>
+          <p:cNvPr id="4" name="Date Placeholder 3"/>
           <p:cNvSpPr>
             <a:spLocks noGrp="1"/>
           </p:cNvSpPr>
@@ -264,13 +311,7 @@
       </p:sp>
       <p:sp>
         <p:nvSpPr>
-          <p:cNvPr id="5" name="Footer Placeholder 4">
-            <a:extLst>
-              <a:ext uri="{FF2B5EF4-FFF2-40B4-BE49-F238E27FC236}">
-                <a16:creationId xmlns:a16="http://schemas.microsoft.com/office/drawing/2014/main" id="{D1BC557C-E53F-49C7-BD56-546D4261C43A}"/>
-              </a:ext>
-            </a:extLst>
-          </p:cNvPr>
+          <p:cNvPr id="5" name="Footer Placeholder 4"/>
           <p:cNvSpPr>
             <a:spLocks noGrp="1"/>
           </p:cNvSpPr>
@@ -289,13 +330,89 @@
       </p:sp>
       <p:sp>
         <p:nvSpPr>
-          <p:cNvPr id="6" name="Slide Number Placeholder 5">
-            <a:extLst>
-              <a:ext uri="{FF2B5EF4-FFF2-40B4-BE49-F238E27FC236}">
-                <a16:creationId xmlns:a16="http://schemas.microsoft.com/office/drawing/2014/main" id="{5AC9C1C0-F5EB-4DF7-B59D-35063E5775B6}"/>
-              </a:ext>
-            </a:extLst>
-          </p:cNvPr>
+          <p:cNvPr id="7" name="Freeform 6"/>
+          <p:cNvSpPr/>
+          <p:nvPr/>
+        </p:nvSpPr>
+        <p:spPr bwMode="auto">
+          <a:xfrm>
+            <a:off x="0" y="4323810"/>
+            <a:ext cx="1744652" cy="778589"/>
+          </a:xfrm>
+          <a:custGeom>
+            <a:avLst/>
+            <a:gdLst/>
+            <a:ahLst/>
+            <a:cxnLst/>
+            <a:rect l="0" t="0" r="r" b="b"/>
+            <a:pathLst>
+              <a:path w="372" h="166">
+                <a:moveTo>
+                  <a:pt x="287" y="166"/>
+                </a:moveTo>
+                <a:cubicBezTo>
+                  <a:pt x="290" y="166"/>
+                  <a:pt x="292" y="165"/>
+                  <a:pt x="293" y="164"/>
+                </a:cubicBezTo>
+                <a:cubicBezTo>
+                  <a:pt x="293" y="163"/>
+                  <a:pt x="294" y="163"/>
+                  <a:pt x="294" y="163"/>
+                </a:cubicBezTo>
+                <a:cubicBezTo>
+                  <a:pt x="370" y="87"/>
+                  <a:pt x="370" y="87"/>
+                  <a:pt x="370" y="87"/>
+                </a:cubicBezTo>
+                <a:cubicBezTo>
+                  <a:pt x="372" y="85"/>
+                  <a:pt x="372" y="81"/>
+                  <a:pt x="370" y="78"/>
+                </a:cubicBezTo>
+                <a:cubicBezTo>
+                  <a:pt x="294" y="3"/>
+                  <a:pt x="294" y="3"/>
+                  <a:pt x="294" y="3"/>
+                </a:cubicBezTo>
+                <a:cubicBezTo>
+                  <a:pt x="294" y="2"/>
+                  <a:pt x="293" y="2"/>
+                  <a:pt x="293" y="2"/>
+                </a:cubicBezTo>
+                <a:cubicBezTo>
+                  <a:pt x="292" y="1"/>
+                  <a:pt x="290" y="0"/>
+                  <a:pt x="287" y="0"/>
+                </a:cubicBezTo>
+                <a:cubicBezTo>
+                  <a:pt x="0" y="0"/>
+                  <a:pt x="0" y="0"/>
+                  <a:pt x="0" y="0"/>
+                </a:cubicBezTo>
+                <a:cubicBezTo>
+                  <a:pt x="0" y="166"/>
+                  <a:pt x="0" y="166"/>
+                  <a:pt x="0" y="166"/>
+                </a:cubicBezTo>
+                <a:lnTo>
+                  <a:pt x="287" y="166"/>
+                </a:lnTo>
+                <a:close/>
+              </a:path>
+            </a:pathLst>
+          </a:custGeom>
+          <a:solidFill>
+            <a:schemeClr val="accent1"/>
+          </a:solidFill>
+          <a:ln>
+            <a:noFill/>
+          </a:ln>
+        </p:spPr>
+      </p:sp>
+      <p:sp>
+        <p:nvSpPr>
+          <p:cNvPr id="6" name="Slide Number Placeholder 5"/>
           <p:cNvSpPr>
             <a:spLocks noGrp="1"/>
           </p:cNvSpPr>
@@ -303,7 +420,12 @@
             <p:ph type="sldNum" sz="quarter" idx="12"/>
           </p:nvPr>
         </p:nvSpPr>
-        <p:spPr/>
+        <p:spPr>
+          <a:xfrm>
+            <a:off x="531812" y="4529540"/>
+            <a:ext cx="779767" cy="365125"/>
+          </a:xfrm>
+        </p:spPr>
         <p:txBody>
           <a:bodyPr/>
           <a:lstStyle/>
@@ -319,7 +441,7 @@
     </p:spTree>
     <p:extLst>
       <p:ext uri="{BB962C8B-B14F-4D97-AF65-F5344CB8AC3E}">
-        <p14:creationId xmlns:p14="http://schemas.microsoft.com/office/powerpoint/2010/main" val="1995437001"/>
+        <p14:creationId xmlns:p14="http://schemas.microsoft.com/office/powerpoint/2010/main" val="1604508395"/>
       </p:ext>
     </p:extLst>
   </p:cSld>
@@ -330,6 +452,1797 @@
 </file>
 
 <file path=ppt/slideLayouts/slideLayout10.xml><?xml version="1.0" encoding="utf-8"?>
+<p:sldLayout xmlns:a="http://schemas.openxmlformats.org/drawingml/2006/main" xmlns:r="http://schemas.openxmlformats.org/officeDocument/2006/relationships" xmlns:p="http://schemas.openxmlformats.org/presentationml/2006/main" preserve="1">
+  <p:cSld name="Title and Caption">
+    <p:spTree>
+      <p:nvGrpSpPr>
+        <p:cNvPr id="1" name=""/>
+        <p:cNvGrpSpPr/>
+        <p:nvPr/>
+      </p:nvGrpSpPr>
+      <p:grpSpPr>
+        <a:xfrm>
+          <a:off x="0" y="0"/>
+          <a:ext cx="0" cy="0"/>
+          <a:chOff x="0" y="0"/>
+          <a:chExt cx="0" cy="0"/>
+        </a:xfrm>
+      </p:grpSpPr>
+      <p:sp>
+        <p:nvSpPr>
+          <p:cNvPr id="2" name="Title 1"/>
+          <p:cNvSpPr>
+            <a:spLocks noGrp="1"/>
+          </p:cNvSpPr>
+          <p:nvPr>
+            <p:ph type="title"/>
+          </p:nvPr>
+        </p:nvSpPr>
+        <p:spPr>
+          <a:xfrm>
+            <a:off x="2589212" y="609600"/>
+            <a:ext cx="8915399" cy="3117040"/>
+          </a:xfrm>
+        </p:spPr>
+        <p:txBody>
+          <a:bodyPr anchor="ctr">
+            <a:normAutofit/>
+          </a:bodyPr>
+          <a:lstStyle>
+            <a:lvl1pPr algn="l">
+              <a:defRPr sz="4800" b="0" cap="none"/>
+            </a:lvl1pPr>
+          </a:lstStyle>
+          <a:p>
+            <a:r>
+              <a:rPr lang="en-US"/>
+              <a:t>Click to edit Master title style</a:t>
+            </a:r>
+            <a:endParaRPr lang="en-US" dirty="0"/>
+          </a:p>
+        </p:txBody>
+      </p:sp>
+      <p:sp>
+        <p:nvSpPr>
+          <p:cNvPr id="3" name="Text Placeholder 2"/>
+          <p:cNvSpPr>
+            <a:spLocks noGrp="1"/>
+          </p:cNvSpPr>
+          <p:nvPr>
+            <p:ph type="body" idx="1"/>
+          </p:nvPr>
+        </p:nvSpPr>
+        <p:spPr>
+          <a:xfrm>
+            <a:off x="2589212" y="4354046"/>
+            <a:ext cx="8915399" cy="1555864"/>
+          </a:xfrm>
+        </p:spPr>
+        <p:txBody>
+          <a:bodyPr anchor="ctr">
+            <a:normAutofit/>
+          </a:bodyPr>
+          <a:lstStyle>
+            <a:lvl1pPr marL="0" indent="0" algn="l">
+              <a:buNone/>
+              <a:defRPr sz="1800">
+                <a:solidFill>
+                  <a:schemeClr val="tx1">
+                    <a:lumMod val="65000"/>
+                    <a:lumOff val="35000"/>
+                  </a:schemeClr>
+                </a:solidFill>
+              </a:defRPr>
+            </a:lvl1pPr>
+            <a:lvl2pPr marL="457200" indent="0">
+              <a:buNone/>
+              <a:defRPr sz="1800">
+                <a:solidFill>
+                  <a:schemeClr val="tx1">
+                    <a:tint val="75000"/>
+                  </a:schemeClr>
+                </a:solidFill>
+              </a:defRPr>
+            </a:lvl2pPr>
+            <a:lvl3pPr marL="914400" indent="0">
+              <a:buNone/>
+              <a:defRPr sz="1600">
+                <a:solidFill>
+                  <a:schemeClr val="tx1">
+                    <a:tint val="75000"/>
+                  </a:schemeClr>
+                </a:solidFill>
+              </a:defRPr>
+            </a:lvl3pPr>
+            <a:lvl4pPr marL="1371600" indent="0">
+              <a:buNone/>
+              <a:defRPr sz="1400">
+                <a:solidFill>
+                  <a:schemeClr val="tx1">
+                    <a:tint val="75000"/>
+                  </a:schemeClr>
+                </a:solidFill>
+              </a:defRPr>
+            </a:lvl4pPr>
+            <a:lvl5pPr marL="1828800" indent="0">
+              <a:buNone/>
+              <a:defRPr sz="1400">
+                <a:solidFill>
+                  <a:schemeClr val="tx1">
+                    <a:tint val="75000"/>
+                  </a:schemeClr>
+                </a:solidFill>
+              </a:defRPr>
+            </a:lvl5pPr>
+            <a:lvl6pPr marL="2286000" indent="0">
+              <a:buNone/>
+              <a:defRPr sz="1400">
+                <a:solidFill>
+                  <a:schemeClr val="tx1">
+                    <a:tint val="75000"/>
+                  </a:schemeClr>
+                </a:solidFill>
+              </a:defRPr>
+            </a:lvl6pPr>
+            <a:lvl7pPr marL="2743200" indent="0">
+              <a:buNone/>
+              <a:defRPr sz="1400">
+                <a:solidFill>
+                  <a:schemeClr val="tx1">
+                    <a:tint val="75000"/>
+                  </a:schemeClr>
+                </a:solidFill>
+              </a:defRPr>
+            </a:lvl7pPr>
+            <a:lvl8pPr marL="3200400" indent="0">
+              <a:buNone/>
+              <a:defRPr sz="1400">
+                <a:solidFill>
+                  <a:schemeClr val="tx1">
+                    <a:tint val="75000"/>
+                  </a:schemeClr>
+                </a:solidFill>
+              </a:defRPr>
+            </a:lvl8pPr>
+            <a:lvl9pPr marL="3657600" indent="0">
+              <a:buNone/>
+              <a:defRPr sz="1400">
+                <a:solidFill>
+                  <a:schemeClr val="tx1">
+                    <a:tint val="75000"/>
+                  </a:schemeClr>
+                </a:solidFill>
+              </a:defRPr>
+            </a:lvl9pPr>
+          </a:lstStyle>
+          <a:p>
+            <a:pPr lvl="0"/>
+            <a:r>
+              <a:rPr lang="en-US"/>
+              <a:t>Edit Master text styles</a:t>
+            </a:r>
+          </a:p>
+        </p:txBody>
+      </p:sp>
+      <p:sp>
+        <p:nvSpPr>
+          <p:cNvPr id="4" name="Date Placeholder 3"/>
+          <p:cNvSpPr>
+            <a:spLocks noGrp="1"/>
+          </p:cNvSpPr>
+          <p:nvPr>
+            <p:ph type="dt" sz="half" idx="10"/>
+          </p:nvPr>
+        </p:nvSpPr>
+        <p:spPr/>
+        <p:txBody>
+          <a:bodyPr/>
+          <a:lstStyle/>
+          <a:p>
+            <a:fld id="{246C5E47-072E-4EAC-AAC0-11FD7F84E200}" type="datetimeFigureOut">
+              <a:rPr lang="en-CA" smtClean="0"/>
+              <a:t>2019-01-07</a:t>
+            </a:fld>
+            <a:endParaRPr lang="en-CA"/>
+          </a:p>
+        </p:txBody>
+      </p:sp>
+      <p:sp>
+        <p:nvSpPr>
+          <p:cNvPr id="5" name="Footer Placeholder 4"/>
+          <p:cNvSpPr>
+            <a:spLocks noGrp="1"/>
+          </p:cNvSpPr>
+          <p:nvPr>
+            <p:ph type="ftr" sz="quarter" idx="11"/>
+          </p:nvPr>
+        </p:nvSpPr>
+        <p:spPr/>
+        <p:txBody>
+          <a:bodyPr/>
+          <a:lstStyle/>
+          <a:p>
+            <a:endParaRPr lang="en-CA"/>
+          </a:p>
+        </p:txBody>
+      </p:sp>
+      <p:sp>
+        <p:nvSpPr>
+          <p:cNvPr id="9" name="Freeform 11"/>
+          <p:cNvSpPr/>
+          <p:nvPr/>
+        </p:nvSpPr>
+        <p:spPr bwMode="auto">
+          <a:xfrm flipV="1">
+            <a:off x="-4189" y="3178175"/>
+            <a:ext cx="1588527" cy="507297"/>
+          </a:xfrm>
+          <a:custGeom>
+            <a:avLst/>
+            <a:gdLst/>
+            <a:ahLst/>
+            <a:cxnLst/>
+            <a:rect l="l" t="t" r="r" b="b"/>
+            <a:pathLst>
+              <a:path w="9248" h="10000">
+                <a:moveTo>
+                  <a:pt x="9248" y="4701"/>
+                </a:moveTo>
+                <a:lnTo>
+                  <a:pt x="7915" y="188"/>
+                </a:lnTo>
+                <a:cubicBezTo>
+                  <a:pt x="7906" y="156"/>
+                  <a:pt x="7895" y="126"/>
+                  <a:pt x="7886" y="94"/>
+                </a:cubicBezTo>
+                <a:cubicBezTo>
+                  <a:pt x="7859" y="0"/>
+                  <a:pt x="7831" y="0"/>
+                  <a:pt x="7803" y="0"/>
+                </a:cubicBezTo>
+                <a:lnTo>
+                  <a:pt x="7275" y="0"/>
+                </a:lnTo>
+                <a:lnTo>
+                  <a:pt x="0" y="70"/>
+                </a:lnTo>
+                <a:cubicBezTo>
+                  <a:pt x="8" y="3380"/>
+                  <a:pt x="17" y="6690"/>
+                  <a:pt x="25" y="10000"/>
+                </a:cubicBezTo>
+                <a:lnTo>
+                  <a:pt x="7275" y="9966"/>
+                </a:lnTo>
+                <a:lnTo>
+                  <a:pt x="7803" y="9966"/>
+                </a:lnTo>
+                <a:cubicBezTo>
+                  <a:pt x="7831" y="9966"/>
+                  <a:pt x="7859" y="9872"/>
+                  <a:pt x="7886" y="9872"/>
+                </a:cubicBezTo>
+                <a:cubicBezTo>
+                  <a:pt x="7886" y="9778"/>
+                  <a:pt x="7915" y="9778"/>
+                  <a:pt x="7915" y="9778"/>
+                </a:cubicBezTo>
+                <a:lnTo>
+                  <a:pt x="9248" y="5265"/>
+                </a:lnTo>
+                <a:cubicBezTo>
+                  <a:pt x="9303" y="5077"/>
+                  <a:pt x="9303" y="4889"/>
+                  <a:pt x="9248" y="4701"/>
+                </a:cubicBezTo>
+                <a:close/>
+              </a:path>
+            </a:pathLst>
+          </a:custGeom>
+          <a:solidFill>
+            <a:schemeClr val="accent1"/>
+          </a:solidFill>
+          <a:ln>
+            <a:noFill/>
+          </a:ln>
+        </p:spPr>
+      </p:sp>
+      <p:sp>
+        <p:nvSpPr>
+          <p:cNvPr id="6" name="Slide Number Placeholder 5"/>
+          <p:cNvSpPr>
+            <a:spLocks noGrp="1"/>
+          </p:cNvSpPr>
+          <p:nvPr>
+            <p:ph type="sldNum" sz="quarter" idx="12"/>
+          </p:nvPr>
+        </p:nvSpPr>
+        <p:spPr>
+          <a:xfrm>
+            <a:off x="531812" y="3244139"/>
+            <a:ext cx="779767" cy="365125"/>
+          </a:xfrm>
+        </p:spPr>
+        <p:txBody>
+          <a:bodyPr/>
+          <a:lstStyle/>
+          <a:p>
+            <a:fld id="{FD4A1270-0610-4B4B-BF66-BFA6EF146215}" type="slidenum">
+              <a:rPr lang="en-CA" smtClean="0"/>
+              <a:t>‹#›</a:t>
+            </a:fld>
+            <a:endParaRPr lang="en-CA"/>
+          </a:p>
+        </p:txBody>
+      </p:sp>
+    </p:spTree>
+    <p:extLst>
+      <p:ext uri="{BB962C8B-B14F-4D97-AF65-F5344CB8AC3E}">
+        <p14:creationId xmlns:p14="http://schemas.microsoft.com/office/powerpoint/2010/main" val="893460052"/>
+      </p:ext>
+    </p:extLst>
+  </p:cSld>
+  <p:clrMapOvr>
+    <a:masterClrMapping/>
+  </p:clrMapOvr>
+</p:sldLayout>
+</file>
+
+<file path=ppt/slideLayouts/slideLayout11.xml><?xml version="1.0" encoding="utf-8"?>
+<p:sldLayout xmlns:a="http://schemas.openxmlformats.org/drawingml/2006/main" xmlns:r="http://schemas.openxmlformats.org/officeDocument/2006/relationships" xmlns:p="http://schemas.openxmlformats.org/presentationml/2006/main" preserve="1">
+  <p:cSld name="Quote with Caption">
+    <p:spTree>
+      <p:nvGrpSpPr>
+        <p:cNvPr id="1" name=""/>
+        <p:cNvGrpSpPr/>
+        <p:nvPr/>
+      </p:nvGrpSpPr>
+      <p:grpSpPr>
+        <a:xfrm>
+          <a:off x="0" y="0"/>
+          <a:ext cx="0" cy="0"/>
+          <a:chOff x="0" y="0"/>
+          <a:chExt cx="0" cy="0"/>
+        </a:xfrm>
+      </p:grpSpPr>
+      <p:sp>
+        <p:nvSpPr>
+          <p:cNvPr id="2" name="Title 1"/>
+          <p:cNvSpPr>
+            <a:spLocks noGrp="1"/>
+          </p:cNvSpPr>
+          <p:nvPr>
+            <p:ph type="title"/>
+          </p:nvPr>
+        </p:nvSpPr>
+        <p:spPr>
+          <a:xfrm>
+            <a:off x="2849949" y="609600"/>
+            <a:ext cx="8393926" cy="2895600"/>
+          </a:xfrm>
+        </p:spPr>
+        <p:txBody>
+          <a:bodyPr anchor="ctr">
+            <a:normAutofit/>
+          </a:bodyPr>
+          <a:lstStyle>
+            <a:lvl1pPr algn="l">
+              <a:defRPr sz="4800" b="0" cap="none"/>
+            </a:lvl1pPr>
+          </a:lstStyle>
+          <a:p>
+            <a:r>
+              <a:rPr lang="en-US"/>
+              <a:t>Click to edit Master title style</a:t>
+            </a:r>
+            <a:endParaRPr lang="en-US" dirty="0"/>
+          </a:p>
+        </p:txBody>
+      </p:sp>
+      <p:sp>
+        <p:nvSpPr>
+          <p:cNvPr id="13" name="Text Placeholder 9"/>
+          <p:cNvSpPr>
+            <a:spLocks noGrp="1"/>
+          </p:cNvSpPr>
+          <p:nvPr>
+            <p:ph type="body" sz="quarter" idx="13"/>
+          </p:nvPr>
+        </p:nvSpPr>
+        <p:spPr>
+          <a:xfrm>
+            <a:off x="3275012" y="3505200"/>
+            <a:ext cx="7536554" cy="381000"/>
+          </a:xfrm>
+        </p:spPr>
+        <p:txBody>
+          <a:bodyPr anchor="ctr">
+            <a:noAutofit/>
+          </a:bodyPr>
+          <a:lstStyle>
+            <a:lvl1pPr marL="0" indent="0">
+              <a:buFontTx/>
+              <a:buNone/>
+              <a:defRPr sz="1600">
+                <a:solidFill>
+                  <a:schemeClr val="tx1">
+                    <a:lumMod val="50000"/>
+                    <a:lumOff val="50000"/>
+                  </a:schemeClr>
+                </a:solidFill>
+              </a:defRPr>
+            </a:lvl1pPr>
+            <a:lvl2pPr marL="457200" indent="0">
+              <a:buFontTx/>
+              <a:buNone/>
+              <a:defRPr/>
+            </a:lvl2pPr>
+            <a:lvl3pPr marL="914400" indent="0">
+              <a:buFontTx/>
+              <a:buNone/>
+              <a:defRPr/>
+            </a:lvl3pPr>
+            <a:lvl4pPr marL="1371600" indent="0">
+              <a:buFontTx/>
+              <a:buNone/>
+              <a:defRPr/>
+            </a:lvl4pPr>
+            <a:lvl5pPr marL="1828800" indent="0">
+              <a:buFontTx/>
+              <a:buNone/>
+              <a:defRPr/>
+            </a:lvl5pPr>
+          </a:lstStyle>
+          <a:p>
+            <a:pPr lvl="0"/>
+            <a:r>
+              <a:rPr lang="en-US"/>
+              <a:t>Edit Master text styles</a:t>
+            </a:r>
+          </a:p>
+        </p:txBody>
+      </p:sp>
+      <p:sp>
+        <p:nvSpPr>
+          <p:cNvPr id="3" name="Text Placeholder 2"/>
+          <p:cNvSpPr>
+            <a:spLocks noGrp="1"/>
+          </p:cNvSpPr>
+          <p:nvPr>
+            <p:ph type="body" idx="1"/>
+          </p:nvPr>
+        </p:nvSpPr>
+        <p:spPr>
+          <a:xfrm>
+            <a:off x="2589212" y="4354046"/>
+            <a:ext cx="8915399" cy="1555864"/>
+          </a:xfrm>
+        </p:spPr>
+        <p:txBody>
+          <a:bodyPr anchor="ctr">
+            <a:normAutofit/>
+          </a:bodyPr>
+          <a:lstStyle>
+            <a:lvl1pPr marL="0" indent="0" algn="l">
+              <a:buNone/>
+              <a:defRPr sz="1800">
+                <a:solidFill>
+                  <a:schemeClr val="tx1">
+                    <a:lumMod val="65000"/>
+                    <a:lumOff val="35000"/>
+                  </a:schemeClr>
+                </a:solidFill>
+              </a:defRPr>
+            </a:lvl1pPr>
+            <a:lvl2pPr marL="457200" indent="0">
+              <a:buNone/>
+              <a:defRPr sz="1800">
+                <a:solidFill>
+                  <a:schemeClr val="tx1">
+                    <a:tint val="75000"/>
+                  </a:schemeClr>
+                </a:solidFill>
+              </a:defRPr>
+            </a:lvl2pPr>
+            <a:lvl3pPr marL="914400" indent="0">
+              <a:buNone/>
+              <a:defRPr sz="1600">
+                <a:solidFill>
+                  <a:schemeClr val="tx1">
+                    <a:tint val="75000"/>
+                  </a:schemeClr>
+                </a:solidFill>
+              </a:defRPr>
+            </a:lvl3pPr>
+            <a:lvl4pPr marL="1371600" indent="0">
+              <a:buNone/>
+              <a:defRPr sz="1400">
+                <a:solidFill>
+                  <a:schemeClr val="tx1">
+                    <a:tint val="75000"/>
+                  </a:schemeClr>
+                </a:solidFill>
+              </a:defRPr>
+            </a:lvl4pPr>
+            <a:lvl5pPr marL="1828800" indent="0">
+              <a:buNone/>
+              <a:defRPr sz="1400">
+                <a:solidFill>
+                  <a:schemeClr val="tx1">
+                    <a:tint val="75000"/>
+                  </a:schemeClr>
+                </a:solidFill>
+              </a:defRPr>
+            </a:lvl5pPr>
+            <a:lvl6pPr marL="2286000" indent="0">
+              <a:buNone/>
+              <a:defRPr sz="1400">
+                <a:solidFill>
+                  <a:schemeClr val="tx1">
+                    <a:tint val="75000"/>
+                  </a:schemeClr>
+                </a:solidFill>
+              </a:defRPr>
+            </a:lvl6pPr>
+            <a:lvl7pPr marL="2743200" indent="0">
+              <a:buNone/>
+              <a:defRPr sz="1400">
+                <a:solidFill>
+                  <a:schemeClr val="tx1">
+                    <a:tint val="75000"/>
+                  </a:schemeClr>
+                </a:solidFill>
+              </a:defRPr>
+            </a:lvl7pPr>
+            <a:lvl8pPr marL="3200400" indent="0">
+              <a:buNone/>
+              <a:defRPr sz="1400">
+                <a:solidFill>
+                  <a:schemeClr val="tx1">
+                    <a:tint val="75000"/>
+                  </a:schemeClr>
+                </a:solidFill>
+              </a:defRPr>
+            </a:lvl8pPr>
+            <a:lvl9pPr marL="3657600" indent="0">
+              <a:buNone/>
+              <a:defRPr sz="1400">
+                <a:solidFill>
+                  <a:schemeClr val="tx1">
+                    <a:tint val="75000"/>
+                  </a:schemeClr>
+                </a:solidFill>
+              </a:defRPr>
+            </a:lvl9pPr>
+          </a:lstStyle>
+          <a:p>
+            <a:pPr lvl="0"/>
+            <a:r>
+              <a:rPr lang="en-US"/>
+              <a:t>Edit Master text styles</a:t>
+            </a:r>
+          </a:p>
+        </p:txBody>
+      </p:sp>
+      <p:sp>
+        <p:nvSpPr>
+          <p:cNvPr id="4" name="Date Placeholder 3"/>
+          <p:cNvSpPr>
+            <a:spLocks noGrp="1"/>
+          </p:cNvSpPr>
+          <p:nvPr>
+            <p:ph type="dt" sz="half" idx="10"/>
+          </p:nvPr>
+        </p:nvSpPr>
+        <p:spPr/>
+        <p:txBody>
+          <a:bodyPr/>
+          <a:lstStyle/>
+          <a:p>
+            <a:fld id="{246C5E47-072E-4EAC-AAC0-11FD7F84E200}" type="datetimeFigureOut">
+              <a:rPr lang="en-CA" smtClean="0"/>
+              <a:t>2019-01-07</a:t>
+            </a:fld>
+            <a:endParaRPr lang="en-CA"/>
+          </a:p>
+        </p:txBody>
+      </p:sp>
+      <p:sp>
+        <p:nvSpPr>
+          <p:cNvPr id="5" name="Footer Placeholder 4"/>
+          <p:cNvSpPr>
+            <a:spLocks noGrp="1"/>
+          </p:cNvSpPr>
+          <p:nvPr>
+            <p:ph type="ftr" sz="quarter" idx="11"/>
+          </p:nvPr>
+        </p:nvSpPr>
+        <p:spPr/>
+        <p:txBody>
+          <a:bodyPr/>
+          <a:lstStyle/>
+          <a:p>
+            <a:endParaRPr lang="en-CA"/>
+          </a:p>
+        </p:txBody>
+      </p:sp>
+      <p:sp>
+        <p:nvSpPr>
+          <p:cNvPr id="11" name="Freeform 11"/>
+          <p:cNvSpPr/>
+          <p:nvPr/>
+        </p:nvSpPr>
+        <p:spPr bwMode="auto">
+          <a:xfrm flipV="1">
+            <a:off x="-4189" y="3178175"/>
+            <a:ext cx="1588527" cy="507297"/>
+          </a:xfrm>
+          <a:custGeom>
+            <a:avLst/>
+            <a:gdLst/>
+            <a:ahLst/>
+            <a:cxnLst/>
+            <a:rect l="l" t="t" r="r" b="b"/>
+            <a:pathLst>
+              <a:path w="9248" h="10000">
+                <a:moveTo>
+                  <a:pt x="9248" y="4701"/>
+                </a:moveTo>
+                <a:lnTo>
+                  <a:pt x="7915" y="188"/>
+                </a:lnTo>
+                <a:cubicBezTo>
+                  <a:pt x="7906" y="156"/>
+                  <a:pt x="7895" y="126"/>
+                  <a:pt x="7886" y="94"/>
+                </a:cubicBezTo>
+                <a:cubicBezTo>
+                  <a:pt x="7859" y="0"/>
+                  <a:pt x="7831" y="0"/>
+                  <a:pt x="7803" y="0"/>
+                </a:cubicBezTo>
+                <a:lnTo>
+                  <a:pt x="7275" y="0"/>
+                </a:lnTo>
+                <a:lnTo>
+                  <a:pt x="0" y="70"/>
+                </a:lnTo>
+                <a:cubicBezTo>
+                  <a:pt x="8" y="3380"/>
+                  <a:pt x="17" y="6690"/>
+                  <a:pt x="25" y="10000"/>
+                </a:cubicBezTo>
+                <a:lnTo>
+                  <a:pt x="7275" y="9966"/>
+                </a:lnTo>
+                <a:lnTo>
+                  <a:pt x="7803" y="9966"/>
+                </a:lnTo>
+                <a:cubicBezTo>
+                  <a:pt x="7831" y="9966"/>
+                  <a:pt x="7859" y="9872"/>
+                  <a:pt x="7886" y="9872"/>
+                </a:cubicBezTo>
+                <a:cubicBezTo>
+                  <a:pt x="7886" y="9778"/>
+                  <a:pt x="7915" y="9778"/>
+                  <a:pt x="7915" y="9778"/>
+                </a:cubicBezTo>
+                <a:lnTo>
+                  <a:pt x="9248" y="5265"/>
+                </a:lnTo>
+                <a:cubicBezTo>
+                  <a:pt x="9303" y="5077"/>
+                  <a:pt x="9303" y="4889"/>
+                  <a:pt x="9248" y="4701"/>
+                </a:cubicBezTo>
+                <a:close/>
+              </a:path>
+            </a:pathLst>
+          </a:custGeom>
+          <a:solidFill>
+            <a:schemeClr val="accent1"/>
+          </a:solidFill>
+          <a:ln>
+            <a:noFill/>
+          </a:ln>
+        </p:spPr>
+      </p:sp>
+      <p:sp>
+        <p:nvSpPr>
+          <p:cNvPr id="6" name="Slide Number Placeholder 5"/>
+          <p:cNvSpPr>
+            <a:spLocks noGrp="1"/>
+          </p:cNvSpPr>
+          <p:nvPr>
+            <p:ph type="sldNum" sz="quarter" idx="12"/>
+          </p:nvPr>
+        </p:nvSpPr>
+        <p:spPr>
+          <a:xfrm>
+            <a:off x="531812" y="3244139"/>
+            <a:ext cx="779767" cy="365125"/>
+          </a:xfrm>
+        </p:spPr>
+        <p:txBody>
+          <a:bodyPr/>
+          <a:lstStyle/>
+          <a:p>
+            <a:fld id="{FD4A1270-0610-4B4B-BF66-BFA6EF146215}" type="slidenum">
+              <a:rPr lang="en-CA" smtClean="0"/>
+              <a:t>‹#›</a:t>
+            </a:fld>
+            <a:endParaRPr lang="en-CA"/>
+          </a:p>
+        </p:txBody>
+      </p:sp>
+      <p:sp>
+        <p:nvSpPr>
+          <p:cNvPr id="14" name="TextBox 13"/>
+          <p:cNvSpPr txBox="1"/>
+          <p:nvPr/>
+        </p:nvSpPr>
+        <p:spPr>
+          <a:xfrm>
+            <a:off x="2467652" y="648005"/>
+            <a:ext cx="609600" cy="584776"/>
+          </a:xfrm>
+          <a:prstGeom prst="rect">
+            <a:avLst/>
+          </a:prstGeom>
+        </p:spPr>
+        <p:txBody>
+          <a:bodyPr vert="horz" lIns="91440" tIns="45720" rIns="91440" bIns="45720" rtlCol="0" anchor="ctr">
+            <a:noAutofit/>
+          </a:bodyPr>
+          <a:lstStyle/>
+          <a:p>
+            <a:pPr lvl="0"/>
+            <a:r>
+              <a:rPr lang="en-US" sz="8000" baseline="0" dirty="0">
+                <a:ln w="3175" cmpd="sng">
+                  <a:noFill/>
+                </a:ln>
+                <a:solidFill>
+                  <a:schemeClr val="accent1"/>
+                </a:solidFill>
+                <a:effectLst/>
+                <a:latin typeface="Arial"/>
+              </a:rPr>
+              <a:t>“</a:t>
+            </a:r>
+          </a:p>
+        </p:txBody>
+      </p:sp>
+      <p:sp>
+        <p:nvSpPr>
+          <p:cNvPr id="15" name="TextBox 14"/>
+          <p:cNvSpPr txBox="1"/>
+          <p:nvPr/>
+        </p:nvSpPr>
+        <p:spPr>
+          <a:xfrm>
+            <a:off x="11114852" y="2905306"/>
+            <a:ext cx="609600" cy="584776"/>
+          </a:xfrm>
+          <a:prstGeom prst="rect">
+            <a:avLst/>
+          </a:prstGeom>
+        </p:spPr>
+        <p:txBody>
+          <a:bodyPr vert="horz" lIns="91440" tIns="45720" rIns="91440" bIns="45720" rtlCol="0" anchor="ctr">
+            <a:noAutofit/>
+          </a:bodyPr>
+          <a:lstStyle/>
+          <a:p>
+            <a:pPr lvl="0"/>
+            <a:r>
+              <a:rPr lang="en-US" sz="8000" baseline="0" dirty="0">
+                <a:ln w="3175" cmpd="sng">
+                  <a:noFill/>
+                </a:ln>
+                <a:solidFill>
+                  <a:schemeClr val="accent1"/>
+                </a:solidFill>
+                <a:effectLst/>
+                <a:latin typeface="Arial"/>
+              </a:rPr>
+              <a:t>”</a:t>
+            </a:r>
+          </a:p>
+        </p:txBody>
+      </p:sp>
+    </p:spTree>
+    <p:extLst>
+      <p:ext uri="{BB962C8B-B14F-4D97-AF65-F5344CB8AC3E}">
+        <p14:creationId xmlns:p14="http://schemas.microsoft.com/office/powerpoint/2010/main" val="608446834"/>
+      </p:ext>
+    </p:extLst>
+  </p:cSld>
+  <p:clrMapOvr>
+    <a:masterClrMapping/>
+  </p:clrMapOvr>
+</p:sldLayout>
+</file>
+
+<file path=ppt/slideLayouts/slideLayout12.xml><?xml version="1.0" encoding="utf-8"?>
+<p:sldLayout xmlns:a="http://schemas.openxmlformats.org/drawingml/2006/main" xmlns:r="http://schemas.openxmlformats.org/officeDocument/2006/relationships" xmlns:p="http://schemas.openxmlformats.org/presentationml/2006/main" preserve="1">
+  <p:cSld name="Name Card">
+    <p:spTree>
+      <p:nvGrpSpPr>
+        <p:cNvPr id="1" name=""/>
+        <p:cNvGrpSpPr/>
+        <p:nvPr/>
+      </p:nvGrpSpPr>
+      <p:grpSpPr>
+        <a:xfrm>
+          <a:off x="0" y="0"/>
+          <a:ext cx="0" cy="0"/>
+          <a:chOff x="0" y="0"/>
+          <a:chExt cx="0" cy="0"/>
+        </a:xfrm>
+      </p:grpSpPr>
+      <p:sp>
+        <p:nvSpPr>
+          <p:cNvPr id="2" name="Title 1"/>
+          <p:cNvSpPr>
+            <a:spLocks noGrp="1"/>
+          </p:cNvSpPr>
+          <p:nvPr>
+            <p:ph type="title"/>
+          </p:nvPr>
+        </p:nvSpPr>
+        <p:spPr>
+          <a:xfrm>
+            <a:off x="2589213" y="2438400"/>
+            <a:ext cx="8915400" cy="2724845"/>
+          </a:xfrm>
+        </p:spPr>
+        <p:txBody>
+          <a:bodyPr anchor="b">
+            <a:normAutofit/>
+          </a:bodyPr>
+          <a:lstStyle>
+            <a:lvl1pPr algn="l">
+              <a:defRPr sz="4800" b="0"/>
+            </a:lvl1pPr>
+          </a:lstStyle>
+          <a:p>
+            <a:r>
+              <a:rPr lang="en-US"/>
+              <a:t>Click to edit Master title style</a:t>
+            </a:r>
+            <a:endParaRPr lang="en-US" dirty="0"/>
+          </a:p>
+        </p:txBody>
+      </p:sp>
+      <p:sp>
+        <p:nvSpPr>
+          <p:cNvPr id="4" name="Text Placeholder 3"/>
+          <p:cNvSpPr>
+            <a:spLocks noGrp="1"/>
+          </p:cNvSpPr>
+          <p:nvPr>
+            <p:ph type="body" sz="half" idx="2"/>
+          </p:nvPr>
+        </p:nvSpPr>
+        <p:spPr>
+          <a:xfrm>
+            <a:off x="2589213" y="5181600"/>
+            <a:ext cx="8915400" cy="729622"/>
+          </a:xfrm>
+        </p:spPr>
+        <p:txBody>
+          <a:bodyPr vert="horz" lIns="91440" tIns="45720" rIns="91440" bIns="45720" rtlCol="0" anchor="t">
+            <a:normAutofit/>
+          </a:bodyPr>
+          <a:lstStyle>
+            <a:lvl1pPr>
+              <a:buNone/>
+              <a:defRPr lang="en-US">
+                <a:solidFill>
+                  <a:schemeClr val="tx1">
+                    <a:lumMod val="65000"/>
+                    <a:lumOff val="35000"/>
+                  </a:schemeClr>
+                </a:solidFill>
+              </a:defRPr>
+            </a:lvl1pPr>
+          </a:lstStyle>
+          <a:p>
+            <a:pPr marL="0" lvl="0" indent="0">
+              <a:buNone/>
+            </a:pPr>
+            <a:r>
+              <a:rPr lang="en-US"/>
+              <a:t>Edit Master text styles</a:t>
+            </a:r>
+          </a:p>
+        </p:txBody>
+      </p:sp>
+      <p:sp>
+        <p:nvSpPr>
+          <p:cNvPr id="5" name="Date Placeholder 4"/>
+          <p:cNvSpPr>
+            <a:spLocks noGrp="1"/>
+          </p:cNvSpPr>
+          <p:nvPr>
+            <p:ph type="dt" sz="half" idx="10"/>
+          </p:nvPr>
+        </p:nvSpPr>
+        <p:spPr/>
+        <p:txBody>
+          <a:bodyPr/>
+          <a:lstStyle/>
+          <a:p>
+            <a:fld id="{246C5E47-072E-4EAC-AAC0-11FD7F84E200}" type="datetimeFigureOut">
+              <a:rPr lang="en-CA" smtClean="0"/>
+              <a:t>2019-01-07</a:t>
+            </a:fld>
+            <a:endParaRPr lang="en-CA"/>
+          </a:p>
+        </p:txBody>
+      </p:sp>
+      <p:sp>
+        <p:nvSpPr>
+          <p:cNvPr id="6" name="Footer Placeholder 5"/>
+          <p:cNvSpPr>
+            <a:spLocks noGrp="1"/>
+          </p:cNvSpPr>
+          <p:nvPr>
+            <p:ph type="ftr" sz="quarter" idx="11"/>
+          </p:nvPr>
+        </p:nvSpPr>
+        <p:spPr/>
+        <p:txBody>
+          <a:bodyPr/>
+          <a:lstStyle/>
+          <a:p>
+            <a:endParaRPr lang="en-CA"/>
+          </a:p>
+        </p:txBody>
+      </p:sp>
+      <p:sp>
+        <p:nvSpPr>
+          <p:cNvPr id="9" name="Freeform 11"/>
+          <p:cNvSpPr/>
+          <p:nvPr/>
+        </p:nvSpPr>
+        <p:spPr bwMode="auto">
+          <a:xfrm flipV="1">
+            <a:off x="-4189" y="4911725"/>
+            <a:ext cx="1588527" cy="507297"/>
+          </a:xfrm>
+          <a:custGeom>
+            <a:avLst/>
+            <a:gdLst/>
+            <a:ahLst/>
+            <a:cxnLst/>
+            <a:rect l="l" t="t" r="r" b="b"/>
+            <a:pathLst>
+              <a:path w="9248" h="10000">
+                <a:moveTo>
+                  <a:pt x="9248" y="4701"/>
+                </a:moveTo>
+                <a:lnTo>
+                  <a:pt x="7915" y="188"/>
+                </a:lnTo>
+                <a:cubicBezTo>
+                  <a:pt x="7906" y="156"/>
+                  <a:pt x="7895" y="126"/>
+                  <a:pt x="7886" y="94"/>
+                </a:cubicBezTo>
+                <a:cubicBezTo>
+                  <a:pt x="7859" y="0"/>
+                  <a:pt x="7831" y="0"/>
+                  <a:pt x="7803" y="0"/>
+                </a:cubicBezTo>
+                <a:lnTo>
+                  <a:pt x="7275" y="0"/>
+                </a:lnTo>
+                <a:lnTo>
+                  <a:pt x="0" y="70"/>
+                </a:lnTo>
+                <a:cubicBezTo>
+                  <a:pt x="8" y="3380"/>
+                  <a:pt x="17" y="6690"/>
+                  <a:pt x="25" y="10000"/>
+                </a:cubicBezTo>
+                <a:lnTo>
+                  <a:pt x="7275" y="9966"/>
+                </a:lnTo>
+                <a:lnTo>
+                  <a:pt x="7803" y="9966"/>
+                </a:lnTo>
+                <a:cubicBezTo>
+                  <a:pt x="7831" y="9966"/>
+                  <a:pt x="7859" y="9872"/>
+                  <a:pt x="7886" y="9872"/>
+                </a:cubicBezTo>
+                <a:cubicBezTo>
+                  <a:pt x="7886" y="9778"/>
+                  <a:pt x="7915" y="9778"/>
+                  <a:pt x="7915" y="9778"/>
+                </a:cubicBezTo>
+                <a:lnTo>
+                  <a:pt x="9248" y="5265"/>
+                </a:lnTo>
+                <a:cubicBezTo>
+                  <a:pt x="9303" y="5077"/>
+                  <a:pt x="9303" y="4889"/>
+                  <a:pt x="9248" y="4701"/>
+                </a:cubicBezTo>
+                <a:close/>
+              </a:path>
+            </a:pathLst>
+          </a:custGeom>
+          <a:solidFill>
+            <a:schemeClr val="accent1"/>
+          </a:solidFill>
+          <a:ln>
+            <a:noFill/>
+          </a:ln>
+        </p:spPr>
+      </p:sp>
+      <p:sp>
+        <p:nvSpPr>
+          <p:cNvPr id="7" name="Slide Number Placeholder 6"/>
+          <p:cNvSpPr>
+            <a:spLocks noGrp="1"/>
+          </p:cNvSpPr>
+          <p:nvPr>
+            <p:ph type="sldNum" sz="quarter" idx="12"/>
+          </p:nvPr>
+        </p:nvSpPr>
+        <p:spPr>
+          <a:xfrm>
+            <a:off x="531812" y="4983087"/>
+            <a:ext cx="779767" cy="365125"/>
+          </a:xfrm>
+        </p:spPr>
+        <p:txBody>
+          <a:bodyPr/>
+          <a:lstStyle/>
+          <a:p>
+            <a:fld id="{FD4A1270-0610-4B4B-BF66-BFA6EF146215}" type="slidenum">
+              <a:rPr lang="en-CA" smtClean="0"/>
+              <a:t>‹#›</a:t>
+            </a:fld>
+            <a:endParaRPr lang="en-CA"/>
+          </a:p>
+        </p:txBody>
+      </p:sp>
+    </p:spTree>
+    <p:extLst>
+      <p:ext uri="{BB962C8B-B14F-4D97-AF65-F5344CB8AC3E}">
+        <p14:creationId xmlns:p14="http://schemas.microsoft.com/office/powerpoint/2010/main" val="3700026732"/>
+      </p:ext>
+    </p:extLst>
+  </p:cSld>
+  <p:clrMapOvr>
+    <a:masterClrMapping/>
+  </p:clrMapOvr>
+</p:sldLayout>
+</file>
+
+<file path=ppt/slideLayouts/slideLayout13.xml><?xml version="1.0" encoding="utf-8"?>
+<p:sldLayout xmlns:a="http://schemas.openxmlformats.org/drawingml/2006/main" xmlns:r="http://schemas.openxmlformats.org/officeDocument/2006/relationships" xmlns:p="http://schemas.openxmlformats.org/presentationml/2006/main" preserve="1">
+  <p:cSld name="Quote Name Card">
+    <p:spTree>
+      <p:nvGrpSpPr>
+        <p:cNvPr id="1" name=""/>
+        <p:cNvGrpSpPr/>
+        <p:nvPr/>
+      </p:nvGrpSpPr>
+      <p:grpSpPr>
+        <a:xfrm>
+          <a:off x="0" y="0"/>
+          <a:ext cx="0" cy="0"/>
+          <a:chOff x="0" y="0"/>
+          <a:chExt cx="0" cy="0"/>
+        </a:xfrm>
+      </p:grpSpPr>
+      <p:sp>
+        <p:nvSpPr>
+          <p:cNvPr id="12" name="Title 1"/>
+          <p:cNvSpPr>
+            <a:spLocks noGrp="1"/>
+          </p:cNvSpPr>
+          <p:nvPr>
+            <p:ph type="title"/>
+          </p:nvPr>
+        </p:nvSpPr>
+        <p:spPr>
+          <a:xfrm>
+            <a:off x="2849949" y="609600"/>
+            <a:ext cx="8393926" cy="2895600"/>
+          </a:xfrm>
+        </p:spPr>
+        <p:txBody>
+          <a:bodyPr anchor="ctr">
+            <a:normAutofit/>
+          </a:bodyPr>
+          <a:lstStyle>
+            <a:lvl1pPr algn="l">
+              <a:defRPr sz="4800" b="0" cap="none"/>
+            </a:lvl1pPr>
+          </a:lstStyle>
+          <a:p>
+            <a:r>
+              <a:rPr lang="en-US"/>
+              <a:t>Click to edit Master title style</a:t>
+            </a:r>
+            <a:endParaRPr lang="en-US" dirty="0"/>
+          </a:p>
+        </p:txBody>
+      </p:sp>
+      <p:sp>
+        <p:nvSpPr>
+          <p:cNvPr id="21" name="Text Placeholder 9"/>
+          <p:cNvSpPr>
+            <a:spLocks noGrp="1"/>
+          </p:cNvSpPr>
+          <p:nvPr>
+            <p:ph type="body" sz="quarter" idx="13"/>
+          </p:nvPr>
+        </p:nvSpPr>
+        <p:spPr>
+          <a:xfrm>
+            <a:off x="2589212" y="4343400"/>
+            <a:ext cx="8915400" cy="838200"/>
+          </a:xfrm>
+        </p:spPr>
+        <p:txBody>
+          <a:bodyPr anchor="b">
+            <a:noAutofit/>
+          </a:bodyPr>
+          <a:lstStyle>
+            <a:lvl1pPr marL="0" indent="0">
+              <a:buFontTx/>
+              <a:buNone/>
+              <a:defRPr sz="2400">
+                <a:solidFill>
+                  <a:schemeClr val="accent1"/>
+                </a:solidFill>
+              </a:defRPr>
+            </a:lvl1pPr>
+            <a:lvl2pPr marL="457200" indent="0">
+              <a:buFontTx/>
+              <a:buNone/>
+              <a:defRPr/>
+            </a:lvl2pPr>
+            <a:lvl3pPr marL="914400" indent="0">
+              <a:buFontTx/>
+              <a:buNone/>
+              <a:defRPr/>
+            </a:lvl3pPr>
+            <a:lvl4pPr marL="1371600" indent="0">
+              <a:buFontTx/>
+              <a:buNone/>
+              <a:defRPr/>
+            </a:lvl4pPr>
+            <a:lvl5pPr marL="1828800" indent="0">
+              <a:buFontTx/>
+              <a:buNone/>
+              <a:defRPr/>
+            </a:lvl5pPr>
+          </a:lstStyle>
+          <a:p>
+            <a:pPr lvl="0"/>
+            <a:r>
+              <a:rPr lang="en-US"/>
+              <a:t>Edit Master text styles</a:t>
+            </a:r>
+          </a:p>
+        </p:txBody>
+      </p:sp>
+      <p:sp>
+        <p:nvSpPr>
+          <p:cNvPr id="4" name="Text Placeholder 3"/>
+          <p:cNvSpPr>
+            <a:spLocks noGrp="1"/>
+          </p:cNvSpPr>
+          <p:nvPr>
+            <p:ph type="body" sz="half" idx="2"/>
+          </p:nvPr>
+        </p:nvSpPr>
+        <p:spPr>
+          <a:xfrm>
+            <a:off x="2589213" y="5181600"/>
+            <a:ext cx="8915400" cy="729622"/>
+          </a:xfrm>
+        </p:spPr>
+        <p:txBody>
+          <a:bodyPr vert="horz" lIns="91440" tIns="45720" rIns="91440" bIns="45720" rtlCol="0" anchor="t">
+            <a:normAutofit/>
+          </a:bodyPr>
+          <a:lstStyle>
+            <a:lvl1pPr>
+              <a:buNone/>
+              <a:defRPr lang="en-US">
+                <a:solidFill>
+                  <a:schemeClr val="tx1">
+                    <a:lumMod val="65000"/>
+                    <a:lumOff val="35000"/>
+                  </a:schemeClr>
+                </a:solidFill>
+              </a:defRPr>
+            </a:lvl1pPr>
+          </a:lstStyle>
+          <a:p>
+            <a:pPr marL="0" lvl="0" indent="0">
+              <a:buNone/>
+            </a:pPr>
+            <a:r>
+              <a:rPr lang="en-US"/>
+              <a:t>Edit Master text styles</a:t>
+            </a:r>
+          </a:p>
+        </p:txBody>
+      </p:sp>
+      <p:sp>
+        <p:nvSpPr>
+          <p:cNvPr id="5" name="Date Placeholder 4"/>
+          <p:cNvSpPr>
+            <a:spLocks noGrp="1"/>
+          </p:cNvSpPr>
+          <p:nvPr>
+            <p:ph type="dt" sz="half" idx="10"/>
+          </p:nvPr>
+        </p:nvSpPr>
+        <p:spPr/>
+        <p:txBody>
+          <a:bodyPr/>
+          <a:lstStyle/>
+          <a:p>
+            <a:fld id="{246C5E47-072E-4EAC-AAC0-11FD7F84E200}" type="datetimeFigureOut">
+              <a:rPr lang="en-CA" smtClean="0"/>
+              <a:t>2019-01-07</a:t>
+            </a:fld>
+            <a:endParaRPr lang="en-CA"/>
+          </a:p>
+        </p:txBody>
+      </p:sp>
+      <p:sp>
+        <p:nvSpPr>
+          <p:cNvPr id="6" name="Footer Placeholder 5"/>
+          <p:cNvSpPr>
+            <a:spLocks noGrp="1"/>
+          </p:cNvSpPr>
+          <p:nvPr>
+            <p:ph type="ftr" sz="quarter" idx="11"/>
+          </p:nvPr>
+        </p:nvSpPr>
+        <p:spPr/>
+        <p:txBody>
+          <a:bodyPr/>
+          <a:lstStyle/>
+          <a:p>
+            <a:endParaRPr lang="en-CA"/>
+          </a:p>
+        </p:txBody>
+      </p:sp>
+      <p:sp>
+        <p:nvSpPr>
+          <p:cNvPr id="11" name="Freeform 11"/>
+          <p:cNvSpPr/>
+          <p:nvPr/>
+        </p:nvSpPr>
+        <p:spPr bwMode="auto">
+          <a:xfrm flipV="1">
+            <a:off x="-4189" y="4911725"/>
+            <a:ext cx="1588527" cy="507297"/>
+          </a:xfrm>
+          <a:custGeom>
+            <a:avLst/>
+            <a:gdLst/>
+            <a:ahLst/>
+            <a:cxnLst/>
+            <a:rect l="l" t="t" r="r" b="b"/>
+            <a:pathLst>
+              <a:path w="9248" h="10000">
+                <a:moveTo>
+                  <a:pt x="9248" y="4701"/>
+                </a:moveTo>
+                <a:lnTo>
+                  <a:pt x="7915" y="188"/>
+                </a:lnTo>
+                <a:cubicBezTo>
+                  <a:pt x="7906" y="156"/>
+                  <a:pt x="7895" y="126"/>
+                  <a:pt x="7886" y="94"/>
+                </a:cubicBezTo>
+                <a:cubicBezTo>
+                  <a:pt x="7859" y="0"/>
+                  <a:pt x="7831" y="0"/>
+                  <a:pt x="7803" y="0"/>
+                </a:cubicBezTo>
+                <a:lnTo>
+                  <a:pt x="7275" y="0"/>
+                </a:lnTo>
+                <a:lnTo>
+                  <a:pt x="0" y="70"/>
+                </a:lnTo>
+                <a:cubicBezTo>
+                  <a:pt x="8" y="3380"/>
+                  <a:pt x="17" y="6690"/>
+                  <a:pt x="25" y="10000"/>
+                </a:cubicBezTo>
+                <a:lnTo>
+                  <a:pt x="7275" y="9966"/>
+                </a:lnTo>
+                <a:lnTo>
+                  <a:pt x="7803" y="9966"/>
+                </a:lnTo>
+                <a:cubicBezTo>
+                  <a:pt x="7831" y="9966"/>
+                  <a:pt x="7859" y="9872"/>
+                  <a:pt x="7886" y="9872"/>
+                </a:cubicBezTo>
+                <a:cubicBezTo>
+                  <a:pt x="7886" y="9778"/>
+                  <a:pt x="7915" y="9778"/>
+                  <a:pt x="7915" y="9778"/>
+                </a:cubicBezTo>
+                <a:lnTo>
+                  <a:pt x="9248" y="5265"/>
+                </a:lnTo>
+                <a:cubicBezTo>
+                  <a:pt x="9303" y="5077"/>
+                  <a:pt x="9303" y="4889"/>
+                  <a:pt x="9248" y="4701"/>
+                </a:cubicBezTo>
+                <a:close/>
+              </a:path>
+            </a:pathLst>
+          </a:custGeom>
+          <a:solidFill>
+            <a:schemeClr val="accent1"/>
+          </a:solidFill>
+          <a:ln>
+            <a:noFill/>
+          </a:ln>
+        </p:spPr>
+      </p:sp>
+      <p:sp>
+        <p:nvSpPr>
+          <p:cNvPr id="7" name="Slide Number Placeholder 6"/>
+          <p:cNvSpPr>
+            <a:spLocks noGrp="1"/>
+          </p:cNvSpPr>
+          <p:nvPr>
+            <p:ph type="sldNum" sz="quarter" idx="12"/>
+          </p:nvPr>
+        </p:nvSpPr>
+        <p:spPr>
+          <a:xfrm>
+            <a:off x="531812" y="4983087"/>
+            <a:ext cx="779767" cy="365125"/>
+          </a:xfrm>
+        </p:spPr>
+        <p:txBody>
+          <a:bodyPr/>
+          <a:lstStyle/>
+          <a:p>
+            <a:fld id="{FD4A1270-0610-4B4B-BF66-BFA6EF146215}" type="slidenum">
+              <a:rPr lang="en-CA" smtClean="0"/>
+              <a:t>‹#›</a:t>
+            </a:fld>
+            <a:endParaRPr lang="en-CA"/>
+          </a:p>
+        </p:txBody>
+      </p:sp>
+      <p:sp>
+        <p:nvSpPr>
+          <p:cNvPr id="17" name="TextBox 16"/>
+          <p:cNvSpPr txBox="1"/>
+          <p:nvPr/>
+        </p:nvSpPr>
+        <p:spPr>
+          <a:xfrm>
+            <a:off x="2467652" y="648005"/>
+            <a:ext cx="609600" cy="584776"/>
+          </a:xfrm>
+          <a:prstGeom prst="rect">
+            <a:avLst/>
+          </a:prstGeom>
+        </p:spPr>
+        <p:txBody>
+          <a:bodyPr vert="horz" lIns="91440" tIns="45720" rIns="91440" bIns="45720" rtlCol="0" anchor="ctr">
+            <a:noAutofit/>
+          </a:bodyPr>
+          <a:lstStyle/>
+          <a:p>
+            <a:pPr lvl="0"/>
+            <a:r>
+              <a:rPr lang="en-US" sz="8000" baseline="0" dirty="0">
+                <a:ln w="3175" cmpd="sng">
+                  <a:noFill/>
+                </a:ln>
+                <a:solidFill>
+                  <a:schemeClr val="accent1"/>
+                </a:solidFill>
+                <a:effectLst/>
+                <a:latin typeface="Arial"/>
+              </a:rPr>
+              <a:t>“</a:t>
+            </a:r>
+          </a:p>
+        </p:txBody>
+      </p:sp>
+      <p:sp>
+        <p:nvSpPr>
+          <p:cNvPr id="18" name="TextBox 17"/>
+          <p:cNvSpPr txBox="1"/>
+          <p:nvPr/>
+        </p:nvSpPr>
+        <p:spPr>
+          <a:xfrm>
+            <a:off x="11114852" y="2905306"/>
+            <a:ext cx="609600" cy="584776"/>
+          </a:xfrm>
+          <a:prstGeom prst="rect">
+            <a:avLst/>
+          </a:prstGeom>
+        </p:spPr>
+        <p:txBody>
+          <a:bodyPr vert="horz" lIns="91440" tIns="45720" rIns="91440" bIns="45720" rtlCol="0" anchor="ctr">
+            <a:noAutofit/>
+          </a:bodyPr>
+          <a:lstStyle/>
+          <a:p>
+            <a:pPr lvl="0"/>
+            <a:r>
+              <a:rPr lang="en-US" sz="8000" baseline="0" dirty="0">
+                <a:ln w="3175" cmpd="sng">
+                  <a:noFill/>
+                </a:ln>
+                <a:solidFill>
+                  <a:schemeClr val="accent1"/>
+                </a:solidFill>
+                <a:effectLst/>
+                <a:latin typeface="Arial"/>
+              </a:rPr>
+              <a:t>”</a:t>
+            </a:r>
+          </a:p>
+        </p:txBody>
+      </p:sp>
+    </p:spTree>
+    <p:extLst>
+      <p:ext uri="{BB962C8B-B14F-4D97-AF65-F5344CB8AC3E}">
+        <p14:creationId xmlns:p14="http://schemas.microsoft.com/office/powerpoint/2010/main" val="4267034458"/>
+      </p:ext>
+    </p:extLst>
+  </p:cSld>
+  <p:clrMapOvr>
+    <a:masterClrMapping/>
+  </p:clrMapOvr>
+</p:sldLayout>
+</file>
+
+<file path=ppt/slideLayouts/slideLayout14.xml><?xml version="1.0" encoding="utf-8"?>
+<p:sldLayout xmlns:a="http://schemas.openxmlformats.org/drawingml/2006/main" xmlns:r="http://schemas.openxmlformats.org/officeDocument/2006/relationships" xmlns:p="http://schemas.openxmlformats.org/presentationml/2006/main" preserve="1">
+  <p:cSld name="True or False">
+    <p:spTree>
+      <p:nvGrpSpPr>
+        <p:cNvPr id="1" name=""/>
+        <p:cNvGrpSpPr/>
+        <p:nvPr/>
+      </p:nvGrpSpPr>
+      <p:grpSpPr>
+        <a:xfrm>
+          <a:off x="0" y="0"/>
+          <a:ext cx="0" cy="0"/>
+          <a:chOff x="0" y="0"/>
+          <a:chExt cx="0" cy="0"/>
+        </a:xfrm>
+      </p:grpSpPr>
+      <p:sp>
+        <p:nvSpPr>
+          <p:cNvPr id="2" name="Title 1"/>
+          <p:cNvSpPr>
+            <a:spLocks noGrp="1"/>
+          </p:cNvSpPr>
+          <p:nvPr>
+            <p:ph type="title"/>
+          </p:nvPr>
+        </p:nvSpPr>
+        <p:spPr>
+          <a:xfrm>
+            <a:off x="2589212" y="627407"/>
+            <a:ext cx="8915399" cy="2880020"/>
+          </a:xfrm>
+        </p:spPr>
+        <p:txBody>
+          <a:bodyPr anchor="ctr">
+            <a:normAutofit/>
+          </a:bodyPr>
+          <a:lstStyle>
+            <a:lvl1pPr algn="l">
+              <a:defRPr sz="4800" b="0"/>
+            </a:lvl1pPr>
+          </a:lstStyle>
+          <a:p>
+            <a:r>
+              <a:rPr lang="en-US"/>
+              <a:t>Click to edit Master title style</a:t>
+            </a:r>
+            <a:endParaRPr lang="en-US" dirty="0"/>
+          </a:p>
+        </p:txBody>
+      </p:sp>
+      <p:sp>
+        <p:nvSpPr>
+          <p:cNvPr id="21" name="Text Placeholder 9"/>
+          <p:cNvSpPr>
+            <a:spLocks noGrp="1"/>
+          </p:cNvSpPr>
+          <p:nvPr>
+            <p:ph type="body" sz="quarter" idx="13"/>
+          </p:nvPr>
+        </p:nvSpPr>
+        <p:spPr>
+          <a:xfrm>
+            <a:off x="2589212" y="4343400"/>
+            <a:ext cx="8915400" cy="838200"/>
+          </a:xfrm>
+        </p:spPr>
+        <p:txBody>
+          <a:bodyPr anchor="b">
+            <a:noAutofit/>
+          </a:bodyPr>
+          <a:lstStyle>
+            <a:lvl1pPr marL="0" indent="0">
+              <a:buFontTx/>
+              <a:buNone/>
+              <a:defRPr sz="2400">
+                <a:solidFill>
+                  <a:schemeClr val="accent1"/>
+                </a:solidFill>
+              </a:defRPr>
+            </a:lvl1pPr>
+            <a:lvl2pPr marL="457200" indent="0">
+              <a:buFontTx/>
+              <a:buNone/>
+              <a:defRPr/>
+            </a:lvl2pPr>
+            <a:lvl3pPr marL="914400" indent="0">
+              <a:buFontTx/>
+              <a:buNone/>
+              <a:defRPr/>
+            </a:lvl3pPr>
+            <a:lvl4pPr marL="1371600" indent="0">
+              <a:buFontTx/>
+              <a:buNone/>
+              <a:defRPr/>
+            </a:lvl4pPr>
+            <a:lvl5pPr marL="1828800" indent="0">
+              <a:buFontTx/>
+              <a:buNone/>
+              <a:defRPr/>
+            </a:lvl5pPr>
+          </a:lstStyle>
+          <a:p>
+            <a:pPr lvl="0"/>
+            <a:r>
+              <a:rPr lang="en-US"/>
+              <a:t>Edit Master text styles</a:t>
+            </a:r>
+          </a:p>
+        </p:txBody>
+      </p:sp>
+      <p:sp>
+        <p:nvSpPr>
+          <p:cNvPr id="4" name="Text Placeholder 3"/>
+          <p:cNvSpPr>
+            <a:spLocks noGrp="1"/>
+          </p:cNvSpPr>
+          <p:nvPr>
+            <p:ph type="body" sz="half" idx="2"/>
+          </p:nvPr>
+        </p:nvSpPr>
+        <p:spPr>
+          <a:xfrm>
+            <a:off x="2589213" y="5181600"/>
+            <a:ext cx="8915400" cy="729622"/>
+          </a:xfrm>
+        </p:spPr>
+        <p:txBody>
+          <a:bodyPr vert="horz" lIns="91440" tIns="45720" rIns="91440" bIns="45720" rtlCol="0" anchor="t">
+            <a:normAutofit/>
+          </a:bodyPr>
+          <a:lstStyle>
+            <a:lvl1pPr>
+              <a:buNone/>
+              <a:defRPr lang="en-US">
+                <a:solidFill>
+                  <a:schemeClr val="tx1">
+                    <a:lumMod val="65000"/>
+                    <a:lumOff val="35000"/>
+                  </a:schemeClr>
+                </a:solidFill>
+              </a:defRPr>
+            </a:lvl1pPr>
+          </a:lstStyle>
+          <a:p>
+            <a:pPr marL="0" lvl="0" indent="0">
+              <a:buNone/>
+            </a:pPr>
+            <a:r>
+              <a:rPr lang="en-US"/>
+              <a:t>Edit Master text styles</a:t>
+            </a:r>
+          </a:p>
+        </p:txBody>
+      </p:sp>
+      <p:sp>
+        <p:nvSpPr>
+          <p:cNvPr id="5" name="Date Placeholder 4"/>
+          <p:cNvSpPr>
+            <a:spLocks noGrp="1"/>
+          </p:cNvSpPr>
+          <p:nvPr>
+            <p:ph type="dt" sz="half" idx="10"/>
+          </p:nvPr>
+        </p:nvSpPr>
+        <p:spPr/>
+        <p:txBody>
+          <a:bodyPr/>
+          <a:lstStyle/>
+          <a:p>
+            <a:fld id="{246C5E47-072E-4EAC-AAC0-11FD7F84E200}" type="datetimeFigureOut">
+              <a:rPr lang="en-CA" smtClean="0"/>
+              <a:t>2019-01-07</a:t>
+            </a:fld>
+            <a:endParaRPr lang="en-CA"/>
+          </a:p>
+        </p:txBody>
+      </p:sp>
+      <p:sp>
+        <p:nvSpPr>
+          <p:cNvPr id="6" name="Footer Placeholder 5"/>
+          <p:cNvSpPr>
+            <a:spLocks noGrp="1"/>
+          </p:cNvSpPr>
+          <p:nvPr>
+            <p:ph type="ftr" sz="quarter" idx="11"/>
+          </p:nvPr>
+        </p:nvSpPr>
+        <p:spPr/>
+        <p:txBody>
+          <a:bodyPr/>
+          <a:lstStyle/>
+          <a:p>
+            <a:endParaRPr lang="en-CA"/>
+          </a:p>
+        </p:txBody>
+      </p:sp>
+      <p:sp>
+        <p:nvSpPr>
+          <p:cNvPr id="9" name="Freeform 11"/>
+          <p:cNvSpPr/>
+          <p:nvPr/>
+        </p:nvSpPr>
+        <p:spPr bwMode="auto">
+          <a:xfrm flipV="1">
+            <a:off x="-4189" y="4911725"/>
+            <a:ext cx="1588527" cy="507297"/>
+          </a:xfrm>
+          <a:custGeom>
+            <a:avLst/>
+            <a:gdLst/>
+            <a:ahLst/>
+            <a:cxnLst/>
+            <a:rect l="l" t="t" r="r" b="b"/>
+            <a:pathLst>
+              <a:path w="9248" h="10000">
+                <a:moveTo>
+                  <a:pt x="9248" y="4701"/>
+                </a:moveTo>
+                <a:lnTo>
+                  <a:pt x="7915" y="188"/>
+                </a:lnTo>
+                <a:cubicBezTo>
+                  <a:pt x="7906" y="156"/>
+                  <a:pt x="7895" y="126"/>
+                  <a:pt x="7886" y="94"/>
+                </a:cubicBezTo>
+                <a:cubicBezTo>
+                  <a:pt x="7859" y="0"/>
+                  <a:pt x="7831" y="0"/>
+                  <a:pt x="7803" y="0"/>
+                </a:cubicBezTo>
+                <a:lnTo>
+                  <a:pt x="7275" y="0"/>
+                </a:lnTo>
+                <a:lnTo>
+                  <a:pt x="0" y="70"/>
+                </a:lnTo>
+                <a:cubicBezTo>
+                  <a:pt x="8" y="3380"/>
+                  <a:pt x="17" y="6690"/>
+                  <a:pt x="25" y="10000"/>
+                </a:cubicBezTo>
+                <a:lnTo>
+                  <a:pt x="7275" y="9966"/>
+                </a:lnTo>
+                <a:lnTo>
+                  <a:pt x="7803" y="9966"/>
+                </a:lnTo>
+                <a:cubicBezTo>
+                  <a:pt x="7831" y="9966"/>
+                  <a:pt x="7859" y="9872"/>
+                  <a:pt x="7886" y="9872"/>
+                </a:cubicBezTo>
+                <a:cubicBezTo>
+                  <a:pt x="7886" y="9778"/>
+                  <a:pt x="7915" y="9778"/>
+                  <a:pt x="7915" y="9778"/>
+                </a:cubicBezTo>
+                <a:lnTo>
+                  <a:pt x="9248" y="5265"/>
+                </a:lnTo>
+                <a:cubicBezTo>
+                  <a:pt x="9303" y="5077"/>
+                  <a:pt x="9303" y="4889"/>
+                  <a:pt x="9248" y="4701"/>
+                </a:cubicBezTo>
+                <a:close/>
+              </a:path>
+            </a:pathLst>
+          </a:custGeom>
+          <a:solidFill>
+            <a:schemeClr val="accent1"/>
+          </a:solidFill>
+          <a:ln>
+            <a:noFill/>
+          </a:ln>
+        </p:spPr>
+      </p:sp>
+      <p:sp>
+        <p:nvSpPr>
+          <p:cNvPr id="7" name="Slide Number Placeholder 6"/>
+          <p:cNvSpPr>
+            <a:spLocks noGrp="1"/>
+          </p:cNvSpPr>
+          <p:nvPr>
+            <p:ph type="sldNum" sz="quarter" idx="12"/>
+          </p:nvPr>
+        </p:nvSpPr>
+        <p:spPr>
+          <a:xfrm>
+            <a:off x="531812" y="4983087"/>
+            <a:ext cx="779767" cy="365125"/>
+          </a:xfrm>
+        </p:spPr>
+        <p:txBody>
+          <a:bodyPr/>
+          <a:lstStyle/>
+          <a:p>
+            <a:fld id="{FD4A1270-0610-4B4B-BF66-BFA6EF146215}" type="slidenum">
+              <a:rPr lang="en-CA" smtClean="0"/>
+              <a:t>‹#›</a:t>
+            </a:fld>
+            <a:endParaRPr lang="en-CA"/>
+          </a:p>
+        </p:txBody>
+      </p:sp>
+    </p:spTree>
+    <p:extLst>
+      <p:ext uri="{BB962C8B-B14F-4D97-AF65-F5344CB8AC3E}">
+        <p14:creationId xmlns:p14="http://schemas.microsoft.com/office/powerpoint/2010/main" val="3167057307"/>
+      </p:ext>
+    </p:extLst>
+  </p:cSld>
+  <p:clrMapOvr>
+    <a:masterClrMapping/>
+  </p:clrMapOvr>
+</p:sldLayout>
+</file>
+
+<file path=ppt/slideLayouts/slideLayout15.xml><?xml version="1.0" encoding="utf-8"?>
 <p:sldLayout xmlns:a="http://schemas.openxmlformats.org/drawingml/2006/main" xmlns:r="http://schemas.openxmlformats.org/officeDocument/2006/relationships" xmlns:p="http://schemas.openxmlformats.org/presentationml/2006/main" type="vertTx" preserve="1">
   <p:cSld name="Title and Vertical Text">
     <p:spTree>
@@ -348,13 +2261,7 @@
       </p:grpSpPr>
       <p:sp>
         <p:nvSpPr>
-          <p:cNvPr id="2" name="Title 1">
-            <a:extLst>
-              <a:ext uri="{FF2B5EF4-FFF2-40B4-BE49-F238E27FC236}">
-                <a16:creationId xmlns:a16="http://schemas.microsoft.com/office/drawing/2014/main" id="{C7502991-D82B-47E3-AD62-0736EF99A772}"/>
-              </a:ext>
-            </a:extLst>
-          </p:cNvPr>
+          <p:cNvPr id="2" name="Title 1"/>
           <p:cNvSpPr>
             <a:spLocks noGrp="1"/>
           </p:cNvSpPr>
@@ -371,19 +2278,13 @@
               <a:rPr lang="en-US"/>
               <a:t>Click to edit Master title style</a:t>
             </a:r>
-            <a:endParaRPr lang="en-CA"/>
-          </a:p>
-        </p:txBody>
-      </p:sp>
-      <p:sp>
-        <p:nvSpPr>
-          <p:cNvPr id="3" name="Vertical Text Placeholder 2">
-            <a:extLst>
-              <a:ext uri="{FF2B5EF4-FFF2-40B4-BE49-F238E27FC236}">
-                <a16:creationId xmlns:a16="http://schemas.microsoft.com/office/drawing/2014/main" id="{9F2BE74A-325A-4DF8-99CA-3FE9EE92D9B9}"/>
-              </a:ext>
-            </a:extLst>
-          </p:cNvPr>
+            <a:endParaRPr lang="en-US" dirty="0"/>
+          </a:p>
+        </p:txBody>
+      </p:sp>
+      <p:sp>
+        <p:nvSpPr>
+          <p:cNvPr id="3" name="Vertical Text Placeholder 2"/>
           <p:cNvSpPr>
             <a:spLocks noGrp="1"/>
           </p:cNvSpPr>
@@ -393,7 +2294,7 @@
         </p:nvSpPr>
         <p:spPr/>
         <p:txBody>
-          <a:bodyPr vert="eaVert"/>
+          <a:bodyPr vert="eaVert" anchor="t"/>
           <a:lstStyle/>
           <a:p>
             <a:pPr lvl="0"/>
@@ -429,19 +2330,13 @@
               <a:rPr lang="en-US"/>
               <a:t>Fifth level</a:t>
             </a:r>
-            <a:endParaRPr lang="en-CA"/>
-          </a:p>
-        </p:txBody>
-      </p:sp>
-      <p:sp>
-        <p:nvSpPr>
-          <p:cNvPr id="4" name="Date Placeholder 3">
-            <a:extLst>
-              <a:ext uri="{FF2B5EF4-FFF2-40B4-BE49-F238E27FC236}">
-                <a16:creationId xmlns:a16="http://schemas.microsoft.com/office/drawing/2014/main" id="{63D65488-7FC7-4305-9980-F71F882519D9}"/>
-              </a:ext>
-            </a:extLst>
-          </p:cNvPr>
+            <a:endParaRPr lang="en-US" dirty="0"/>
+          </a:p>
+        </p:txBody>
+      </p:sp>
+      <p:sp>
+        <p:nvSpPr>
+          <p:cNvPr id="4" name="Date Placeholder 3"/>
           <p:cNvSpPr>
             <a:spLocks noGrp="1"/>
           </p:cNvSpPr>
@@ -464,13 +2359,7 @@
       </p:sp>
       <p:sp>
         <p:nvSpPr>
-          <p:cNvPr id="5" name="Footer Placeholder 4">
-            <a:extLst>
-              <a:ext uri="{FF2B5EF4-FFF2-40B4-BE49-F238E27FC236}">
-                <a16:creationId xmlns:a16="http://schemas.microsoft.com/office/drawing/2014/main" id="{2FB452AF-0FC7-4606-8F3A-6066548B322D}"/>
-              </a:ext>
-            </a:extLst>
-          </p:cNvPr>
+          <p:cNvPr id="5" name="Footer Placeholder 4"/>
           <p:cNvSpPr>
             <a:spLocks noGrp="1"/>
           </p:cNvSpPr>
@@ -489,13 +2378,89 @@
       </p:sp>
       <p:sp>
         <p:nvSpPr>
-          <p:cNvPr id="6" name="Slide Number Placeholder 5">
-            <a:extLst>
-              <a:ext uri="{FF2B5EF4-FFF2-40B4-BE49-F238E27FC236}">
-                <a16:creationId xmlns:a16="http://schemas.microsoft.com/office/drawing/2014/main" id="{F2D5FDA6-63F7-4819-A0BA-4E2A72325BB5}"/>
-              </a:ext>
-            </a:extLst>
-          </p:cNvPr>
+          <p:cNvPr id="8" name="Freeform 11"/>
+          <p:cNvSpPr/>
+          <p:nvPr/>
+        </p:nvSpPr>
+        <p:spPr bwMode="auto">
+          <a:xfrm flipV="1">
+            <a:off x="-4189" y="714375"/>
+            <a:ext cx="1588527" cy="507297"/>
+          </a:xfrm>
+          <a:custGeom>
+            <a:avLst/>
+            <a:gdLst/>
+            <a:ahLst/>
+            <a:cxnLst/>
+            <a:rect l="l" t="t" r="r" b="b"/>
+            <a:pathLst>
+              <a:path w="9248" h="10000">
+                <a:moveTo>
+                  <a:pt x="9248" y="4701"/>
+                </a:moveTo>
+                <a:lnTo>
+                  <a:pt x="7915" y="188"/>
+                </a:lnTo>
+                <a:cubicBezTo>
+                  <a:pt x="7906" y="156"/>
+                  <a:pt x="7895" y="126"/>
+                  <a:pt x="7886" y="94"/>
+                </a:cubicBezTo>
+                <a:cubicBezTo>
+                  <a:pt x="7859" y="0"/>
+                  <a:pt x="7831" y="0"/>
+                  <a:pt x="7803" y="0"/>
+                </a:cubicBezTo>
+                <a:lnTo>
+                  <a:pt x="7275" y="0"/>
+                </a:lnTo>
+                <a:lnTo>
+                  <a:pt x="0" y="70"/>
+                </a:lnTo>
+                <a:cubicBezTo>
+                  <a:pt x="8" y="3380"/>
+                  <a:pt x="17" y="6690"/>
+                  <a:pt x="25" y="10000"/>
+                </a:cubicBezTo>
+                <a:lnTo>
+                  <a:pt x="7275" y="9966"/>
+                </a:lnTo>
+                <a:lnTo>
+                  <a:pt x="7803" y="9966"/>
+                </a:lnTo>
+                <a:cubicBezTo>
+                  <a:pt x="7831" y="9966"/>
+                  <a:pt x="7859" y="9872"/>
+                  <a:pt x="7886" y="9872"/>
+                </a:cubicBezTo>
+                <a:cubicBezTo>
+                  <a:pt x="7886" y="9778"/>
+                  <a:pt x="7915" y="9778"/>
+                  <a:pt x="7915" y="9778"/>
+                </a:cubicBezTo>
+                <a:lnTo>
+                  <a:pt x="9248" y="5265"/>
+                </a:lnTo>
+                <a:cubicBezTo>
+                  <a:pt x="9303" y="5077"/>
+                  <a:pt x="9303" y="4889"/>
+                  <a:pt x="9248" y="4701"/>
+                </a:cubicBezTo>
+                <a:close/>
+              </a:path>
+            </a:pathLst>
+          </a:custGeom>
+          <a:solidFill>
+            <a:schemeClr val="accent1"/>
+          </a:solidFill>
+          <a:ln>
+            <a:noFill/>
+          </a:ln>
+        </p:spPr>
+      </p:sp>
+      <p:sp>
+        <p:nvSpPr>
+          <p:cNvPr id="6" name="Slide Number Placeholder 5"/>
           <p:cNvSpPr>
             <a:spLocks noGrp="1"/>
           </p:cNvSpPr>
@@ -519,7 +2484,7 @@
     </p:spTree>
     <p:extLst>
       <p:ext uri="{BB962C8B-B14F-4D97-AF65-F5344CB8AC3E}">
-        <p14:creationId xmlns:p14="http://schemas.microsoft.com/office/powerpoint/2010/main" val="754065250"/>
+        <p14:creationId xmlns:p14="http://schemas.microsoft.com/office/powerpoint/2010/main" val="1229201438"/>
       </p:ext>
     </p:extLst>
   </p:cSld>
@@ -529,7 +2494,7 @@
 </p:sldLayout>
 </file>
 
-<file path=ppt/slideLayouts/slideLayout11.xml><?xml version="1.0" encoding="utf-8"?>
+<file path=ppt/slideLayouts/slideLayout16.xml><?xml version="1.0" encoding="utf-8"?>
 <p:sldLayout xmlns:a="http://schemas.openxmlformats.org/drawingml/2006/main" xmlns:r="http://schemas.openxmlformats.org/officeDocument/2006/relationships" xmlns:p="http://schemas.openxmlformats.org/presentationml/2006/main" type="vertTitleAndTx" preserve="1">
   <p:cSld name="Vertical Title and Text">
     <p:spTree>
@@ -548,13 +2513,7 @@
       </p:grpSpPr>
       <p:sp>
         <p:nvSpPr>
-          <p:cNvPr id="2" name="Vertical Title 1">
-            <a:extLst>
-              <a:ext uri="{FF2B5EF4-FFF2-40B4-BE49-F238E27FC236}">
-                <a16:creationId xmlns:a16="http://schemas.microsoft.com/office/drawing/2014/main" id="{D5C2362F-36F4-4AD9-BC34-F50DC0BDC360}"/>
-              </a:ext>
-            </a:extLst>
-          </p:cNvPr>
+          <p:cNvPr id="2" name="Vertical Title 1"/>
           <p:cNvSpPr>
             <a:spLocks noGrp="1"/>
           </p:cNvSpPr>
@@ -564,48 +2523,42 @@
         </p:nvSpPr>
         <p:spPr>
           <a:xfrm>
-            <a:off x="8724900" y="365125"/>
-            <a:ext cx="2628900" cy="5811838"/>
+            <a:off x="9294812" y="627405"/>
+            <a:ext cx="2207601" cy="5283817"/>
           </a:xfrm>
         </p:spPr>
         <p:txBody>
+          <a:bodyPr vert="eaVert" anchor="ctr"/>
+          <a:lstStyle/>
+          <a:p>
+            <a:r>
+              <a:rPr lang="en-US"/>
+              <a:t>Click to edit Master title style</a:t>
+            </a:r>
+            <a:endParaRPr lang="en-US" dirty="0"/>
+          </a:p>
+        </p:txBody>
+      </p:sp>
+      <p:sp>
+        <p:nvSpPr>
+          <p:cNvPr id="3" name="Vertical Text Placeholder 2"/>
+          <p:cNvSpPr>
+            <a:spLocks noGrp="1"/>
+          </p:cNvSpPr>
+          <p:nvPr>
+            <p:ph type="body" orient="vert" idx="1"/>
+          </p:nvPr>
+        </p:nvSpPr>
+        <p:spPr>
+          <a:xfrm>
+            <a:off x="2589212" y="627405"/>
+            <a:ext cx="6477000" cy="5283817"/>
+          </a:xfrm>
+        </p:spPr>
+        <p:txBody>
           <a:bodyPr vert="eaVert"/>
           <a:lstStyle/>
           <a:p>
-            <a:r>
-              <a:rPr lang="en-US"/>
-              <a:t>Click to edit Master title style</a:t>
-            </a:r>
-            <a:endParaRPr lang="en-CA"/>
-          </a:p>
-        </p:txBody>
-      </p:sp>
-      <p:sp>
-        <p:nvSpPr>
-          <p:cNvPr id="3" name="Vertical Text Placeholder 2">
-            <a:extLst>
-              <a:ext uri="{FF2B5EF4-FFF2-40B4-BE49-F238E27FC236}">
-                <a16:creationId xmlns:a16="http://schemas.microsoft.com/office/drawing/2014/main" id="{DCA9B14F-FDA2-43FA-8503-56F22DFDAFBE}"/>
-              </a:ext>
-            </a:extLst>
-          </p:cNvPr>
-          <p:cNvSpPr>
-            <a:spLocks noGrp="1"/>
-          </p:cNvSpPr>
-          <p:nvPr>
-            <p:ph type="body" orient="vert" idx="1"/>
-          </p:nvPr>
-        </p:nvSpPr>
-        <p:spPr>
-          <a:xfrm>
-            <a:off x="838200" y="365125"/>
-            <a:ext cx="7734300" cy="5811838"/>
-          </a:xfrm>
-        </p:spPr>
-        <p:txBody>
-          <a:bodyPr vert="eaVert"/>
-          <a:lstStyle/>
-          <a:p>
             <a:pPr lvl="0"/>
             <a:r>
               <a:rPr lang="en-US"/>
@@ -639,19 +2592,13 @@
               <a:rPr lang="en-US"/>
               <a:t>Fifth level</a:t>
             </a:r>
-            <a:endParaRPr lang="en-CA"/>
-          </a:p>
-        </p:txBody>
-      </p:sp>
-      <p:sp>
-        <p:nvSpPr>
-          <p:cNvPr id="4" name="Date Placeholder 3">
-            <a:extLst>
-              <a:ext uri="{FF2B5EF4-FFF2-40B4-BE49-F238E27FC236}">
-                <a16:creationId xmlns:a16="http://schemas.microsoft.com/office/drawing/2014/main" id="{69F3DB87-DE13-461E-B4EF-019F27ED0D52}"/>
-              </a:ext>
-            </a:extLst>
-          </p:cNvPr>
+            <a:endParaRPr lang="en-US" dirty="0"/>
+          </a:p>
+        </p:txBody>
+      </p:sp>
+      <p:sp>
+        <p:nvSpPr>
+          <p:cNvPr id="4" name="Date Placeholder 3"/>
           <p:cNvSpPr>
             <a:spLocks noGrp="1"/>
           </p:cNvSpPr>
@@ -674,13 +2621,7 @@
       </p:sp>
       <p:sp>
         <p:nvSpPr>
-          <p:cNvPr id="5" name="Footer Placeholder 4">
-            <a:extLst>
-              <a:ext uri="{FF2B5EF4-FFF2-40B4-BE49-F238E27FC236}">
-                <a16:creationId xmlns:a16="http://schemas.microsoft.com/office/drawing/2014/main" id="{C2AE191C-0580-4AD1-8E4B-88954B0C5917}"/>
-              </a:ext>
-            </a:extLst>
-          </p:cNvPr>
+          <p:cNvPr id="5" name="Footer Placeholder 4"/>
           <p:cNvSpPr>
             <a:spLocks noGrp="1"/>
           </p:cNvSpPr>
@@ -699,13 +2640,89 @@
       </p:sp>
       <p:sp>
         <p:nvSpPr>
-          <p:cNvPr id="6" name="Slide Number Placeholder 5">
-            <a:extLst>
-              <a:ext uri="{FF2B5EF4-FFF2-40B4-BE49-F238E27FC236}">
-                <a16:creationId xmlns:a16="http://schemas.microsoft.com/office/drawing/2014/main" id="{A3349736-82D7-48D7-B23C-6A91F4E5E194}"/>
-              </a:ext>
-            </a:extLst>
-          </p:cNvPr>
+          <p:cNvPr id="8" name="Freeform 11"/>
+          <p:cNvSpPr/>
+          <p:nvPr/>
+        </p:nvSpPr>
+        <p:spPr bwMode="auto">
+          <a:xfrm flipV="1">
+            <a:off x="-4189" y="714375"/>
+            <a:ext cx="1588527" cy="507297"/>
+          </a:xfrm>
+          <a:custGeom>
+            <a:avLst/>
+            <a:gdLst/>
+            <a:ahLst/>
+            <a:cxnLst/>
+            <a:rect l="l" t="t" r="r" b="b"/>
+            <a:pathLst>
+              <a:path w="9248" h="10000">
+                <a:moveTo>
+                  <a:pt x="9248" y="4701"/>
+                </a:moveTo>
+                <a:lnTo>
+                  <a:pt x="7915" y="188"/>
+                </a:lnTo>
+                <a:cubicBezTo>
+                  <a:pt x="7906" y="156"/>
+                  <a:pt x="7895" y="126"/>
+                  <a:pt x="7886" y="94"/>
+                </a:cubicBezTo>
+                <a:cubicBezTo>
+                  <a:pt x="7859" y="0"/>
+                  <a:pt x="7831" y="0"/>
+                  <a:pt x="7803" y="0"/>
+                </a:cubicBezTo>
+                <a:lnTo>
+                  <a:pt x="7275" y="0"/>
+                </a:lnTo>
+                <a:lnTo>
+                  <a:pt x="0" y="70"/>
+                </a:lnTo>
+                <a:cubicBezTo>
+                  <a:pt x="8" y="3380"/>
+                  <a:pt x="17" y="6690"/>
+                  <a:pt x="25" y="10000"/>
+                </a:cubicBezTo>
+                <a:lnTo>
+                  <a:pt x="7275" y="9966"/>
+                </a:lnTo>
+                <a:lnTo>
+                  <a:pt x="7803" y="9966"/>
+                </a:lnTo>
+                <a:cubicBezTo>
+                  <a:pt x="7831" y="9966"/>
+                  <a:pt x="7859" y="9872"/>
+                  <a:pt x="7886" y="9872"/>
+                </a:cubicBezTo>
+                <a:cubicBezTo>
+                  <a:pt x="7886" y="9778"/>
+                  <a:pt x="7915" y="9778"/>
+                  <a:pt x="7915" y="9778"/>
+                </a:cubicBezTo>
+                <a:lnTo>
+                  <a:pt x="9248" y="5265"/>
+                </a:lnTo>
+                <a:cubicBezTo>
+                  <a:pt x="9303" y="5077"/>
+                  <a:pt x="9303" y="4889"/>
+                  <a:pt x="9248" y="4701"/>
+                </a:cubicBezTo>
+                <a:close/>
+              </a:path>
+            </a:pathLst>
+          </a:custGeom>
+          <a:solidFill>
+            <a:schemeClr val="accent1"/>
+          </a:solidFill>
+          <a:ln>
+            <a:noFill/>
+          </a:ln>
+        </p:spPr>
+      </p:sp>
+      <p:sp>
+        <p:nvSpPr>
+          <p:cNvPr id="6" name="Slide Number Placeholder 5"/>
           <p:cNvSpPr>
             <a:spLocks noGrp="1"/>
           </p:cNvSpPr>
@@ -729,7 +2746,7 @@
     </p:spTree>
     <p:extLst>
       <p:ext uri="{BB962C8B-B14F-4D97-AF65-F5344CB8AC3E}">
-        <p14:creationId xmlns:p14="http://schemas.microsoft.com/office/powerpoint/2010/main" val="402487592"/>
+        <p14:creationId xmlns:p14="http://schemas.microsoft.com/office/powerpoint/2010/main" val="3432566787"/>
       </p:ext>
     </p:extLst>
   </p:cSld>
@@ -758,13 +2775,7 @@
       </p:grpSpPr>
       <p:sp>
         <p:nvSpPr>
-          <p:cNvPr id="2" name="Title 1">
-            <a:extLst>
-              <a:ext uri="{FF2B5EF4-FFF2-40B4-BE49-F238E27FC236}">
-                <a16:creationId xmlns:a16="http://schemas.microsoft.com/office/drawing/2014/main" id="{622E7A56-26AA-451D-8B24-2416F1D4858D}"/>
-              </a:ext>
-            </a:extLst>
-          </p:cNvPr>
+          <p:cNvPr id="2" name="Title 1"/>
           <p:cNvSpPr>
             <a:spLocks noGrp="1"/>
           </p:cNvSpPr>
@@ -772,7 +2783,12 @@
             <p:ph type="title"/>
           </p:nvPr>
         </p:nvSpPr>
-        <p:spPr/>
+        <p:spPr>
+          <a:xfrm>
+            <a:off x="2592925" y="624110"/>
+            <a:ext cx="8911687" cy="1280890"/>
+          </a:xfrm>
+        </p:spPr>
         <p:txBody>
           <a:bodyPr/>
           <a:lstStyle/>
@@ -781,19 +2797,13 @@
               <a:rPr lang="en-US"/>
               <a:t>Click to edit Master title style</a:t>
             </a:r>
-            <a:endParaRPr lang="en-CA"/>
-          </a:p>
-        </p:txBody>
-      </p:sp>
-      <p:sp>
-        <p:nvSpPr>
-          <p:cNvPr id="3" name="Content Placeholder 2">
-            <a:extLst>
-              <a:ext uri="{FF2B5EF4-FFF2-40B4-BE49-F238E27FC236}">
-                <a16:creationId xmlns:a16="http://schemas.microsoft.com/office/drawing/2014/main" id="{C23B69AB-E66C-4F7F-8F6B-BBE76274A181}"/>
-              </a:ext>
-            </a:extLst>
-          </p:cNvPr>
+            <a:endParaRPr lang="en-US" dirty="0"/>
+          </a:p>
+        </p:txBody>
+      </p:sp>
+      <p:sp>
+        <p:nvSpPr>
+          <p:cNvPr id="3" name="Content Placeholder 2"/>
           <p:cNvSpPr>
             <a:spLocks noGrp="1"/>
           </p:cNvSpPr>
@@ -801,7 +2811,12 @@
             <p:ph idx="1"/>
           </p:nvPr>
         </p:nvSpPr>
-        <p:spPr/>
+        <p:spPr>
+          <a:xfrm>
+            <a:off x="2589212" y="2133600"/>
+            <a:ext cx="8915400" cy="3777622"/>
+          </a:xfrm>
+        </p:spPr>
         <p:txBody>
           <a:bodyPr/>
           <a:lstStyle/>
@@ -839,19 +2854,13 @@
               <a:rPr lang="en-US"/>
               <a:t>Fifth level</a:t>
             </a:r>
-            <a:endParaRPr lang="en-CA"/>
-          </a:p>
-        </p:txBody>
-      </p:sp>
-      <p:sp>
-        <p:nvSpPr>
-          <p:cNvPr id="4" name="Date Placeholder 3">
-            <a:extLst>
-              <a:ext uri="{FF2B5EF4-FFF2-40B4-BE49-F238E27FC236}">
-                <a16:creationId xmlns:a16="http://schemas.microsoft.com/office/drawing/2014/main" id="{96E514F0-96C2-4201-AB3A-171FB1C4D1BD}"/>
-              </a:ext>
-            </a:extLst>
-          </p:cNvPr>
+            <a:endParaRPr lang="en-US" dirty="0"/>
+          </a:p>
+        </p:txBody>
+      </p:sp>
+      <p:sp>
+        <p:nvSpPr>
+          <p:cNvPr id="4" name="Date Placeholder 3"/>
           <p:cNvSpPr>
             <a:spLocks noGrp="1"/>
           </p:cNvSpPr>
@@ -874,13 +2883,7 @@
       </p:sp>
       <p:sp>
         <p:nvSpPr>
-          <p:cNvPr id="5" name="Footer Placeholder 4">
-            <a:extLst>
-              <a:ext uri="{FF2B5EF4-FFF2-40B4-BE49-F238E27FC236}">
-                <a16:creationId xmlns:a16="http://schemas.microsoft.com/office/drawing/2014/main" id="{DA8F28A6-B205-4048-A77D-73D884FA2DCF}"/>
-              </a:ext>
-            </a:extLst>
-          </p:cNvPr>
+          <p:cNvPr id="5" name="Footer Placeholder 4"/>
           <p:cNvSpPr>
             <a:spLocks noGrp="1"/>
           </p:cNvSpPr>
@@ -899,13 +2902,89 @@
       </p:sp>
       <p:sp>
         <p:nvSpPr>
-          <p:cNvPr id="6" name="Slide Number Placeholder 5">
-            <a:extLst>
-              <a:ext uri="{FF2B5EF4-FFF2-40B4-BE49-F238E27FC236}">
-                <a16:creationId xmlns:a16="http://schemas.microsoft.com/office/drawing/2014/main" id="{AD9BEA0E-9673-48A7-A384-09E361532F92}"/>
-              </a:ext>
-            </a:extLst>
-          </p:cNvPr>
+          <p:cNvPr id="8" name="Freeform 11"/>
+          <p:cNvSpPr/>
+          <p:nvPr/>
+        </p:nvSpPr>
+        <p:spPr bwMode="auto">
+          <a:xfrm flipV="1">
+            <a:off x="-4189" y="714375"/>
+            <a:ext cx="1588527" cy="507297"/>
+          </a:xfrm>
+          <a:custGeom>
+            <a:avLst/>
+            <a:gdLst/>
+            <a:ahLst/>
+            <a:cxnLst/>
+            <a:rect l="l" t="t" r="r" b="b"/>
+            <a:pathLst>
+              <a:path w="9248" h="10000">
+                <a:moveTo>
+                  <a:pt x="9248" y="4701"/>
+                </a:moveTo>
+                <a:lnTo>
+                  <a:pt x="7915" y="188"/>
+                </a:lnTo>
+                <a:cubicBezTo>
+                  <a:pt x="7906" y="156"/>
+                  <a:pt x="7895" y="126"/>
+                  <a:pt x="7886" y="94"/>
+                </a:cubicBezTo>
+                <a:cubicBezTo>
+                  <a:pt x="7859" y="0"/>
+                  <a:pt x="7831" y="0"/>
+                  <a:pt x="7803" y="0"/>
+                </a:cubicBezTo>
+                <a:lnTo>
+                  <a:pt x="7275" y="0"/>
+                </a:lnTo>
+                <a:lnTo>
+                  <a:pt x="0" y="70"/>
+                </a:lnTo>
+                <a:cubicBezTo>
+                  <a:pt x="8" y="3380"/>
+                  <a:pt x="17" y="6690"/>
+                  <a:pt x="25" y="10000"/>
+                </a:cubicBezTo>
+                <a:lnTo>
+                  <a:pt x="7275" y="9966"/>
+                </a:lnTo>
+                <a:lnTo>
+                  <a:pt x="7803" y="9966"/>
+                </a:lnTo>
+                <a:cubicBezTo>
+                  <a:pt x="7831" y="9966"/>
+                  <a:pt x="7859" y="9872"/>
+                  <a:pt x="7886" y="9872"/>
+                </a:cubicBezTo>
+                <a:cubicBezTo>
+                  <a:pt x="7886" y="9778"/>
+                  <a:pt x="7915" y="9778"/>
+                  <a:pt x="7915" y="9778"/>
+                </a:cubicBezTo>
+                <a:lnTo>
+                  <a:pt x="9248" y="5265"/>
+                </a:lnTo>
+                <a:cubicBezTo>
+                  <a:pt x="9303" y="5077"/>
+                  <a:pt x="9303" y="4889"/>
+                  <a:pt x="9248" y="4701"/>
+                </a:cubicBezTo>
+                <a:close/>
+              </a:path>
+            </a:pathLst>
+          </a:custGeom>
+          <a:solidFill>
+            <a:schemeClr val="accent1"/>
+          </a:solidFill>
+          <a:ln>
+            <a:noFill/>
+          </a:ln>
+        </p:spPr>
+      </p:sp>
+      <p:sp>
+        <p:nvSpPr>
+          <p:cNvPr id="6" name="Slide Number Placeholder 5"/>
           <p:cNvSpPr>
             <a:spLocks noGrp="1"/>
           </p:cNvSpPr>
@@ -929,7 +3008,7 @@
     </p:spTree>
     <p:extLst>
       <p:ext uri="{BB962C8B-B14F-4D97-AF65-F5344CB8AC3E}">
-        <p14:creationId xmlns:p14="http://schemas.microsoft.com/office/powerpoint/2010/main" val="890566916"/>
+        <p14:creationId xmlns:p14="http://schemas.microsoft.com/office/powerpoint/2010/main" val="2505597052"/>
       </p:ext>
     </p:extLst>
   </p:cSld>
@@ -958,13 +3037,7 @@
       </p:grpSpPr>
       <p:sp>
         <p:nvSpPr>
-          <p:cNvPr id="2" name="Title 1">
-            <a:extLst>
-              <a:ext uri="{FF2B5EF4-FFF2-40B4-BE49-F238E27FC236}">
-                <a16:creationId xmlns:a16="http://schemas.microsoft.com/office/drawing/2014/main" id="{9CAD7C30-2488-4F5F-839A-AB73BCC95DE6}"/>
-              </a:ext>
-            </a:extLst>
-          </p:cNvPr>
+          <p:cNvPr id="2" name="Title 1"/>
           <p:cNvSpPr>
             <a:spLocks noGrp="1"/>
           </p:cNvSpPr>
@@ -974,15 +3047,15 @@
         </p:nvSpPr>
         <p:spPr>
           <a:xfrm>
-            <a:off x="831850" y="1709738"/>
-            <a:ext cx="10515600" cy="2852737"/>
+            <a:off x="2589212" y="2058750"/>
+            <a:ext cx="8915399" cy="1468800"/>
           </a:xfrm>
         </p:spPr>
         <p:txBody>
           <a:bodyPr anchor="b"/>
           <a:lstStyle>
-            <a:lvl1pPr>
-              <a:defRPr sz="6000"/>
+            <a:lvl1pPr algn="l">
+              <a:defRPr sz="4000" b="0" cap="none"/>
             </a:lvl1pPr>
           </a:lstStyle>
           <a:p>
@@ -990,19 +3063,13 @@
               <a:rPr lang="en-US"/>
               <a:t>Click to edit Master title style</a:t>
             </a:r>
-            <a:endParaRPr lang="en-CA"/>
-          </a:p>
-        </p:txBody>
-      </p:sp>
-      <p:sp>
-        <p:nvSpPr>
-          <p:cNvPr id="3" name="Text Placeholder 2">
-            <a:extLst>
-              <a:ext uri="{FF2B5EF4-FFF2-40B4-BE49-F238E27FC236}">
-                <a16:creationId xmlns:a16="http://schemas.microsoft.com/office/drawing/2014/main" id="{BFD457B6-06DF-454D-A837-BECC2A5531D0}"/>
-              </a:ext>
-            </a:extLst>
-          </p:cNvPr>
+            <a:endParaRPr lang="en-US" dirty="0"/>
+          </a:p>
+        </p:txBody>
+      </p:sp>
+      <p:sp>
+        <p:nvSpPr>
+          <p:cNvPr id="3" name="Text Placeholder 2"/>
           <p:cNvSpPr>
             <a:spLocks noGrp="1"/>
           </p:cNvSpPr>
@@ -1012,26 +3079,27 @@
         </p:nvSpPr>
         <p:spPr>
           <a:xfrm>
-            <a:off x="831850" y="4589463"/>
-            <a:ext cx="10515600" cy="1500187"/>
+            <a:off x="2589212" y="3530129"/>
+            <a:ext cx="8915399" cy="860400"/>
           </a:xfrm>
         </p:spPr>
         <p:txBody>
-          <a:bodyPr/>
+          <a:bodyPr anchor="t"/>
           <a:lstStyle>
-            <a:lvl1pPr marL="0" indent="0">
-              <a:buNone/>
-              <a:defRPr sz="2400">
+            <a:lvl1pPr marL="0" indent="0" algn="l">
+              <a:buNone/>
+              <a:defRPr sz="2000">
                 <a:solidFill>
                   <a:schemeClr val="tx1">
-                    <a:tint val="75000"/>
+                    <a:lumMod val="65000"/>
+                    <a:lumOff val="35000"/>
                   </a:schemeClr>
                 </a:solidFill>
               </a:defRPr>
             </a:lvl1pPr>
             <a:lvl2pPr marL="457200" indent="0">
               <a:buNone/>
-              <a:defRPr sz="2000">
+              <a:defRPr sz="1800">
                 <a:solidFill>
                   <a:schemeClr val="tx1">
                     <a:tint val="75000"/>
@@ -1041,7 +3109,7 @@
             </a:lvl2pPr>
             <a:lvl3pPr marL="914400" indent="0">
               <a:buNone/>
-              <a:defRPr sz="1800">
+              <a:defRPr sz="1600">
                 <a:solidFill>
                   <a:schemeClr val="tx1">
                     <a:tint val="75000"/>
@@ -1051,7 +3119,7 @@
             </a:lvl3pPr>
             <a:lvl4pPr marL="1371600" indent="0">
               <a:buNone/>
-              <a:defRPr sz="1600">
+              <a:defRPr sz="1400">
                 <a:solidFill>
                   <a:schemeClr val="tx1">
                     <a:tint val="75000"/>
@@ -1061,7 +3129,7 @@
             </a:lvl4pPr>
             <a:lvl5pPr marL="1828800" indent="0">
               <a:buNone/>
-              <a:defRPr sz="1600">
+              <a:defRPr sz="1400">
                 <a:solidFill>
                   <a:schemeClr val="tx1">
                     <a:tint val="75000"/>
@@ -1071,7 +3139,7 @@
             </a:lvl5pPr>
             <a:lvl6pPr marL="2286000" indent="0">
               <a:buNone/>
-              <a:defRPr sz="1600">
+              <a:defRPr sz="1400">
                 <a:solidFill>
                   <a:schemeClr val="tx1">
                     <a:tint val="75000"/>
@@ -1081,7 +3149,7 @@
             </a:lvl6pPr>
             <a:lvl7pPr marL="2743200" indent="0">
               <a:buNone/>
-              <a:defRPr sz="1600">
+              <a:defRPr sz="1400">
                 <a:solidFill>
                   <a:schemeClr val="tx1">
                     <a:tint val="75000"/>
@@ -1091,7 +3159,7 @@
             </a:lvl7pPr>
             <a:lvl8pPr marL="3200400" indent="0">
               <a:buNone/>
-              <a:defRPr sz="1600">
+              <a:defRPr sz="1400">
                 <a:solidFill>
                   <a:schemeClr val="tx1">
                     <a:tint val="75000"/>
@@ -1101,7 +3169,7 @@
             </a:lvl8pPr>
             <a:lvl9pPr marL="3657600" indent="0">
               <a:buNone/>
-              <a:defRPr sz="1600">
+              <a:defRPr sz="1400">
                 <a:solidFill>
                   <a:schemeClr val="tx1">
                     <a:tint val="75000"/>
@@ -1121,13 +3189,7 @@
       </p:sp>
       <p:sp>
         <p:nvSpPr>
-          <p:cNvPr id="4" name="Date Placeholder 3">
-            <a:extLst>
-              <a:ext uri="{FF2B5EF4-FFF2-40B4-BE49-F238E27FC236}">
-                <a16:creationId xmlns:a16="http://schemas.microsoft.com/office/drawing/2014/main" id="{FD3B67DE-703B-4BB6-BDA8-6B5274FC1F5F}"/>
-              </a:ext>
-            </a:extLst>
-          </p:cNvPr>
+          <p:cNvPr id="4" name="Date Placeholder 3"/>
           <p:cNvSpPr>
             <a:spLocks noGrp="1"/>
           </p:cNvSpPr>
@@ -1150,13 +3212,7 @@
       </p:sp>
       <p:sp>
         <p:nvSpPr>
-          <p:cNvPr id="5" name="Footer Placeholder 4">
-            <a:extLst>
-              <a:ext uri="{FF2B5EF4-FFF2-40B4-BE49-F238E27FC236}">
-                <a16:creationId xmlns:a16="http://schemas.microsoft.com/office/drawing/2014/main" id="{84A424C9-5072-4744-8323-4E537A2B877C}"/>
-              </a:ext>
-            </a:extLst>
-          </p:cNvPr>
+          <p:cNvPr id="5" name="Footer Placeholder 4"/>
           <p:cNvSpPr>
             <a:spLocks noGrp="1"/>
           </p:cNvSpPr>
@@ -1175,13 +3231,89 @@
       </p:sp>
       <p:sp>
         <p:nvSpPr>
-          <p:cNvPr id="6" name="Slide Number Placeholder 5">
-            <a:extLst>
-              <a:ext uri="{FF2B5EF4-FFF2-40B4-BE49-F238E27FC236}">
-                <a16:creationId xmlns:a16="http://schemas.microsoft.com/office/drawing/2014/main" id="{545D5379-489D-42CD-BB18-19815C0A5F11}"/>
-              </a:ext>
-            </a:extLst>
-          </p:cNvPr>
+          <p:cNvPr id="9" name="Freeform 11"/>
+          <p:cNvSpPr/>
+          <p:nvPr/>
+        </p:nvSpPr>
+        <p:spPr bwMode="auto">
+          <a:xfrm flipV="1">
+            <a:off x="-4189" y="3178175"/>
+            <a:ext cx="1588527" cy="507297"/>
+          </a:xfrm>
+          <a:custGeom>
+            <a:avLst/>
+            <a:gdLst/>
+            <a:ahLst/>
+            <a:cxnLst/>
+            <a:rect l="l" t="t" r="r" b="b"/>
+            <a:pathLst>
+              <a:path w="9248" h="10000">
+                <a:moveTo>
+                  <a:pt x="9248" y="4701"/>
+                </a:moveTo>
+                <a:lnTo>
+                  <a:pt x="7915" y="188"/>
+                </a:lnTo>
+                <a:cubicBezTo>
+                  <a:pt x="7906" y="156"/>
+                  <a:pt x="7895" y="126"/>
+                  <a:pt x="7886" y="94"/>
+                </a:cubicBezTo>
+                <a:cubicBezTo>
+                  <a:pt x="7859" y="0"/>
+                  <a:pt x="7831" y="0"/>
+                  <a:pt x="7803" y="0"/>
+                </a:cubicBezTo>
+                <a:lnTo>
+                  <a:pt x="7275" y="0"/>
+                </a:lnTo>
+                <a:lnTo>
+                  <a:pt x="0" y="70"/>
+                </a:lnTo>
+                <a:cubicBezTo>
+                  <a:pt x="8" y="3380"/>
+                  <a:pt x="17" y="6690"/>
+                  <a:pt x="25" y="10000"/>
+                </a:cubicBezTo>
+                <a:lnTo>
+                  <a:pt x="7275" y="9966"/>
+                </a:lnTo>
+                <a:lnTo>
+                  <a:pt x="7803" y="9966"/>
+                </a:lnTo>
+                <a:cubicBezTo>
+                  <a:pt x="7831" y="9966"/>
+                  <a:pt x="7859" y="9872"/>
+                  <a:pt x="7886" y="9872"/>
+                </a:cubicBezTo>
+                <a:cubicBezTo>
+                  <a:pt x="7886" y="9778"/>
+                  <a:pt x="7915" y="9778"/>
+                  <a:pt x="7915" y="9778"/>
+                </a:cubicBezTo>
+                <a:lnTo>
+                  <a:pt x="9248" y="5265"/>
+                </a:lnTo>
+                <a:cubicBezTo>
+                  <a:pt x="9303" y="5077"/>
+                  <a:pt x="9303" y="4889"/>
+                  <a:pt x="9248" y="4701"/>
+                </a:cubicBezTo>
+                <a:close/>
+              </a:path>
+            </a:pathLst>
+          </a:custGeom>
+          <a:solidFill>
+            <a:schemeClr val="accent1"/>
+          </a:solidFill>
+          <a:ln>
+            <a:noFill/>
+          </a:ln>
+        </p:spPr>
+      </p:sp>
+      <p:sp>
+        <p:nvSpPr>
+          <p:cNvPr id="6" name="Slide Number Placeholder 5"/>
           <p:cNvSpPr>
             <a:spLocks noGrp="1"/>
           </p:cNvSpPr>
@@ -1189,7 +3321,12 @@
             <p:ph type="sldNum" sz="quarter" idx="12"/>
           </p:nvPr>
         </p:nvSpPr>
-        <p:spPr/>
+        <p:spPr>
+          <a:xfrm>
+            <a:off x="531812" y="3244139"/>
+            <a:ext cx="779767" cy="365125"/>
+          </a:xfrm>
+        </p:spPr>
         <p:txBody>
           <a:bodyPr/>
           <a:lstStyle/>
@@ -1205,7 +3342,7 @@
     </p:spTree>
     <p:extLst>
       <p:ext uri="{BB962C8B-B14F-4D97-AF65-F5344CB8AC3E}">
-        <p14:creationId xmlns:p14="http://schemas.microsoft.com/office/powerpoint/2010/main" val="3798662357"/>
+        <p14:creationId xmlns:p14="http://schemas.microsoft.com/office/powerpoint/2010/main" val="1606495655"/>
       </p:ext>
     </p:extLst>
   </p:cSld>
@@ -1234,13 +3371,7 @@
       </p:grpSpPr>
       <p:sp>
         <p:nvSpPr>
-          <p:cNvPr id="2" name="Title 1">
-            <a:extLst>
-              <a:ext uri="{FF2B5EF4-FFF2-40B4-BE49-F238E27FC236}">
-                <a16:creationId xmlns:a16="http://schemas.microsoft.com/office/drawing/2014/main" id="{A9E30C51-FD0C-464F-9BD0-E80E6D47CC4C}"/>
-              </a:ext>
-            </a:extLst>
-          </p:cNvPr>
+          <p:cNvPr id="8" name="Title 7"/>
           <p:cNvSpPr>
             <a:spLocks noGrp="1"/>
           </p:cNvSpPr>
@@ -1257,19 +3388,13 @@
               <a:rPr lang="en-US"/>
               <a:t>Click to edit Master title style</a:t>
             </a:r>
-            <a:endParaRPr lang="en-CA"/>
-          </a:p>
-        </p:txBody>
-      </p:sp>
-      <p:sp>
-        <p:nvSpPr>
-          <p:cNvPr id="3" name="Content Placeholder 2">
-            <a:extLst>
-              <a:ext uri="{FF2B5EF4-FFF2-40B4-BE49-F238E27FC236}">
-                <a16:creationId xmlns:a16="http://schemas.microsoft.com/office/drawing/2014/main" id="{67C7DAB0-9205-4978-A91B-2E8491CFF652}"/>
-              </a:ext>
-            </a:extLst>
-          </p:cNvPr>
+            <a:endParaRPr lang="en-US" dirty="0"/>
+          </a:p>
+        </p:txBody>
+      </p:sp>
+      <p:sp>
+        <p:nvSpPr>
+          <p:cNvPr id="3" name="Content Placeholder 2"/>
           <p:cNvSpPr>
             <a:spLocks noGrp="1"/>
           </p:cNvSpPr>
@@ -1279,12 +3404,14 @@
         </p:nvSpPr>
         <p:spPr>
           <a:xfrm>
-            <a:off x="838200" y="1825625"/>
-            <a:ext cx="5181600" cy="4351338"/>
+            <a:off x="2589212" y="2133600"/>
+            <a:ext cx="4313864" cy="3777622"/>
           </a:xfrm>
         </p:spPr>
         <p:txBody>
-          <a:bodyPr/>
+          <a:bodyPr>
+            <a:normAutofit/>
+          </a:bodyPr>
           <a:lstStyle/>
           <a:p>
             <a:pPr lvl="0"/>
@@ -1320,19 +3447,13 @@
               <a:rPr lang="en-US"/>
               <a:t>Fifth level</a:t>
             </a:r>
-            <a:endParaRPr lang="en-CA"/>
-          </a:p>
-        </p:txBody>
-      </p:sp>
-      <p:sp>
-        <p:nvSpPr>
-          <p:cNvPr id="4" name="Content Placeholder 3">
-            <a:extLst>
-              <a:ext uri="{FF2B5EF4-FFF2-40B4-BE49-F238E27FC236}">
-                <a16:creationId xmlns:a16="http://schemas.microsoft.com/office/drawing/2014/main" id="{CEFAA942-8FDF-4A61-A97A-6D8629C5732D}"/>
-              </a:ext>
-            </a:extLst>
-          </p:cNvPr>
+            <a:endParaRPr lang="en-US" dirty="0"/>
+          </a:p>
+        </p:txBody>
+      </p:sp>
+      <p:sp>
+        <p:nvSpPr>
+          <p:cNvPr id="4" name="Content Placeholder 3"/>
           <p:cNvSpPr>
             <a:spLocks noGrp="1"/>
           </p:cNvSpPr>
@@ -1342,12 +3463,14 @@
         </p:nvSpPr>
         <p:spPr>
           <a:xfrm>
-            <a:off x="6172200" y="1825625"/>
-            <a:ext cx="5181600" cy="4351338"/>
+            <a:off x="7190747" y="2126222"/>
+            <a:ext cx="4313864" cy="3777622"/>
           </a:xfrm>
         </p:spPr>
         <p:txBody>
-          <a:bodyPr/>
+          <a:bodyPr>
+            <a:normAutofit/>
+          </a:bodyPr>
           <a:lstStyle/>
           <a:p>
             <a:pPr lvl="0"/>
@@ -1383,19 +3506,13 @@
               <a:rPr lang="en-US"/>
               <a:t>Fifth level</a:t>
             </a:r>
-            <a:endParaRPr lang="en-CA"/>
-          </a:p>
-        </p:txBody>
-      </p:sp>
-      <p:sp>
-        <p:nvSpPr>
-          <p:cNvPr id="5" name="Date Placeholder 4">
-            <a:extLst>
-              <a:ext uri="{FF2B5EF4-FFF2-40B4-BE49-F238E27FC236}">
-                <a16:creationId xmlns:a16="http://schemas.microsoft.com/office/drawing/2014/main" id="{652C4996-B960-4815-8217-CB7F939DF9AF}"/>
-              </a:ext>
-            </a:extLst>
-          </p:cNvPr>
+            <a:endParaRPr lang="en-US" dirty="0"/>
+          </a:p>
+        </p:txBody>
+      </p:sp>
+      <p:sp>
+        <p:nvSpPr>
+          <p:cNvPr id="5" name="Date Placeholder 4"/>
           <p:cNvSpPr>
             <a:spLocks noGrp="1"/>
           </p:cNvSpPr>
@@ -1418,13 +3535,7 @@
       </p:sp>
       <p:sp>
         <p:nvSpPr>
-          <p:cNvPr id="6" name="Footer Placeholder 5">
-            <a:extLst>
-              <a:ext uri="{FF2B5EF4-FFF2-40B4-BE49-F238E27FC236}">
-                <a16:creationId xmlns:a16="http://schemas.microsoft.com/office/drawing/2014/main" id="{D80DDC7F-15D0-4D19-B91B-BB4795237380}"/>
-              </a:ext>
-            </a:extLst>
-          </p:cNvPr>
+          <p:cNvPr id="6" name="Footer Placeholder 5"/>
           <p:cNvSpPr>
             <a:spLocks noGrp="1"/>
           </p:cNvSpPr>
@@ -1443,13 +3554,89 @@
       </p:sp>
       <p:sp>
         <p:nvSpPr>
-          <p:cNvPr id="7" name="Slide Number Placeholder 6">
-            <a:extLst>
-              <a:ext uri="{FF2B5EF4-FFF2-40B4-BE49-F238E27FC236}">
-                <a16:creationId xmlns:a16="http://schemas.microsoft.com/office/drawing/2014/main" id="{C4B487F3-F298-45EB-84D4-4EEDB94CF6C2}"/>
-              </a:ext>
-            </a:extLst>
-          </p:cNvPr>
+          <p:cNvPr id="10" name="Freeform 11"/>
+          <p:cNvSpPr/>
+          <p:nvPr/>
+        </p:nvSpPr>
+        <p:spPr bwMode="auto">
+          <a:xfrm flipV="1">
+            <a:off x="-4189" y="714375"/>
+            <a:ext cx="1588527" cy="507297"/>
+          </a:xfrm>
+          <a:custGeom>
+            <a:avLst/>
+            <a:gdLst/>
+            <a:ahLst/>
+            <a:cxnLst/>
+            <a:rect l="l" t="t" r="r" b="b"/>
+            <a:pathLst>
+              <a:path w="9248" h="10000">
+                <a:moveTo>
+                  <a:pt x="9248" y="4701"/>
+                </a:moveTo>
+                <a:lnTo>
+                  <a:pt x="7915" y="188"/>
+                </a:lnTo>
+                <a:cubicBezTo>
+                  <a:pt x="7906" y="156"/>
+                  <a:pt x="7895" y="126"/>
+                  <a:pt x="7886" y="94"/>
+                </a:cubicBezTo>
+                <a:cubicBezTo>
+                  <a:pt x="7859" y="0"/>
+                  <a:pt x="7831" y="0"/>
+                  <a:pt x="7803" y="0"/>
+                </a:cubicBezTo>
+                <a:lnTo>
+                  <a:pt x="7275" y="0"/>
+                </a:lnTo>
+                <a:lnTo>
+                  <a:pt x="0" y="70"/>
+                </a:lnTo>
+                <a:cubicBezTo>
+                  <a:pt x="8" y="3380"/>
+                  <a:pt x="17" y="6690"/>
+                  <a:pt x="25" y="10000"/>
+                </a:cubicBezTo>
+                <a:lnTo>
+                  <a:pt x="7275" y="9966"/>
+                </a:lnTo>
+                <a:lnTo>
+                  <a:pt x="7803" y="9966"/>
+                </a:lnTo>
+                <a:cubicBezTo>
+                  <a:pt x="7831" y="9966"/>
+                  <a:pt x="7859" y="9872"/>
+                  <a:pt x="7886" y="9872"/>
+                </a:cubicBezTo>
+                <a:cubicBezTo>
+                  <a:pt x="7886" y="9778"/>
+                  <a:pt x="7915" y="9778"/>
+                  <a:pt x="7915" y="9778"/>
+                </a:cubicBezTo>
+                <a:lnTo>
+                  <a:pt x="9248" y="5265"/>
+                </a:lnTo>
+                <a:cubicBezTo>
+                  <a:pt x="9303" y="5077"/>
+                  <a:pt x="9303" y="4889"/>
+                  <a:pt x="9248" y="4701"/>
+                </a:cubicBezTo>
+                <a:close/>
+              </a:path>
+            </a:pathLst>
+          </a:custGeom>
+          <a:solidFill>
+            <a:schemeClr val="accent1"/>
+          </a:solidFill>
+          <a:ln>
+            <a:noFill/>
+          </a:ln>
+        </p:spPr>
+      </p:sp>
+      <p:sp>
+        <p:nvSpPr>
+          <p:cNvPr id="11" name="Slide Number Placeholder 5"/>
           <p:cNvSpPr>
             <a:spLocks noGrp="1"/>
           </p:cNvSpPr>
@@ -1457,7 +3644,12 @@
             <p:ph type="sldNum" sz="quarter" idx="12"/>
           </p:nvPr>
         </p:nvSpPr>
-        <p:spPr/>
+        <p:spPr>
+          <a:xfrm>
+            <a:off x="531812" y="787782"/>
+            <a:ext cx="779767" cy="365125"/>
+          </a:xfrm>
+        </p:spPr>
         <p:txBody>
           <a:bodyPr/>
           <a:lstStyle/>
@@ -1473,7 +3665,7 @@
     </p:spTree>
     <p:extLst>
       <p:ext uri="{BB962C8B-B14F-4D97-AF65-F5344CB8AC3E}">
-        <p14:creationId xmlns:p14="http://schemas.microsoft.com/office/powerpoint/2010/main" val="2486740277"/>
+        <p14:creationId xmlns:p14="http://schemas.microsoft.com/office/powerpoint/2010/main" val="2830147630"/>
       </p:ext>
     </p:extLst>
   </p:cSld>
@@ -1502,66 +3694,51 @@
       </p:grpSpPr>
       <p:sp>
         <p:nvSpPr>
-          <p:cNvPr id="2" name="Title 1">
-            <a:extLst>
-              <a:ext uri="{FF2B5EF4-FFF2-40B4-BE49-F238E27FC236}">
-                <a16:creationId xmlns:a16="http://schemas.microsoft.com/office/drawing/2014/main" id="{88D4E438-0891-42DE-A09B-CE29E622DAFF}"/>
-              </a:ext>
-            </a:extLst>
-          </p:cNvPr>
+          <p:cNvPr id="10" name="Title 9"/>
           <p:cNvSpPr>
             <a:spLocks noGrp="1"/>
           </p:cNvSpPr>
           <p:nvPr>
             <p:ph type="title"/>
+          </p:nvPr>
+        </p:nvSpPr>
+        <p:spPr/>
+        <p:txBody>
+          <a:bodyPr/>
+          <a:lstStyle/>
+          <a:p>
+            <a:r>
+              <a:rPr lang="en-US"/>
+              <a:t>Click to edit Master title style</a:t>
+            </a:r>
+            <a:endParaRPr lang="en-US" dirty="0"/>
+          </a:p>
+        </p:txBody>
+      </p:sp>
+      <p:sp>
+        <p:nvSpPr>
+          <p:cNvPr id="3" name="Text Placeholder 2"/>
+          <p:cNvSpPr>
+            <a:spLocks noGrp="1"/>
+          </p:cNvSpPr>
+          <p:nvPr>
+            <p:ph type="body" idx="1"/>
           </p:nvPr>
         </p:nvSpPr>
         <p:spPr>
           <a:xfrm>
-            <a:off x="839788" y="365125"/>
-            <a:ext cx="10515600" cy="1325563"/>
+            <a:off x="2939373" y="1972703"/>
+            <a:ext cx="3992732" cy="576262"/>
           </a:xfrm>
         </p:spPr>
         <p:txBody>
-          <a:bodyPr/>
-          <a:lstStyle/>
-          <a:p>
-            <a:r>
-              <a:rPr lang="en-US"/>
-              <a:t>Click to edit Master title style</a:t>
-            </a:r>
-            <a:endParaRPr lang="en-CA"/>
-          </a:p>
-        </p:txBody>
-      </p:sp>
-      <p:sp>
-        <p:nvSpPr>
-          <p:cNvPr id="3" name="Text Placeholder 2">
-            <a:extLst>
-              <a:ext uri="{FF2B5EF4-FFF2-40B4-BE49-F238E27FC236}">
-                <a16:creationId xmlns:a16="http://schemas.microsoft.com/office/drawing/2014/main" id="{7EE5AA41-EEED-42C4-8BB2-98C967CAF87C}"/>
-              </a:ext>
-            </a:extLst>
-          </p:cNvPr>
-          <p:cNvSpPr>
-            <a:spLocks noGrp="1"/>
-          </p:cNvSpPr>
-          <p:nvPr>
-            <p:ph type="body" idx="1"/>
-          </p:nvPr>
-        </p:nvSpPr>
-        <p:spPr>
-          <a:xfrm>
-            <a:off x="839788" y="1681163"/>
-            <a:ext cx="5157787" cy="823912"/>
-          </a:xfrm>
-        </p:spPr>
-        <p:txBody>
-          <a:bodyPr anchor="b"/>
+          <a:bodyPr anchor="b">
+            <a:noAutofit/>
+          </a:bodyPr>
           <a:lstStyle>
             <a:lvl1pPr marL="0" indent="0">
               <a:buNone/>
-              <a:defRPr sz="2400" b="1"/>
+              <a:defRPr sz="2400" b="0"/>
             </a:lvl1pPr>
             <a:lvl2pPr marL="457200" indent="0">
               <a:buNone/>
@@ -1607,13 +3784,7 @@
       </p:sp>
       <p:sp>
         <p:nvSpPr>
-          <p:cNvPr id="4" name="Content Placeholder 3">
-            <a:extLst>
-              <a:ext uri="{FF2B5EF4-FFF2-40B4-BE49-F238E27FC236}">
-                <a16:creationId xmlns:a16="http://schemas.microsoft.com/office/drawing/2014/main" id="{04AE1882-C9A6-4611-8935-D1EE0CE150CD}"/>
-              </a:ext>
-            </a:extLst>
-          </p:cNvPr>
+          <p:cNvPr id="4" name="Content Placeholder 3"/>
           <p:cNvSpPr>
             <a:spLocks noGrp="1"/>
           </p:cNvSpPr>
@@ -1623,12 +3794,14 @@
         </p:nvSpPr>
         <p:spPr>
           <a:xfrm>
-            <a:off x="839788" y="2505075"/>
-            <a:ext cx="5157787" cy="3684588"/>
+            <a:off x="2589212" y="2548966"/>
+            <a:ext cx="4342893" cy="3354060"/>
           </a:xfrm>
         </p:spPr>
         <p:txBody>
-          <a:bodyPr/>
+          <a:bodyPr>
+            <a:normAutofit/>
+          </a:bodyPr>
           <a:lstStyle/>
           <a:p>
             <a:pPr lvl="0"/>
@@ -1664,19 +3837,13 @@
               <a:rPr lang="en-US"/>
               <a:t>Fifth level</a:t>
             </a:r>
-            <a:endParaRPr lang="en-CA"/>
-          </a:p>
-        </p:txBody>
-      </p:sp>
-      <p:sp>
-        <p:nvSpPr>
-          <p:cNvPr id="5" name="Text Placeholder 4">
-            <a:extLst>
-              <a:ext uri="{FF2B5EF4-FFF2-40B4-BE49-F238E27FC236}">
-                <a16:creationId xmlns:a16="http://schemas.microsoft.com/office/drawing/2014/main" id="{77BCBC9E-3668-434B-97BA-8117AF7D6A14}"/>
-              </a:ext>
-            </a:extLst>
-          </p:cNvPr>
+            <a:endParaRPr lang="en-US" dirty="0"/>
+          </a:p>
+        </p:txBody>
+      </p:sp>
+      <p:sp>
+        <p:nvSpPr>
+          <p:cNvPr id="5" name="Text Placeholder 4"/>
           <p:cNvSpPr>
             <a:spLocks noGrp="1"/>
           </p:cNvSpPr>
@@ -1686,16 +3853,18 @@
         </p:nvSpPr>
         <p:spPr>
           <a:xfrm>
-            <a:off x="6172200" y="1681163"/>
-            <a:ext cx="5183188" cy="823912"/>
+            <a:off x="7506629" y="1969475"/>
+            <a:ext cx="3999001" cy="576262"/>
           </a:xfrm>
         </p:spPr>
         <p:txBody>
-          <a:bodyPr anchor="b"/>
+          <a:bodyPr anchor="b">
+            <a:noAutofit/>
+          </a:bodyPr>
           <a:lstStyle>
             <a:lvl1pPr marL="0" indent="0">
               <a:buNone/>
-              <a:defRPr sz="2400" b="1"/>
+              <a:defRPr sz="2400" b="0"/>
             </a:lvl1pPr>
             <a:lvl2pPr marL="457200" indent="0">
               <a:buNone/>
@@ -1741,13 +3910,7 @@
       </p:sp>
       <p:sp>
         <p:nvSpPr>
-          <p:cNvPr id="6" name="Content Placeholder 5">
-            <a:extLst>
-              <a:ext uri="{FF2B5EF4-FFF2-40B4-BE49-F238E27FC236}">
-                <a16:creationId xmlns:a16="http://schemas.microsoft.com/office/drawing/2014/main" id="{5BEF8165-1286-4C50-A261-CF429FBD6E35}"/>
-              </a:ext>
-            </a:extLst>
-          </p:cNvPr>
+          <p:cNvPr id="6" name="Content Placeholder 5"/>
           <p:cNvSpPr>
             <a:spLocks noGrp="1"/>
           </p:cNvSpPr>
@@ -1757,12 +3920,14 @@
         </p:nvSpPr>
         <p:spPr>
           <a:xfrm>
-            <a:off x="6172200" y="2505075"/>
-            <a:ext cx="5183188" cy="3684588"/>
+            <a:off x="7166957" y="2545738"/>
+            <a:ext cx="4338674" cy="3354060"/>
           </a:xfrm>
         </p:spPr>
         <p:txBody>
-          <a:bodyPr/>
+          <a:bodyPr>
+            <a:normAutofit/>
+          </a:bodyPr>
           <a:lstStyle/>
           <a:p>
             <a:pPr lvl="0"/>
@@ -1798,19 +3963,13 @@
               <a:rPr lang="en-US"/>
               <a:t>Fifth level</a:t>
             </a:r>
-            <a:endParaRPr lang="en-CA"/>
-          </a:p>
-        </p:txBody>
-      </p:sp>
-      <p:sp>
-        <p:nvSpPr>
-          <p:cNvPr id="7" name="Date Placeholder 6">
-            <a:extLst>
-              <a:ext uri="{FF2B5EF4-FFF2-40B4-BE49-F238E27FC236}">
-                <a16:creationId xmlns:a16="http://schemas.microsoft.com/office/drawing/2014/main" id="{D61A76EE-ED1A-4229-AA0A-589356568B73}"/>
-              </a:ext>
-            </a:extLst>
-          </p:cNvPr>
+            <a:endParaRPr lang="en-US" dirty="0"/>
+          </a:p>
+        </p:txBody>
+      </p:sp>
+      <p:sp>
+        <p:nvSpPr>
+          <p:cNvPr id="7" name="Date Placeholder 6"/>
           <p:cNvSpPr>
             <a:spLocks noGrp="1"/>
           </p:cNvSpPr>
@@ -1833,13 +3992,7 @@
       </p:sp>
       <p:sp>
         <p:nvSpPr>
-          <p:cNvPr id="8" name="Footer Placeholder 7">
-            <a:extLst>
-              <a:ext uri="{FF2B5EF4-FFF2-40B4-BE49-F238E27FC236}">
-                <a16:creationId xmlns:a16="http://schemas.microsoft.com/office/drawing/2014/main" id="{4BA97122-FEDF-4CA0-ADD8-BC677E9A4914}"/>
-              </a:ext>
-            </a:extLst>
-          </p:cNvPr>
+          <p:cNvPr id="8" name="Footer Placeholder 7"/>
           <p:cNvSpPr>
             <a:spLocks noGrp="1"/>
           </p:cNvSpPr>
@@ -1858,13 +4011,89 @@
       </p:sp>
       <p:sp>
         <p:nvSpPr>
-          <p:cNvPr id="9" name="Slide Number Placeholder 8">
-            <a:extLst>
-              <a:ext uri="{FF2B5EF4-FFF2-40B4-BE49-F238E27FC236}">
-                <a16:creationId xmlns:a16="http://schemas.microsoft.com/office/drawing/2014/main" id="{F4030E13-882E-4DB3-B057-16DAC9C0D364}"/>
-              </a:ext>
-            </a:extLst>
-          </p:cNvPr>
+          <p:cNvPr id="12" name="Freeform 11"/>
+          <p:cNvSpPr/>
+          <p:nvPr/>
+        </p:nvSpPr>
+        <p:spPr bwMode="auto">
+          <a:xfrm flipV="1">
+            <a:off x="-4189" y="714375"/>
+            <a:ext cx="1588527" cy="507297"/>
+          </a:xfrm>
+          <a:custGeom>
+            <a:avLst/>
+            <a:gdLst/>
+            <a:ahLst/>
+            <a:cxnLst/>
+            <a:rect l="l" t="t" r="r" b="b"/>
+            <a:pathLst>
+              <a:path w="9248" h="10000">
+                <a:moveTo>
+                  <a:pt x="9248" y="4701"/>
+                </a:moveTo>
+                <a:lnTo>
+                  <a:pt x="7915" y="188"/>
+                </a:lnTo>
+                <a:cubicBezTo>
+                  <a:pt x="7906" y="156"/>
+                  <a:pt x="7895" y="126"/>
+                  <a:pt x="7886" y="94"/>
+                </a:cubicBezTo>
+                <a:cubicBezTo>
+                  <a:pt x="7859" y="0"/>
+                  <a:pt x="7831" y="0"/>
+                  <a:pt x="7803" y="0"/>
+                </a:cubicBezTo>
+                <a:lnTo>
+                  <a:pt x="7275" y="0"/>
+                </a:lnTo>
+                <a:lnTo>
+                  <a:pt x="0" y="70"/>
+                </a:lnTo>
+                <a:cubicBezTo>
+                  <a:pt x="8" y="3380"/>
+                  <a:pt x="17" y="6690"/>
+                  <a:pt x="25" y="10000"/>
+                </a:cubicBezTo>
+                <a:lnTo>
+                  <a:pt x="7275" y="9966"/>
+                </a:lnTo>
+                <a:lnTo>
+                  <a:pt x="7803" y="9966"/>
+                </a:lnTo>
+                <a:cubicBezTo>
+                  <a:pt x="7831" y="9966"/>
+                  <a:pt x="7859" y="9872"/>
+                  <a:pt x="7886" y="9872"/>
+                </a:cubicBezTo>
+                <a:cubicBezTo>
+                  <a:pt x="7886" y="9778"/>
+                  <a:pt x="7915" y="9778"/>
+                  <a:pt x="7915" y="9778"/>
+                </a:cubicBezTo>
+                <a:lnTo>
+                  <a:pt x="9248" y="5265"/>
+                </a:lnTo>
+                <a:cubicBezTo>
+                  <a:pt x="9303" y="5077"/>
+                  <a:pt x="9303" y="4889"/>
+                  <a:pt x="9248" y="4701"/>
+                </a:cubicBezTo>
+                <a:close/>
+              </a:path>
+            </a:pathLst>
+          </a:custGeom>
+          <a:solidFill>
+            <a:schemeClr val="accent1"/>
+          </a:solidFill>
+          <a:ln>
+            <a:noFill/>
+          </a:ln>
+        </p:spPr>
+      </p:sp>
+      <p:sp>
+        <p:nvSpPr>
+          <p:cNvPr id="13" name="Slide Number Placeholder 5"/>
           <p:cNvSpPr>
             <a:spLocks noGrp="1"/>
           </p:cNvSpPr>
@@ -1872,7 +4101,12 @@
             <p:ph type="sldNum" sz="quarter" idx="12"/>
           </p:nvPr>
         </p:nvSpPr>
-        <p:spPr/>
+        <p:spPr>
+          <a:xfrm>
+            <a:off x="531812" y="787782"/>
+            <a:ext cx="779767" cy="365125"/>
+          </a:xfrm>
+        </p:spPr>
         <p:txBody>
           <a:bodyPr/>
           <a:lstStyle/>
@@ -1888,7 +4122,7 @@
     </p:spTree>
     <p:extLst>
       <p:ext uri="{BB962C8B-B14F-4D97-AF65-F5344CB8AC3E}">
-        <p14:creationId xmlns:p14="http://schemas.microsoft.com/office/powerpoint/2010/main" val="2028580216"/>
+        <p14:creationId xmlns:p14="http://schemas.microsoft.com/office/powerpoint/2010/main" val="3462705154"/>
       </p:ext>
     </p:extLst>
   </p:cSld>
@@ -1917,13 +4151,7 @@
       </p:grpSpPr>
       <p:sp>
         <p:nvSpPr>
-          <p:cNvPr id="2" name="Title 1">
-            <a:extLst>
-              <a:ext uri="{FF2B5EF4-FFF2-40B4-BE49-F238E27FC236}">
-                <a16:creationId xmlns:a16="http://schemas.microsoft.com/office/drawing/2014/main" id="{EE473C6A-36F4-4605-A83D-DF64C1E47AFF}"/>
-              </a:ext>
-            </a:extLst>
-          </p:cNvPr>
+          <p:cNvPr id="2" name="Title 1"/>
           <p:cNvSpPr>
             <a:spLocks noGrp="1"/>
           </p:cNvSpPr>
@@ -1940,19 +4168,13 @@
               <a:rPr lang="en-US"/>
               <a:t>Click to edit Master title style</a:t>
             </a:r>
-            <a:endParaRPr lang="en-CA"/>
-          </a:p>
-        </p:txBody>
-      </p:sp>
-      <p:sp>
-        <p:nvSpPr>
-          <p:cNvPr id="3" name="Date Placeholder 2">
-            <a:extLst>
-              <a:ext uri="{FF2B5EF4-FFF2-40B4-BE49-F238E27FC236}">
-                <a16:creationId xmlns:a16="http://schemas.microsoft.com/office/drawing/2014/main" id="{77C24F6D-644E-430B-978E-5E0D69BB98B6}"/>
-              </a:ext>
-            </a:extLst>
-          </p:cNvPr>
+            <a:endParaRPr lang="en-US" dirty="0"/>
+          </a:p>
+        </p:txBody>
+      </p:sp>
+      <p:sp>
+        <p:nvSpPr>
+          <p:cNvPr id="3" name="Date Placeholder 2"/>
           <p:cNvSpPr>
             <a:spLocks noGrp="1"/>
           </p:cNvSpPr>
@@ -1975,13 +4197,7 @@
       </p:sp>
       <p:sp>
         <p:nvSpPr>
-          <p:cNvPr id="4" name="Footer Placeholder 3">
-            <a:extLst>
-              <a:ext uri="{FF2B5EF4-FFF2-40B4-BE49-F238E27FC236}">
-                <a16:creationId xmlns:a16="http://schemas.microsoft.com/office/drawing/2014/main" id="{14C11A58-6B19-4AA8-9E8A-D46BE4561E38}"/>
-              </a:ext>
-            </a:extLst>
-          </p:cNvPr>
+          <p:cNvPr id="4" name="Footer Placeholder 3"/>
           <p:cNvSpPr>
             <a:spLocks noGrp="1"/>
           </p:cNvSpPr>
@@ -2000,13 +4216,89 @@
       </p:sp>
       <p:sp>
         <p:nvSpPr>
-          <p:cNvPr id="5" name="Slide Number Placeholder 4">
-            <a:extLst>
-              <a:ext uri="{FF2B5EF4-FFF2-40B4-BE49-F238E27FC236}">
-                <a16:creationId xmlns:a16="http://schemas.microsoft.com/office/drawing/2014/main" id="{425E2CE9-1BC0-4859-B67A-154626961AFB}"/>
-              </a:ext>
-            </a:extLst>
-          </p:cNvPr>
+          <p:cNvPr id="7" name="Freeform 11"/>
+          <p:cNvSpPr/>
+          <p:nvPr/>
+        </p:nvSpPr>
+        <p:spPr bwMode="auto">
+          <a:xfrm flipV="1">
+            <a:off x="-4189" y="714375"/>
+            <a:ext cx="1588527" cy="507297"/>
+          </a:xfrm>
+          <a:custGeom>
+            <a:avLst/>
+            <a:gdLst/>
+            <a:ahLst/>
+            <a:cxnLst/>
+            <a:rect l="l" t="t" r="r" b="b"/>
+            <a:pathLst>
+              <a:path w="9248" h="10000">
+                <a:moveTo>
+                  <a:pt x="9248" y="4701"/>
+                </a:moveTo>
+                <a:lnTo>
+                  <a:pt x="7915" y="188"/>
+                </a:lnTo>
+                <a:cubicBezTo>
+                  <a:pt x="7906" y="156"/>
+                  <a:pt x="7895" y="126"/>
+                  <a:pt x="7886" y="94"/>
+                </a:cubicBezTo>
+                <a:cubicBezTo>
+                  <a:pt x="7859" y="0"/>
+                  <a:pt x="7831" y="0"/>
+                  <a:pt x="7803" y="0"/>
+                </a:cubicBezTo>
+                <a:lnTo>
+                  <a:pt x="7275" y="0"/>
+                </a:lnTo>
+                <a:lnTo>
+                  <a:pt x="0" y="70"/>
+                </a:lnTo>
+                <a:cubicBezTo>
+                  <a:pt x="8" y="3380"/>
+                  <a:pt x="17" y="6690"/>
+                  <a:pt x="25" y="10000"/>
+                </a:cubicBezTo>
+                <a:lnTo>
+                  <a:pt x="7275" y="9966"/>
+                </a:lnTo>
+                <a:lnTo>
+                  <a:pt x="7803" y="9966"/>
+                </a:lnTo>
+                <a:cubicBezTo>
+                  <a:pt x="7831" y="9966"/>
+                  <a:pt x="7859" y="9872"/>
+                  <a:pt x="7886" y="9872"/>
+                </a:cubicBezTo>
+                <a:cubicBezTo>
+                  <a:pt x="7886" y="9778"/>
+                  <a:pt x="7915" y="9778"/>
+                  <a:pt x="7915" y="9778"/>
+                </a:cubicBezTo>
+                <a:lnTo>
+                  <a:pt x="9248" y="5265"/>
+                </a:lnTo>
+                <a:cubicBezTo>
+                  <a:pt x="9303" y="5077"/>
+                  <a:pt x="9303" y="4889"/>
+                  <a:pt x="9248" y="4701"/>
+                </a:cubicBezTo>
+                <a:close/>
+              </a:path>
+            </a:pathLst>
+          </a:custGeom>
+          <a:solidFill>
+            <a:schemeClr val="accent1"/>
+          </a:solidFill>
+          <a:ln>
+            <a:noFill/>
+          </a:ln>
+        </p:spPr>
+      </p:sp>
+      <p:sp>
+        <p:nvSpPr>
+          <p:cNvPr id="5" name="Slide Number Placeholder 4"/>
           <p:cNvSpPr>
             <a:spLocks noGrp="1"/>
           </p:cNvSpPr>
@@ -2030,7 +4322,7 @@
     </p:spTree>
     <p:extLst>
       <p:ext uri="{BB962C8B-B14F-4D97-AF65-F5344CB8AC3E}">
-        <p14:creationId xmlns:p14="http://schemas.microsoft.com/office/powerpoint/2010/main" val="3013008797"/>
+        <p14:creationId xmlns:p14="http://schemas.microsoft.com/office/powerpoint/2010/main" val="744820995"/>
       </p:ext>
     </p:extLst>
   </p:cSld>
@@ -2059,13 +4351,7 @@
       </p:grpSpPr>
       <p:sp>
         <p:nvSpPr>
-          <p:cNvPr id="2" name="Date Placeholder 1">
-            <a:extLst>
-              <a:ext uri="{FF2B5EF4-FFF2-40B4-BE49-F238E27FC236}">
-                <a16:creationId xmlns:a16="http://schemas.microsoft.com/office/drawing/2014/main" id="{F52A8A8D-4ED8-4161-9CEB-D62E521EE121}"/>
-              </a:ext>
-            </a:extLst>
-          </p:cNvPr>
+          <p:cNvPr id="2" name="Date Placeholder 1"/>
           <p:cNvSpPr>
             <a:spLocks noGrp="1"/>
           </p:cNvSpPr>
@@ -2088,13 +4374,7 @@
       </p:sp>
       <p:sp>
         <p:nvSpPr>
-          <p:cNvPr id="3" name="Footer Placeholder 2">
-            <a:extLst>
-              <a:ext uri="{FF2B5EF4-FFF2-40B4-BE49-F238E27FC236}">
-                <a16:creationId xmlns:a16="http://schemas.microsoft.com/office/drawing/2014/main" id="{78AABF74-CF8C-401E-8563-F93EBEF12A9F}"/>
-              </a:ext>
-            </a:extLst>
-          </p:cNvPr>
+          <p:cNvPr id="3" name="Footer Placeholder 2"/>
           <p:cNvSpPr>
             <a:spLocks noGrp="1"/>
           </p:cNvSpPr>
@@ -2113,13 +4393,89 @@
       </p:sp>
       <p:sp>
         <p:nvSpPr>
-          <p:cNvPr id="4" name="Slide Number Placeholder 3">
-            <a:extLst>
-              <a:ext uri="{FF2B5EF4-FFF2-40B4-BE49-F238E27FC236}">
-                <a16:creationId xmlns:a16="http://schemas.microsoft.com/office/drawing/2014/main" id="{1D95D272-0219-4576-A0AD-43BA48C0CD35}"/>
-              </a:ext>
-            </a:extLst>
-          </p:cNvPr>
+          <p:cNvPr id="6" name="Freeform 11"/>
+          <p:cNvSpPr/>
+          <p:nvPr/>
+        </p:nvSpPr>
+        <p:spPr bwMode="auto">
+          <a:xfrm flipV="1">
+            <a:off x="-4189" y="714375"/>
+            <a:ext cx="1588527" cy="507297"/>
+          </a:xfrm>
+          <a:custGeom>
+            <a:avLst/>
+            <a:gdLst/>
+            <a:ahLst/>
+            <a:cxnLst/>
+            <a:rect l="l" t="t" r="r" b="b"/>
+            <a:pathLst>
+              <a:path w="9248" h="10000">
+                <a:moveTo>
+                  <a:pt x="9248" y="4701"/>
+                </a:moveTo>
+                <a:lnTo>
+                  <a:pt x="7915" y="188"/>
+                </a:lnTo>
+                <a:cubicBezTo>
+                  <a:pt x="7906" y="156"/>
+                  <a:pt x="7895" y="126"/>
+                  <a:pt x="7886" y="94"/>
+                </a:cubicBezTo>
+                <a:cubicBezTo>
+                  <a:pt x="7859" y="0"/>
+                  <a:pt x="7831" y="0"/>
+                  <a:pt x="7803" y="0"/>
+                </a:cubicBezTo>
+                <a:lnTo>
+                  <a:pt x="7275" y="0"/>
+                </a:lnTo>
+                <a:lnTo>
+                  <a:pt x="0" y="70"/>
+                </a:lnTo>
+                <a:cubicBezTo>
+                  <a:pt x="8" y="3380"/>
+                  <a:pt x="17" y="6690"/>
+                  <a:pt x="25" y="10000"/>
+                </a:cubicBezTo>
+                <a:lnTo>
+                  <a:pt x="7275" y="9966"/>
+                </a:lnTo>
+                <a:lnTo>
+                  <a:pt x="7803" y="9966"/>
+                </a:lnTo>
+                <a:cubicBezTo>
+                  <a:pt x="7831" y="9966"/>
+                  <a:pt x="7859" y="9872"/>
+                  <a:pt x="7886" y="9872"/>
+                </a:cubicBezTo>
+                <a:cubicBezTo>
+                  <a:pt x="7886" y="9778"/>
+                  <a:pt x="7915" y="9778"/>
+                  <a:pt x="7915" y="9778"/>
+                </a:cubicBezTo>
+                <a:lnTo>
+                  <a:pt x="9248" y="5265"/>
+                </a:lnTo>
+                <a:cubicBezTo>
+                  <a:pt x="9303" y="5077"/>
+                  <a:pt x="9303" y="4889"/>
+                  <a:pt x="9248" y="4701"/>
+                </a:cubicBezTo>
+                <a:close/>
+              </a:path>
+            </a:pathLst>
+          </a:custGeom>
+          <a:solidFill>
+            <a:schemeClr val="accent1"/>
+          </a:solidFill>
+          <a:ln>
+            <a:noFill/>
+          </a:ln>
+        </p:spPr>
+      </p:sp>
+      <p:sp>
+        <p:nvSpPr>
+          <p:cNvPr id="4" name="Slide Number Placeholder 3"/>
           <p:cNvSpPr>
             <a:spLocks noGrp="1"/>
           </p:cNvSpPr>
@@ -2143,7 +4499,7 @@
     </p:spTree>
     <p:extLst>
       <p:ext uri="{BB962C8B-B14F-4D97-AF65-F5344CB8AC3E}">
-        <p14:creationId xmlns:p14="http://schemas.microsoft.com/office/powerpoint/2010/main" val="3744126113"/>
+        <p14:creationId xmlns:p14="http://schemas.microsoft.com/office/powerpoint/2010/main" val="2741853239"/>
       </p:ext>
     </p:extLst>
   </p:cSld>
@@ -2172,13 +4528,7 @@
       </p:grpSpPr>
       <p:sp>
         <p:nvSpPr>
-          <p:cNvPr id="2" name="Title 1">
-            <a:extLst>
-              <a:ext uri="{FF2B5EF4-FFF2-40B4-BE49-F238E27FC236}">
-                <a16:creationId xmlns:a16="http://schemas.microsoft.com/office/drawing/2014/main" id="{980E1769-DCFD-404E-BEFF-D0A1EB9BAD5D}"/>
-              </a:ext>
-            </a:extLst>
-          </p:cNvPr>
+          <p:cNvPr id="2" name="Title 1"/>
           <p:cNvSpPr>
             <a:spLocks noGrp="1"/>
           </p:cNvSpPr>
@@ -2188,15 +4538,15 @@
         </p:nvSpPr>
         <p:spPr>
           <a:xfrm>
-            <a:off x="839788" y="457200"/>
-            <a:ext cx="3932237" cy="1600200"/>
+            <a:off x="2589212" y="446088"/>
+            <a:ext cx="3505199" cy="976312"/>
           </a:xfrm>
         </p:spPr>
         <p:txBody>
           <a:bodyPr anchor="b"/>
           <a:lstStyle>
-            <a:lvl1pPr>
-              <a:defRPr sz="3200"/>
+            <a:lvl1pPr algn="l">
+              <a:defRPr sz="2000" b="0"/>
             </a:lvl1pPr>
           </a:lstStyle>
           <a:p>
@@ -2204,19 +4554,13 @@
               <a:rPr lang="en-US"/>
               <a:t>Click to edit Master title style</a:t>
             </a:r>
-            <a:endParaRPr lang="en-CA"/>
-          </a:p>
-        </p:txBody>
-      </p:sp>
-      <p:sp>
-        <p:nvSpPr>
-          <p:cNvPr id="3" name="Content Placeholder 2">
-            <a:extLst>
-              <a:ext uri="{FF2B5EF4-FFF2-40B4-BE49-F238E27FC236}">
-                <a16:creationId xmlns:a16="http://schemas.microsoft.com/office/drawing/2014/main" id="{2121BA2C-A8B8-4950-9A14-8C887B82EB26}"/>
-              </a:ext>
-            </a:extLst>
-          </p:cNvPr>
+            <a:endParaRPr lang="en-US" dirty="0"/>
+          </a:p>
+        </p:txBody>
+      </p:sp>
+      <p:sp>
+        <p:nvSpPr>
+          <p:cNvPr id="3" name="Content Placeholder 2"/>
           <p:cNvSpPr>
             <a:spLocks noGrp="1"/>
           </p:cNvSpPr>
@@ -2226,41 +4570,15 @@
         </p:nvSpPr>
         <p:spPr>
           <a:xfrm>
-            <a:off x="5183188" y="987425"/>
-            <a:ext cx="6172200" cy="4873625"/>
+            <a:off x="6323012" y="446088"/>
+            <a:ext cx="5181600" cy="5414963"/>
           </a:xfrm>
         </p:spPr>
         <p:txBody>
-          <a:bodyPr/>
-          <a:lstStyle>
-            <a:lvl1pPr>
-              <a:defRPr sz="3200"/>
-            </a:lvl1pPr>
-            <a:lvl2pPr>
-              <a:defRPr sz="2800"/>
-            </a:lvl2pPr>
-            <a:lvl3pPr>
-              <a:defRPr sz="2400"/>
-            </a:lvl3pPr>
-            <a:lvl4pPr>
-              <a:defRPr sz="2000"/>
-            </a:lvl4pPr>
-            <a:lvl5pPr>
-              <a:defRPr sz="2000"/>
-            </a:lvl5pPr>
-            <a:lvl6pPr>
-              <a:defRPr sz="2000"/>
-            </a:lvl6pPr>
-            <a:lvl7pPr>
-              <a:defRPr sz="2000"/>
-            </a:lvl7pPr>
-            <a:lvl8pPr>
-              <a:defRPr sz="2000"/>
-            </a:lvl8pPr>
-            <a:lvl9pPr>
-              <a:defRPr sz="2000"/>
-            </a:lvl9pPr>
-          </a:lstStyle>
+          <a:bodyPr anchor="ctr">
+            <a:normAutofit/>
+          </a:bodyPr>
+          <a:lstStyle/>
           <a:p>
             <a:pPr lvl="0"/>
             <a:r>
@@ -2295,19 +4613,13 @@
               <a:rPr lang="en-US"/>
               <a:t>Fifth level</a:t>
             </a:r>
-            <a:endParaRPr lang="en-CA"/>
-          </a:p>
-        </p:txBody>
-      </p:sp>
-      <p:sp>
-        <p:nvSpPr>
-          <p:cNvPr id="4" name="Text Placeholder 3">
-            <a:extLst>
-              <a:ext uri="{FF2B5EF4-FFF2-40B4-BE49-F238E27FC236}">
-                <a16:creationId xmlns:a16="http://schemas.microsoft.com/office/drawing/2014/main" id="{505B16B7-61E5-4FBD-98F2-A35F558BFA8B}"/>
-              </a:ext>
-            </a:extLst>
-          </p:cNvPr>
+            <a:endParaRPr lang="en-US" dirty="0"/>
+          </a:p>
+        </p:txBody>
+      </p:sp>
+      <p:sp>
+        <p:nvSpPr>
+          <p:cNvPr id="4" name="Text Placeholder 3"/>
           <p:cNvSpPr>
             <a:spLocks noGrp="1"/>
           </p:cNvSpPr>
@@ -2317,8 +4629,8 @@
         </p:nvSpPr>
         <p:spPr>
           <a:xfrm>
-            <a:off x="839788" y="2057400"/>
-            <a:ext cx="3932237" cy="3811588"/>
+            <a:off x="2589212" y="1598613"/>
+            <a:ext cx="3505199" cy="4262436"/>
           </a:xfrm>
         </p:spPr>
         <p:txBody>
@@ -2326,39 +4638,39 @@
           <a:lstStyle>
             <a:lvl1pPr marL="0" indent="0">
               <a:buNone/>
-              <a:defRPr sz="1600"/>
+              <a:defRPr sz="1400"/>
             </a:lvl1pPr>
             <a:lvl2pPr marL="457200" indent="0">
               <a:buNone/>
-              <a:defRPr sz="1400"/>
+              <a:defRPr sz="1200"/>
             </a:lvl2pPr>
             <a:lvl3pPr marL="914400" indent="0">
               <a:buNone/>
-              <a:defRPr sz="1200"/>
+              <a:defRPr sz="1000"/>
             </a:lvl3pPr>
             <a:lvl4pPr marL="1371600" indent="0">
               <a:buNone/>
-              <a:defRPr sz="1000"/>
+              <a:defRPr sz="900"/>
             </a:lvl4pPr>
             <a:lvl5pPr marL="1828800" indent="0">
               <a:buNone/>
-              <a:defRPr sz="1000"/>
+              <a:defRPr sz="900"/>
             </a:lvl5pPr>
             <a:lvl6pPr marL="2286000" indent="0">
               <a:buNone/>
-              <a:defRPr sz="1000"/>
+              <a:defRPr sz="900"/>
             </a:lvl6pPr>
             <a:lvl7pPr marL="2743200" indent="0">
               <a:buNone/>
-              <a:defRPr sz="1000"/>
+              <a:defRPr sz="900"/>
             </a:lvl7pPr>
             <a:lvl8pPr marL="3200400" indent="0">
               <a:buNone/>
-              <a:defRPr sz="1000"/>
+              <a:defRPr sz="900"/>
             </a:lvl8pPr>
             <a:lvl9pPr marL="3657600" indent="0">
               <a:buNone/>
-              <a:defRPr sz="1000"/>
+              <a:defRPr sz="900"/>
             </a:lvl9pPr>
           </a:lstStyle>
           <a:p>
@@ -2372,13 +4684,7 @@
       </p:sp>
       <p:sp>
         <p:nvSpPr>
-          <p:cNvPr id="5" name="Date Placeholder 4">
-            <a:extLst>
-              <a:ext uri="{FF2B5EF4-FFF2-40B4-BE49-F238E27FC236}">
-                <a16:creationId xmlns:a16="http://schemas.microsoft.com/office/drawing/2014/main" id="{83D1C3BD-E0F8-44D9-AEE4-08E66B4F21AA}"/>
-              </a:ext>
-            </a:extLst>
-          </p:cNvPr>
+          <p:cNvPr id="5" name="Date Placeholder 4"/>
           <p:cNvSpPr>
             <a:spLocks noGrp="1"/>
           </p:cNvSpPr>
@@ -2401,13 +4707,7 @@
       </p:sp>
       <p:sp>
         <p:nvSpPr>
-          <p:cNvPr id="6" name="Footer Placeholder 5">
-            <a:extLst>
-              <a:ext uri="{FF2B5EF4-FFF2-40B4-BE49-F238E27FC236}">
-                <a16:creationId xmlns:a16="http://schemas.microsoft.com/office/drawing/2014/main" id="{E3D7CE47-DD7B-44AD-840B-8D03C27A531F}"/>
-              </a:ext>
-            </a:extLst>
-          </p:cNvPr>
+          <p:cNvPr id="6" name="Footer Placeholder 5"/>
           <p:cNvSpPr>
             <a:spLocks noGrp="1"/>
           </p:cNvSpPr>
@@ -2426,13 +4726,89 @@
       </p:sp>
       <p:sp>
         <p:nvSpPr>
-          <p:cNvPr id="7" name="Slide Number Placeholder 6">
-            <a:extLst>
-              <a:ext uri="{FF2B5EF4-FFF2-40B4-BE49-F238E27FC236}">
-                <a16:creationId xmlns:a16="http://schemas.microsoft.com/office/drawing/2014/main" id="{02EC9FF2-02FD-4A7F-86A9-A084BA9CB8D7}"/>
-              </a:ext>
-            </a:extLst>
-          </p:cNvPr>
+          <p:cNvPr id="9" name="Freeform 11"/>
+          <p:cNvSpPr/>
+          <p:nvPr/>
+        </p:nvSpPr>
+        <p:spPr bwMode="auto">
+          <a:xfrm flipV="1">
+            <a:off x="-4189" y="714375"/>
+            <a:ext cx="1588527" cy="507297"/>
+          </a:xfrm>
+          <a:custGeom>
+            <a:avLst/>
+            <a:gdLst/>
+            <a:ahLst/>
+            <a:cxnLst/>
+            <a:rect l="l" t="t" r="r" b="b"/>
+            <a:pathLst>
+              <a:path w="9248" h="10000">
+                <a:moveTo>
+                  <a:pt x="9248" y="4701"/>
+                </a:moveTo>
+                <a:lnTo>
+                  <a:pt x="7915" y="188"/>
+                </a:lnTo>
+                <a:cubicBezTo>
+                  <a:pt x="7906" y="156"/>
+                  <a:pt x="7895" y="126"/>
+                  <a:pt x="7886" y="94"/>
+                </a:cubicBezTo>
+                <a:cubicBezTo>
+                  <a:pt x="7859" y="0"/>
+                  <a:pt x="7831" y="0"/>
+                  <a:pt x="7803" y="0"/>
+                </a:cubicBezTo>
+                <a:lnTo>
+                  <a:pt x="7275" y="0"/>
+                </a:lnTo>
+                <a:lnTo>
+                  <a:pt x="0" y="70"/>
+                </a:lnTo>
+                <a:cubicBezTo>
+                  <a:pt x="8" y="3380"/>
+                  <a:pt x="17" y="6690"/>
+                  <a:pt x="25" y="10000"/>
+                </a:cubicBezTo>
+                <a:lnTo>
+                  <a:pt x="7275" y="9966"/>
+                </a:lnTo>
+                <a:lnTo>
+                  <a:pt x="7803" y="9966"/>
+                </a:lnTo>
+                <a:cubicBezTo>
+                  <a:pt x="7831" y="9966"/>
+                  <a:pt x="7859" y="9872"/>
+                  <a:pt x="7886" y="9872"/>
+                </a:cubicBezTo>
+                <a:cubicBezTo>
+                  <a:pt x="7886" y="9778"/>
+                  <a:pt x="7915" y="9778"/>
+                  <a:pt x="7915" y="9778"/>
+                </a:cubicBezTo>
+                <a:lnTo>
+                  <a:pt x="9248" y="5265"/>
+                </a:lnTo>
+                <a:cubicBezTo>
+                  <a:pt x="9303" y="5077"/>
+                  <a:pt x="9303" y="4889"/>
+                  <a:pt x="9248" y="4701"/>
+                </a:cubicBezTo>
+                <a:close/>
+              </a:path>
+            </a:pathLst>
+          </a:custGeom>
+          <a:solidFill>
+            <a:schemeClr val="accent1"/>
+          </a:solidFill>
+          <a:ln>
+            <a:noFill/>
+          </a:ln>
+        </p:spPr>
+      </p:sp>
+      <p:sp>
+        <p:nvSpPr>
+          <p:cNvPr id="7" name="Slide Number Placeholder 6"/>
           <p:cNvSpPr>
             <a:spLocks noGrp="1"/>
           </p:cNvSpPr>
@@ -2456,7 +4832,7 @@
     </p:spTree>
     <p:extLst>
       <p:ext uri="{BB962C8B-B14F-4D97-AF65-F5344CB8AC3E}">
-        <p14:creationId xmlns:p14="http://schemas.microsoft.com/office/powerpoint/2010/main" val="2803800065"/>
+        <p14:creationId xmlns:p14="http://schemas.microsoft.com/office/powerpoint/2010/main" val="1085308812"/>
       </p:ext>
     </p:extLst>
   </p:cSld>
@@ -2485,13 +4861,7 @@
       </p:grpSpPr>
       <p:sp>
         <p:nvSpPr>
-          <p:cNvPr id="2" name="Title 1">
-            <a:extLst>
-              <a:ext uri="{FF2B5EF4-FFF2-40B4-BE49-F238E27FC236}">
-                <a16:creationId xmlns:a16="http://schemas.microsoft.com/office/drawing/2014/main" id="{F3C0E818-2F60-43C4-8E0C-E3AAF8F29ED9}"/>
-              </a:ext>
-            </a:extLst>
-          </p:cNvPr>
+          <p:cNvPr id="2" name="Title 1"/>
           <p:cNvSpPr>
             <a:spLocks noGrp="1"/>
           </p:cNvSpPr>
@@ -2501,15 +4871,17 @@
         </p:nvSpPr>
         <p:spPr>
           <a:xfrm>
-            <a:off x="839788" y="457200"/>
-            <a:ext cx="3932237" cy="1600200"/>
+            <a:off x="2589213" y="4800600"/>
+            <a:ext cx="8915400" cy="566738"/>
           </a:xfrm>
         </p:spPr>
         <p:txBody>
-          <a:bodyPr anchor="b"/>
+          <a:bodyPr anchor="b">
+            <a:normAutofit/>
+          </a:bodyPr>
           <a:lstStyle>
-            <a:lvl1pPr>
-              <a:defRPr sz="3200"/>
+            <a:lvl1pPr algn="l">
+              <a:defRPr sz="2400" b="0"/>
             </a:lvl1pPr>
           </a:lstStyle>
           <a:p>
@@ -2517,21 +4889,15 @@
               <a:rPr lang="en-US"/>
               <a:t>Click to edit Master title style</a:t>
             </a:r>
-            <a:endParaRPr lang="en-CA"/>
-          </a:p>
-        </p:txBody>
-      </p:sp>
-      <p:sp>
-        <p:nvSpPr>
-          <p:cNvPr id="3" name="Picture Placeholder 2">
-            <a:extLst>
-              <a:ext uri="{FF2B5EF4-FFF2-40B4-BE49-F238E27FC236}">
-                <a16:creationId xmlns:a16="http://schemas.microsoft.com/office/drawing/2014/main" id="{89CEFB36-5BF8-43A0-BDDB-E10693CE4E2E}"/>
-              </a:ext>
-            </a:extLst>
-          </p:cNvPr>
-          <p:cNvSpPr>
-            <a:spLocks noGrp="1"/>
+            <a:endParaRPr lang="en-US" dirty="0"/>
+          </a:p>
+        </p:txBody>
+      </p:sp>
+      <p:sp>
+        <p:nvSpPr>
+          <p:cNvPr id="3" name="Picture Placeholder 2"/>
+          <p:cNvSpPr>
+            <a:spLocks noGrp="1" noChangeAspect="1"/>
           </p:cNvSpPr>
           <p:nvPr>
             <p:ph type="pic" idx="1"/>
@@ -2539,118 +4905,120 @@
         </p:nvSpPr>
         <p:spPr>
           <a:xfrm>
-            <a:off x="5183188" y="987425"/>
-            <a:ext cx="6172200" cy="4873625"/>
+            <a:off x="2589212" y="634965"/>
+            <a:ext cx="8915400" cy="3854970"/>
           </a:xfrm>
         </p:spPr>
         <p:txBody>
-          <a:bodyPr/>
+          <a:bodyPr anchor="t">
+            <a:normAutofit/>
+          </a:bodyPr>
           <a:lstStyle>
-            <a:lvl1pPr marL="0" indent="0">
-              <a:buNone/>
-              <a:defRPr sz="3200"/>
-            </a:lvl1pPr>
-            <a:lvl2pPr marL="457200" indent="0">
-              <a:buNone/>
-              <a:defRPr sz="2800"/>
-            </a:lvl2pPr>
-            <a:lvl3pPr marL="914400" indent="0">
-              <a:buNone/>
-              <a:defRPr sz="2400"/>
-            </a:lvl3pPr>
-            <a:lvl4pPr marL="1371600" indent="0">
-              <a:buNone/>
-              <a:defRPr sz="2000"/>
-            </a:lvl4pPr>
-            <a:lvl5pPr marL="1828800" indent="0">
-              <a:buNone/>
-              <a:defRPr sz="2000"/>
-            </a:lvl5pPr>
-            <a:lvl6pPr marL="2286000" indent="0">
-              <a:buNone/>
-              <a:defRPr sz="2000"/>
-            </a:lvl6pPr>
-            <a:lvl7pPr marL="2743200" indent="0">
-              <a:buNone/>
-              <a:defRPr sz="2000"/>
-            </a:lvl7pPr>
-            <a:lvl8pPr marL="3200400" indent="0">
-              <a:buNone/>
-              <a:defRPr sz="2000"/>
-            </a:lvl8pPr>
-            <a:lvl9pPr marL="3657600" indent="0">
-              <a:buNone/>
-              <a:defRPr sz="2000"/>
-            </a:lvl9pPr>
-          </a:lstStyle>
-          <a:p>
-            <a:endParaRPr lang="en-CA"/>
-          </a:p>
-        </p:txBody>
-      </p:sp>
-      <p:sp>
-        <p:nvSpPr>
-          <p:cNvPr id="4" name="Text Placeholder 3">
-            <a:extLst>
-              <a:ext uri="{FF2B5EF4-FFF2-40B4-BE49-F238E27FC236}">
-                <a16:creationId xmlns:a16="http://schemas.microsoft.com/office/drawing/2014/main" id="{3609882A-B243-46FD-887D-42E998A6A2B5}"/>
-              </a:ext>
-            </a:extLst>
-          </p:cNvPr>
-          <p:cNvSpPr>
-            <a:spLocks noGrp="1"/>
-          </p:cNvSpPr>
-          <p:nvPr>
-            <p:ph type="body" sz="half" idx="2"/>
-          </p:nvPr>
-        </p:nvSpPr>
-        <p:spPr>
-          <a:xfrm>
-            <a:off x="839788" y="2057400"/>
-            <a:ext cx="3932237" cy="3811588"/>
-          </a:xfrm>
-        </p:spPr>
-        <p:txBody>
-          <a:bodyPr/>
-          <a:lstStyle>
-            <a:lvl1pPr marL="0" indent="0">
+            <a:lvl1pPr marL="0" indent="0" algn="ctr">
               <a:buNone/>
               <a:defRPr sz="1600"/>
             </a:lvl1pPr>
             <a:lvl2pPr marL="457200" indent="0">
               <a:buNone/>
-              <a:defRPr sz="1400"/>
+              <a:defRPr sz="1600"/>
             </a:lvl2pPr>
             <a:lvl3pPr marL="914400" indent="0">
               <a:buNone/>
-              <a:defRPr sz="1200"/>
+              <a:defRPr sz="1600"/>
             </a:lvl3pPr>
             <a:lvl4pPr marL="1371600" indent="0">
               <a:buNone/>
-              <a:defRPr sz="1000"/>
+              <a:defRPr sz="1600"/>
             </a:lvl4pPr>
             <a:lvl5pPr marL="1828800" indent="0">
               <a:buNone/>
-              <a:defRPr sz="1000"/>
+              <a:defRPr sz="1600"/>
             </a:lvl5pPr>
             <a:lvl6pPr marL="2286000" indent="0">
               <a:buNone/>
-              <a:defRPr sz="1000"/>
+              <a:defRPr sz="1600"/>
             </a:lvl6pPr>
             <a:lvl7pPr marL="2743200" indent="0">
               <a:buNone/>
-              <a:defRPr sz="1000"/>
+              <a:defRPr sz="1600"/>
             </a:lvl7pPr>
             <a:lvl8pPr marL="3200400" indent="0">
               <a:buNone/>
-              <a:defRPr sz="1000"/>
+              <a:defRPr sz="1600"/>
             </a:lvl8pPr>
             <a:lvl9pPr marL="3657600" indent="0">
               <a:buNone/>
-              <a:defRPr sz="1000"/>
+              <a:defRPr sz="1600"/>
             </a:lvl9pPr>
           </a:lstStyle>
           <a:p>
+            <a:r>
+              <a:rPr lang="en-US"/>
+              <a:t>Click icon to add picture</a:t>
+            </a:r>
+            <a:endParaRPr lang="en-US" dirty="0"/>
+          </a:p>
+        </p:txBody>
+      </p:sp>
+      <p:sp>
+        <p:nvSpPr>
+          <p:cNvPr id="4" name="Text Placeholder 3"/>
+          <p:cNvSpPr>
+            <a:spLocks noGrp="1"/>
+          </p:cNvSpPr>
+          <p:nvPr>
+            <p:ph type="body" sz="half" idx="2"/>
+          </p:nvPr>
+        </p:nvSpPr>
+        <p:spPr>
+          <a:xfrm>
+            <a:off x="2589213" y="5367338"/>
+            <a:ext cx="8915400" cy="493712"/>
+          </a:xfrm>
+        </p:spPr>
+        <p:txBody>
+          <a:bodyPr>
+            <a:normAutofit/>
+          </a:bodyPr>
+          <a:lstStyle>
+            <a:lvl1pPr marL="0" indent="0">
+              <a:buNone/>
+              <a:defRPr sz="1200"/>
+            </a:lvl1pPr>
+            <a:lvl2pPr marL="457200" indent="0">
+              <a:buNone/>
+              <a:defRPr sz="1200"/>
+            </a:lvl2pPr>
+            <a:lvl3pPr marL="914400" indent="0">
+              <a:buNone/>
+              <a:defRPr sz="1000"/>
+            </a:lvl3pPr>
+            <a:lvl4pPr marL="1371600" indent="0">
+              <a:buNone/>
+              <a:defRPr sz="900"/>
+            </a:lvl4pPr>
+            <a:lvl5pPr marL="1828800" indent="0">
+              <a:buNone/>
+              <a:defRPr sz="900"/>
+            </a:lvl5pPr>
+            <a:lvl6pPr marL="2286000" indent="0">
+              <a:buNone/>
+              <a:defRPr sz="900"/>
+            </a:lvl6pPr>
+            <a:lvl7pPr marL="2743200" indent="0">
+              <a:buNone/>
+              <a:defRPr sz="900"/>
+            </a:lvl7pPr>
+            <a:lvl8pPr marL="3200400" indent="0">
+              <a:buNone/>
+              <a:defRPr sz="900"/>
+            </a:lvl8pPr>
+            <a:lvl9pPr marL="3657600" indent="0">
+              <a:buNone/>
+              <a:defRPr sz="900"/>
+            </a:lvl9pPr>
+          </a:lstStyle>
+          <a:p>
             <a:pPr lvl="0"/>
             <a:r>
               <a:rPr lang="en-US"/>
@@ -2661,13 +5029,7 @@
       </p:sp>
       <p:sp>
         <p:nvSpPr>
-          <p:cNvPr id="5" name="Date Placeholder 4">
-            <a:extLst>
-              <a:ext uri="{FF2B5EF4-FFF2-40B4-BE49-F238E27FC236}">
-                <a16:creationId xmlns:a16="http://schemas.microsoft.com/office/drawing/2014/main" id="{6296FA0D-7DCB-4277-A617-D78435DE667D}"/>
-              </a:ext>
-            </a:extLst>
-          </p:cNvPr>
+          <p:cNvPr id="5" name="Date Placeholder 4"/>
           <p:cNvSpPr>
             <a:spLocks noGrp="1"/>
           </p:cNvSpPr>
@@ -2690,13 +5052,7 @@
       </p:sp>
       <p:sp>
         <p:nvSpPr>
-          <p:cNvPr id="6" name="Footer Placeholder 5">
-            <a:extLst>
-              <a:ext uri="{FF2B5EF4-FFF2-40B4-BE49-F238E27FC236}">
-                <a16:creationId xmlns:a16="http://schemas.microsoft.com/office/drawing/2014/main" id="{C1F6FEC1-BA6B-4336-84D1-FF1B7348460C}"/>
-              </a:ext>
-            </a:extLst>
-          </p:cNvPr>
+          <p:cNvPr id="6" name="Footer Placeholder 5"/>
           <p:cNvSpPr>
             <a:spLocks noGrp="1"/>
           </p:cNvSpPr>
@@ -2715,13 +5071,89 @@
       </p:sp>
       <p:sp>
         <p:nvSpPr>
-          <p:cNvPr id="7" name="Slide Number Placeholder 6">
-            <a:extLst>
-              <a:ext uri="{FF2B5EF4-FFF2-40B4-BE49-F238E27FC236}">
-                <a16:creationId xmlns:a16="http://schemas.microsoft.com/office/drawing/2014/main" id="{CCCCFF4E-E8F0-4279-8017-678E998C300A}"/>
-              </a:ext>
-            </a:extLst>
-          </p:cNvPr>
+          <p:cNvPr id="9" name="Freeform 11"/>
+          <p:cNvSpPr/>
+          <p:nvPr/>
+        </p:nvSpPr>
+        <p:spPr bwMode="auto">
+          <a:xfrm flipV="1">
+            <a:off x="-4189" y="4911725"/>
+            <a:ext cx="1588527" cy="507297"/>
+          </a:xfrm>
+          <a:custGeom>
+            <a:avLst/>
+            <a:gdLst/>
+            <a:ahLst/>
+            <a:cxnLst/>
+            <a:rect l="l" t="t" r="r" b="b"/>
+            <a:pathLst>
+              <a:path w="9248" h="10000">
+                <a:moveTo>
+                  <a:pt x="9248" y="4701"/>
+                </a:moveTo>
+                <a:lnTo>
+                  <a:pt x="7915" y="188"/>
+                </a:lnTo>
+                <a:cubicBezTo>
+                  <a:pt x="7906" y="156"/>
+                  <a:pt x="7895" y="126"/>
+                  <a:pt x="7886" y="94"/>
+                </a:cubicBezTo>
+                <a:cubicBezTo>
+                  <a:pt x="7859" y="0"/>
+                  <a:pt x="7831" y="0"/>
+                  <a:pt x="7803" y="0"/>
+                </a:cubicBezTo>
+                <a:lnTo>
+                  <a:pt x="7275" y="0"/>
+                </a:lnTo>
+                <a:lnTo>
+                  <a:pt x="0" y="70"/>
+                </a:lnTo>
+                <a:cubicBezTo>
+                  <a:pt x="8" y="3380"/>
+                  <a:pt x="17" y="6690"/>
+                  <a:pt x="25" y="10000"/>
+                </a:cubicBezTo>
+                <a:lnTo>
+                  <a:pt x="7275" y="9966"/>
+                </a:lnTo>
+                <a:lnTo>
+                  <a:pt x="7803" y="9966"/>
+                </a:lnTo>
+                <a:cubicBezTo>
+                  <a:pt x="7831" y="9966"/>
+                  <a:pt x="7859" y="9872"/>
+                  <a:pt x="7886" y="9872"/>
+                </a:cubicBezTo>
+                <a:cubicBezTo>
+                  <a:pt x="7886" y="9778"/>
+                  <a:pt x="7915" y="9778"/>
+                  <a:pt x="7915" y="9778"/>
+                </a:cubicBezTo>
+                <a:lnTo>
+                  <a:pt x="9248" y="5265"/>
+                </a:lnTo>
+                <a:cubicBezTo>
+                  <a:pt x="9303" y="5077"/>
+                  <a:pt x="9303" y="4889"/>
+                  <a:pt x="9248" y="4701"/>
+                </a:cubicBezTo>
+                <a:close/>
+              </a:path>
+            </a:pathLst>
+          </a:custGeom>
+          <a:solidFill>
+            <a:schemeClr val="accent1"/>
+          </a:solidFill>
+          <a:ln>
+            <a:noFill/>
+          </a:ln>
+        </p:spPr>
+      </p:sp>
+      <p:sp>
+        <p:nvSpPr>
+          <p:cNvPr id="7" name="Slide Number Placeholder 6"/>
           <p:cNvSpPr>
             <a:spLocks noGrp="1"/>
           </p:cNvSpPr>
@@ -2729,7 +5161,12 @@
             <p:ph type="sldNum" sz="quarter" idx="12"/>
           </p:nvPr>
         </p:nvSpPr>
-        <p:spPr/>
+        <p:spPr>
+          <a:xfrm>
+            <a:off x="531812" y="4983087"/>
+            <a:ext cx="779767" cy="365125"/>
+          </a:xfrm>
+        </p:spPr>
         <p:txBody>
           <a:bodyPr/>
           <a:lstStyle/>
@@ -2745,7 +5182,7 @@
     </p:spTree>
     <p:extLst>
       <p:ext uri="{BB962C8B-B14F-4D97-AF65-F5344CB8AC3E}">
-        <p14:creationId xmlns:p14="http://schemas.microsoft.com/office/powerpoint/2010/main" val="2250486591"/>
+        <p14:creationId xmlns:p14="http://schemas.microsoft.com/office/powerpoint/2010/main" val="2415510145"/>
       </p:ext>
     </p:extLst>
   </p:cSld>
@@ -2759,8 +5196,8 @@
 <p:sldMaster xmlns:a="http://schemas.openxmlformats.org/drawingml/2006/main" xmlns:r="http://schemas.openxmlformats.org/officeDocument/2006/relationships" xmlns:p="http://schemas.openxmlformats.org/presentationml/2006/main">
   <p:cSld>
     <p:bg>
-      <p:bgRef idx="1001">
-        <a:schemeClr val="bg1"/>
+      <p:bgRef idx="1003">
+        <a:schemeClr val="bg2"/>
       </p:bgRef>
     </p:bg>
     <p:spTree>
@@ -2777,33 +5214,1844 @@
           <a:chExt cx="0" cy="0"/>
         </a:xfrm>
       </p:grpSpPr>
-      <p:sp>
-        <p:nvSpPr>
-          <p:cNvPr id="2" name="Title Placeholder 1">
-            <a:extLst>
-              <a:ext uri="{FF2B5EF4-FFF2-40B4-BE49-F238E27FC236}">
-                <a16:creationId xmlns:a16="http://schemas.microsoft.com/office/drawing/2014/main" id="{14743FE3-0A40-488E-B198-C2E35F4383FD}"/>
-              </a:ext>
-            </a:extLst>
-          </p:cNvPr>
-          <p:cNvSpPr>
-            <a:spLocks noGrp="1"/>
-          </p:cNvSpPr>
-          <p:nvPr>
-            <p:ph type="title"/>
-          </p:nvPr>
+      <p:grpSp>
+        <p:nvGrpSpPr>
+          <p:cNvPr id="23" name="Group 22"/>
+          <p:cNvGrpSpPr/>
+          <p:nvPr/>
+        </p:nvGrpSpPr>
+        <p:grpSpPr>
+          <a:xfrm>
+            <a:off x="1" y="228600"/>
+            <a:ext cx="2851516" cy="6638628"/>
+            <a:chOff x="2487613" y="285750"/>
+            <a:chExt cx="2428875" cy="5654676"/>
+          </a:xfrm>
+        </p:grpSpPr>
+        <p:sp>
+          <p:nvSpPr>
+            <p:cNvPr id="24" name="Freeform 11"/>
+            <p:cNvSpPr/>
+            <p:nvPr/>
+          </p:nvSpPr>
+          <p:spPr bwMode="auto">
+            <a:xfrm>
+              <a:off x="2487613" y="2284413"/>
+              <a:ext cx="85725" cy="533400"/>
+            </a:xfrm>
+            <a:custGeom>
+              <a:avLst/>
+              <a:gdLst/>
+              <a:ahLst/>
+              <a:cxnLst/>
+              <a:rect l="0" t="0" r="r" b="b"/>
+              <a:pathLst>
+                <a:path w="22" h="136">
+                  <a:moveTo>
+                    <a:pt x="22" y="136"/>
+                  </a:moveTo>
+                  <a:cubicBezTo>
+                    <a:pt x="20" y="117"/>
+                    <a:pt x="19" y="99"/>
+                    <a:pt x="17" y="80"/>
+                  </a:cubicBezTo>
+                  <a:cubicBezTo>
+                    <a:pt x="11" y="54"/>
+                    <a:pt x="6" y="27"/>
+                    <a:pt x="0" y="0"/>
+                  </a:cubicBezTo>
+                  <a:cubicBezTo>
+                    <a:pt x="0" y="35"/>
+                    <a:pt x="0" y="35"/>
+                    <a:pt x="0" y="35"/>
+                  </a:cubicBezTo>
+                  <a:cubicBezTo>
+                    <a:pt x="6" y="64"/>
+                    <a:pt x="13" y="94"/>
+                    <a:pt x="20" y="124"/>
+                  </a:cubicBezTo>
+                  <a:cubicBezTo>
+                    <a:pt x="20" y="128"/>
+                    <a:pt x="21" y="132"/>
+                    <a:pt x="22" y="136"/>
+                  </a:cubicBezTo>
+                  <a:close/>
+                </a:path>
+              </a:pathLst>
+            </a:custGeom>
+            <a:solidFill>
+              <a:schemeClr val="tx2">
+                <a:alpha val="20000"/>
+              </a:schemeClr>
+            </a:solidFill>
+            <a:ln>
+              <a:noFill/>
+            </a:ln>
+          </p:spPr>
+        </p:sp>
+        <p:sp>
+          <p:nvSpPr>
+            <p:cNvPr id="25" name="Freeform 12"/>
+            <p:cNvSpPr/>
+            <p:nvPr/>
+          </p:nvSpPr>
+          <p:spPr bwMode="auto">
+            <a:xfrm>
+              <a:off x="2597151" y="2779713"/>
+              <a:ext cx="550863" cy="1978025"/>
+            </a:xfrm>
+            <a:custGeom>
+              <a:avLst/>
+              <a:gdLst/>
+              <a:ahLst/>
+              <a:cxnLst/>
+              <a:rect l="0" t="0" r="r" b="b"/>
+              <a:pathLst>
+                <a:path w="140" h="504">
+                  <a:moveTo>
+                    <a:pt x="86" y="350"/>
+                  </a:moveTo>
+                  <a:cubicBezTo>
+                    <a:pt x="103" y="402"/>
+                    <a:pt x="120" y="453"/>
+                    <a:pt x="139" y="504"/>
+                  </a:cubicBezTo>
+                  <a:cubicBezTo>
+                    <a:pt x="139" y="495"/>
+                    <a:pt x="139" y="487"/>
+                    <a:pt x="140" y="478"/>
+                  </a:cubicBezTo>
+                  <a:cubicBezTo>
+                    <a:pt x="124" y="435"/>
+                    <a:pt x="109" y="391"/>
+                    <a:pt x="95" y="347"/>
+                  </a:cubicBezTo>
+                  <a:cubicBezTo>
+                    <a:pt x="58" y="233"/>
+                    <a:pt x="27" y="117"/>
+                    <a:pt x="0" y="0"/>
+                  </a:cubicBezTo>
+                  <a:cubicBezTo>
+                    <a:pt x="2" y="20"/>
+                    <a:pt x="4" y="41"/>
+                    <a:pt x="6" y="61"/>
+                  </a:cubicBezTo>
+                  <a:cubicBezTo>
+                    <a:pt x="30" y="158"/>
+                    <a:pt x="56" y="255"/>
+                    <a:pt x="86" y="350"/>
+                  </a:cubicBezTo>
+                  <a:close/>
+                </a:path>
+              </a:pathLst>
+            </a:custGeom>
+            <a:solidFill>
+              <a:schemeClr val="tx2">
+                <a:alpha val="20000"/>
+              </a:schemeClr>
+            </a:solidFill>
+            <a:ln>
+              <a:noFill/>
+            </a:ln>
+          </p:spPr>
+        </p:sp>
+        <p:sp>
+          <p:nvSpPr>
+            <p:cNvPr id="26" name="Freeform 13"/>
+            <p:cNvSpPr/>
+            <p:nvPr/>
+          </p:nvSpPr>
+          <p:spPr bwMode="auto">
+            <a:xfrm>
+              <a:off x="3175001" y="4730750"/>
+              <a:ext cx="519113" cy="1209675"/>
+            </a:xfrm>
+            <a:custGeom>
+              <a:avLst/>
+              <a:gdLst/>
+              <a:ahLst/>
+              <a:cxnLst/>
+              <a:rect l="0" t="0" r="r" b="b"/>
+              <a:pathLst>
+                <a:path w="132" h="308">
+                  <a:moveTo>
+                    <a:pt x="8" y="22"/>
+                  </a:moveTo>
+                  <a:cubicBezTo>
+                    <a:pt x="5" y="15"/>
+                    <a:pt x="2" y="8"/>
+                    <a:pt x="0" y="0"/>
+                  </a:cubicBezTo>
+                  <a:cubicBezTo>
+                    <a:pt x="0" y="10"/>
+                    <a:pt x="0" y="19"/>
+                    <a:pt x="0" y="29"/>
+                  </a:cubicBezTo>
+                  <a:cubicBezTo>
+                    <a:pt x="21" y="85"/>
+                    <a:pt x="44" y="140"/>
+                    <a:pt x="68" y="194"/>
+                  </a:cubicBezTo>
+                  <a:cubicBezTo>
+                    <a:pt x="85" y="232"/>
+                    <a:pt x="104" y="270"/>
+                    <a:pt x="123" y="308"/>
+                  </a:cubicBezTo>
+                  <a:cubicBezTo>
+                    <a:pt x="132" y="308"/>
+                    <a:pt x="132" y="308"/>
+                    <a:pt x="132" y="308"/>
+                  </a:cubicBezTo>
+                  <a:cubicBezTo>
+                    <a:pt x="113" y="269"/>
+                    <a:pt x="94" y="230"/>
+                    <a:pt x="77" y="190"/>
+                  </a:cubicBezTo>
+                  <a:cubicBezTo>
+                    <a:pt x="52" y="135"/>
+                    <a:pt x="29" y="79"/>
+                    <a:pt x="8" y="22"/>
+                  </a:cubicBezTo>
+                  <a:close/>
+                </a:path>
+              </a:pathLst>
+            </a:custGeom>
+            <a:solidFill>
+              <a:schemeClr val="tx2">
+                <a:alpha val="20000"/>
+              </a:schemeClr>
+            </a:solidFill>
+            <a:ln>
+              <a:noFill/>
+            </a:ln>
+          </p:spPr>
+        </p:sp>
+        <p:sp>
+          <p:nvSpPr>
+            <p:cNvPr id="27" name="Freeform 14"/>
+            <p:cNvSpPr/>
+            <p:nvPr/>
+          </p:nvSpPr>
+          <p:spPr bwMode="auto">
+            <a:xfrm>
+              <a:off x="3305176" y="5630863"/>
+              <a:ext cx="146050" cy="309563"/>
+            </a:xfrm>
+            <a:custGeom>
+              <a:avLst/>
+              <a:gdLst/>
+              <a:ahLst/>
+              <a:cxnLst/>
+              <a:rect l="0" t="0" r="r" b="b"/>
+              <a:pathLst>
+                <a:path w="37" h="79">
+                  <a:moveTo>
+                    <a:pt x="28" y="79"/>
+                  </a:moveTo>
+                  <a:cubicBezTo>
+                    <a:pt x="37" y="79"/>
+                    <a:pt x="37" y="79"/>
+                    <a:pt x="37" y="79"/>
+                  </a:cubicBezTo>
+                  <a:cubicBezTo>
+                    <a:pt x="24" y="53"/>
+                    <a:pt x="12" y="27"/>
+                    <a:pt x="0" y="0"/>
+                  </a:cubicBezTo>
+                  <a:cubicBezTo>
+                    <a:pt x="8" y="27"/>
+                    <a:pt x="17" y="53"/>
+                    <a:pt x="28" y="79"/>
+                  </a:cubicBezTo>
+                  <a:close/>
+                </a:path>
+              </a:pathLst>
+            </a:custGeom>
+            <a:solidFill>
+              <a:schemeClr val="tx2">
+                <a:alpha val="20000"/>
+              </a:schemeClr>
+            </a:solidFill>
+            <a:ln>
+              <a:noFill/>
+            </a:ln>
+          </p:spPr>
+        </p:sp>
+        <p:sp>
+          <p:nvSpPr>
+            <p:cNvPr id="28" name="Freeform 15"/>
+            <p:cNvSpPr/>
+            <p:nvPr/>
+          </p:nvSpPr>
+          <p:spPr bwMode="auto">
+            <a:xfrm>
+              <a:off x="2573338" y="2817813"/>
+              <a:ext cx="700088" cy="2835275"/>
+            </a:xfrm>
+            <a:custGeom>
+              <a:avLst/>
+              <a:gdLst/>
+              <a:ahLst/>
+              <a:cxnLst/>
+              <a:rect l="0" t="0" r="r" b="b"/>
+              <a:pathLst>
+                <a:path w="178" h="722">
+                  <a:moveTo>
+                    <a:pt x="162" y="660"/>
+                  </a:moveTo>
+                  <a:cubicBezTo>
+                    <a:pt x="145" y="618"/>
+                    <a:pt x="130" y="576"/>
+                    <a:pt x="116" y="534"/>
+                  </a:cubicBezTo>
+                  <a:cubicBezTo>
+                    <a:pt x="84" y="437"/>
+                    <a:pt x="59" y="337"/>
+                    <a:pt x="40" y="236"/>
+                  </a:cubicBezTo>
+                  <a:cubicBezTo>
+                    <a:pt x="29" y="175"/>
+                    <a:pt x="20" y="113"/>
+                    <a:pt x="12" y="51"/>
+                  </a:cubicBezTo>
+                  <a:cubicBezTo>
+                    <a:pt x="8" y="34"/>
+                    <a:pt x="4" y="17"/>
+                    <a:pt x="0" y="0"/>
+                  </a:cubicBezTo>
+                  <a:cubicBezTo>
+                    <a:pt x="8" y="79"/>
+                    <a:pt x="19" y="159"/>
+                    <a:pt x="33" y="237"/>
+                  </a:cubicBezTo>
+                  <a:cubicBezTo>
+                    <a:pt x="51" y="339"/>
+                    <a:pt x="76" y="439"/>
+                    <a:pt x="107" y="537"/>
+                  </a:cubicBezTo>
+                  <a:cubicBezTo>
+                    <a:pt x="123" y="586"/>
+                    <a:pt x="141" y="634"/>
+                    <a:pt x="160" y="681"/>
+                  </a:cubicBezTo>
+                  <a:cubicBezTo>
+                    <a:pt x="166" y="695"/>
+                    <a:pt x="172" y="708"/>
+                    <a:pt x="178" y="722"/>
+                  </a:cubicBezTo>
+                  <a:cubicBezTo>
+                    <a:pt x="176" y="717"/>
+                    <a:pt x="175" y="713"/>
+                    <a:pt x="174" y="708"/>
+                  </a:cubicBezTo>
+                  <a:cubicBezTo>
+                    <a:pt x="169" y="692"/>
+                    <a:pt x="165" y="676"/>
+                    <a:pt x="162" y="660"/>
+                  </a:cubicBezTo>
+                  <a:close/>
+                </a:path>
+              </a:pathLst>
+            </a:custGeom>
+            <a:solidFill>
+              <a:schemeClr val="tx2">
+                <a:alpha val="20000"/>
+              </a:schemeClr>
+            </a:solidFill>
+            <a:ln>
+              <a:noFill/>
+            </a:ln>
+          </p:spPr>
+        </p:sp>
+        <p:sp>
+          <p:nvSpPr>
+            <p:cNvPr id="29" name="Freeform 16"/>
+            <p:cNvSpPr/>
+            <p:nvPr/>
+          </p:nvSpPr>
+          <p:spPr bwMode="auto">
+            <a:xfrm>
+              <a:off x="2506663" y="285750"/>
+              <a:ext cx="90488" cy="2493963"/>
+            </a:xfrm>
+            <a:custGeom>
+              <a:avLst/>
+              <a:gdLst/>
+              <a:ahLst/>
+              <a:cxnLst/>
+              <a:rect l="0" t="0" r="r" b="b"/>
+              <a:pathLst>
+                <a:path w="23" h="635">
+                  <a:moveTo>
+                    <a:pt x="11" y="577"/>
+                  </a:moveTo>
+                  <a:cubicBezTo>
+                    <a:pt x="12" y="581"/>
+                    <a:pt x="12" y="585"/>
+                    <a:pt x="12" y="589"/>
+                  </a:cubicBezTo>
+                  <a:cubicBezTo>
+                    <a:pt x="15" y="603"/>
+                    <a:pt x="19" y="617"/>
+                    <a:pt x="22" y="632"/>
+                  </a:cubicBezTo>
+                  <a:cubicBezTo>
+                    <a:pt x="22" y="633"/>
+                    <a:pt x="22" y="634"/>
+                    <a:pt x="23" y="635"/>
+                  </a:cubicBezTo>
+                  <a:cubicBezTo>
+                    <a:pt x="21" y="615"/>
+                    <a:pt x="19" y="596"/>
+                    <a:pt x="17" y="576"/>
+                  </a:cubicBezTo>
+                  <a:cubicBezTo>
+                    <a:pt x="9" y="474"/>
+                    <a:pt x="5" y="372"/>
+                    <a:pt x="5" y="269"/>
+                  </a:cubicBezTo>
+                  <a:cubicBezTo>
+                    <a:pt x="6" y="179"/>
+                    <a:pt x="9" y="90"/>
+                    <a:pt x="15" y="0"/>
+                  </a:cubicBezTo>
+                  <a:cubicBezTo>
+                    <a:pt x="12" y="0"/>
+                    <a:pt x="12" y="0"/>
+                    <a:pt x="12" y="0"/>
+                  </a:cubicBezTo>
+                  <a:cubicBezTo>
+                    <a:pt x="5" y="89"/>
+                    <a:pt x="2" y="179"/>
+                    <a:pt x="1" y="269"/>
+                  </a:cubicBezTo>
+                  <a:cubicBezTo>
+                    <a:pt x="0" y="372"/>
+                    <a:pt x="3" y="474"/>
+                    <a:pt x="11" y="577"/>
+                  </a:cubicBezTo>
+                  <a:close/>
+                </a:path>
+              </a:pathLst>
+            </a:custGeom>
+            <a:solidFill>
+              <a:schemeClr val="tx2">
+                <a:alpha val="20000"/>
+              </a:schemeClr>
+            </a:solidFill>
+            <a:ln>
+              <a:noFill/>
+            </a:ln>
+          </p:spPr>
+        </p:sp>
+        <p:sp>
+          <p:nvSpPr>
+            <p:cNvPr id="30" name="Freeform 17"/>
+            <p:cNvSpPr/>
+            <p:nvPr/>
+          </p:nvSpPr>
+          <p:spPr bwMode="auto">
+            <a:xfrm>
+              <a:off x="2554288" y="2598738"/>
+              <a:ext cx="66675" cy="420688"/>
+            </a:xfrm>
+            <a:custGeom>
+              <a:avLst/>
+              <a:gdLst/>
+              <a:ahLst/>
+              <a:cxnLst/>
+              <a:rect l="0" t="0" r="r" b="b"/>
+              <a:pathLst>
+                <a:path w="17" h="107">
+                  <a:moveTo>
+                    <a:pt x="0" y="0"/>
+                  </a:moveTo>
+                  <a:cubicBezTo>
+                    <a:pt x="2" y="19"/>
+                    <a:pt x="3" y="37"/>
+                    <a:pt x="5" y="56"/>
+                  </a:cubicBezTo>
+                  <a:cubicBezTo>
+                    <a:pt x="9" y="73"/>
+                    <a:pt x="13" y="90"/>
+                    <a:pt x="17" y="107"/>
+                  </a:cubicBezTo>
+                  <a:cubicBezTo>
+                    <a:pt x="15" y="87"/>
+                    <a:pt x="13" y="66"/>
+                    <a:pt x="11" y="46"/>
+                  </a:cubicBezTo>
+                  <a:cubicBezTo>
+                    <a:pt x="10" y="45"/>
+                    <a:pt x="10" y="44"/>
+                    <a:pt x="10" y="43"/>
+                  </a:cubicBezTo>
+                  <a:cubicBezTo>
+                    <a:pt x="7" y="28"/>
+                    <a:pt x="3" y="14"/>
+                    <a:pt x="0" y="0"/>
+                  </a:cubicBezTo>
+                  <a:close/>
+                </a:path>
+              </a:pathLst>
+            </a:custGeom>
+            <a:solidFill>
+              <a:schemeClr val="tx2">
+                <a:alpha val="20000"/>
+              </a:schemeClr>
+            </a:solidFill>
+            <a:ln>
+              <a:noFill/>
+            </a:ln>
+          </p:spPr>
+        </p:sp>
+        <p:sp>
+          <p:nvSpPr>
+            <p:cNvPr id="31" name="Freeform 18"/>
+            <p:cNvSpPr/>
+            <p:nvPr/>
+          </p:nvSpPr>
+          <p:spPr bwMode="auto">
+            <a:xfrm>
+              <a:off x="3143251" y="4757738"/>
+              <a:ext cx="161925" cy="873125"/>
+            </a:xfrm>
+            <a:custGeom>
+              <a:avLst/>
+              <a:gdLst/>
+              <a:ahLst/>
+              <a:cxnLst/>
+              <a:rect l="0" t="0" r="r" b="b"/>
+              <a:pathLst>
+                <a:path w="41" h="222">
+                  <a:moveTo>
+                    <a:pt x="0" y="0"/>
+                  </a:moveTo>
+                  <a:cubicBezTo>
+                    <a:pt x="0" y="31"/>
+                    <a:pt x="2" y="62"/>
+                    <a:pt x="5" y="93"/>
+                  </a:cubicBezTo>
+                  <a:cubicBezTo>
+                    <a:pt x="8" y="117"/>
+                    <a:pt x="12" y="142"/>
+                    <a:pt x="17" y="166"/>
+                  </a:cubicBezTo>
+                  <a:cubicBezTo>
+                    <a:pt x="19" y="172"/>
+                    <a:pt x="22" y="178"/>
+                    <a:pt x="24" y="184"/>
+                  </a:cubicBezTo>
+                  <a:cubicBezTo>
+                    <a:pt x="30" y="197"/>
+                    <a:pt x="35" y="209"/>
+                    <a:pt x="41" y="222"/>
+                  </a:cubicBezTo>
+                  <a:cubicBezTo>
+                    <a:pt x="40" y="219"/>
+                    <a:pt x="39" y="215"/>
+                    <a:pt x="38" y="212"/>
+                  </a:cubicBezTo>
+                  <a:cubicBezTo>
+                    <a:pt x="26" y="172"/>
+                    <a:pt x="18" y="132"/>
+                    <a:pt x="13" y="92"/>
+                  </a:cubicBezTo>
+                  <a:cubicBezTo>
+                    <a:pt x="11" y="68"/>
+                    <a:pt x="9" y="45"/>
+                    <a:pt x="8" y="22"/>
+                  </a:cubicBezTo>
+                  <a:cubicBezTo>
+                    <a:pt x="8" y="21"/>
+                    <a:pt x="7" y="20"/>
+                    <a:pt x="7" y="18"/>
+                  </a:cubicBezTo>
+                  <a:cubicBezTo>
+                    <a:pt x="5" y="12"/>
+                    <a:pt x="2" y="6"/>
+                    <a:pt x="0" y="0"/>
+                  </a:cubicBezTo>
+                  <a:close/>
+                </a:path>
+              </a:pathLst>
+            </a:custGeom>
+            <a:solidFill>
+              <a:schemeClr val="tx2">
+                <a:alpha val="20000"/>
+              </a:schemeClr>
+            </a:solidFill>
+            <a:ln>
+              <a:noFill/>
+            </a:ln>
+          </p:spPr>
+        </p:sp>
+        <p:sp>
+          <p:nvSpPr>
+            <p:cNvPr id="32" name="Freeform 19"/>
+            <p:cNvSpPr/>
+            <p:nvPr/>
+          </p:nvSpPr>
+          <p:spPr bwMode="auto">
+            <a:xfrm>
+              <a:off x="3148013" y="1282700"/>
+              <a:ext cx="1768475" cy="3448050"/>
+            </a:xfrm>
+            <a:custGeom>
+              <a:avLst/>
+              <a:gdLst/>
+              <a:ahLst/>
+              <a:cxnLst/>
+              <a:rect l="0" t="0" r="r" b="b"/>
+              <a:pathLst>
+                <a:path w="450" h="878">
+                  <a:moveTo>
+                    <a:pt x="7" y="854"/>
+                  </a:moveTo>
+                  <a:cubicBezTo>
+                    <a:pt x="10" y="772"/>
+                    <a:pt x="26" y="691"/>
+                    <a:pt x="50" y="613"/>
+                  </a:cubicBezTo>
+                  <a:cubicBezTo>
+                    <a:pt x="75" y="535"/>
+                    <a:pt x="109" y="460"/>
+                    <a:pt x="149" y="388"/>
+                  </a:cubicBezTo>
+                  <a:cubicBezTo>
+                    <a:pt x="189" y="316"/>
+                    <a:pt x="235" y="248"/>
+                    <a:pt x="285" y="183"/>
+                  </a:cubicBezTo>
+                  <a:cubicBezTo>
+                    <a:pt x="310" y="151"/>
+                    <a:pt x="337" y="119"/>
+                    <a:pt x="364" y="89"/>
+                  </a:cubicBezTo>
+                  <a:cubicBezTo>
+                    <a:pt x="378" y="74"/>
+                    <a:pt x="392" y="58"/>
+                    <a:pt x="406" y="44"/>
+                  </a:cubicBezTo>
+                  <a:cubicBezTo>
+                    <a:pt x="421" y="29"/>
+                    <a:pt x="435" y="15"/>
+                    <a:pt x="450" y="1"/>
+                  </a:cubicBezTo>
+                  <a:cubicBezTo>
+                    <a:pt x="450" y="0"/>
+                    <a:pt x="450" y="0"/>
+                    <a:pt x="450" y="0"/>
+                  </a:cubicBezTo>
+                  <a:cubicBezTo>
+                    <a:pt x="434" y="14"/>
+                    <a:pt x="420" y="28"/>
+                    <a:pt x="405" y="43"/>
+                  </a:cubicBezTo>
+                  <a:cubicBezTo>
+                    <a:pt x="391" y="57"/>
+                    <a:pt x="377" y="72"/>
+                    <a:pt x="363" y="88"/>
+                  </a:cubicBezTo>
+                  <a:cubicBezTo>
+                    <a:pt x="335" y="118"/>
+                    <a:pt x="308" y="149"/>
+                    <a:pt x="283" y="181"/>
+                  </a:cubicBezTo>
+                  <a:cubicBezTo>
+                    <a:pt x="232" y="246"/>
+                    <a:pt x="185" y="314"/>
+                    <a:pt x="145" y="386"/>
+                  </a:cubicBezTo>
+                  <a:cubicBezTo>
+                    <a:pt x="104" y="457"/>
+                    <a:pt x="70" y="533"/>
+                    <a:pt x="45" y="611"/>
+                  </a:cubicBezTo>
+                  <a:cubicBezTo>
+                    <a:pt x="19" y="690"/>
+                    <a:pt x="3" y="771"/>
+                    <a:pt x="0" y="854"/>
+                  </a:cubicBezTo>
+                  <a:cubicBezTo>
+                    <a:pt x="0" y="856"/>
+                    <a:pt x="0" y="857"/>
+                    <a:pt x="0" y="859"/>
+                  </a:cubicBezTo>
+                  <a:cubicBezTo>
+                    <a:pt x="2" y="865"/>
+                    <a:pt x="4" y="872"/>
+                    <a:pt x="7" y="878"/>
+                  </a:cubicBezTo>
+                  <a:cubicBezTo>
+                    <a:pt x="7" y="870"/>
+                    <a:pt x="7" y="862"/>
+                    <a:pt x="7" y="854"/>
+                  </a:cubicBezTo>
+                  <a:close/>
+                </a:path>
+              </a:pathLst>
+            </a:custGeom>
+            <a:solidFill>
+              <a:schemeClr val="tx2">
+                <a:alpha val="20000"/>
+              </a:schemeClr>
+            </a:solidFill>
+            <a:ln>
+              <a:noFill/>
+            </a:ln>
+          </p:spPr>
+        </p:sp>
+        <p:sp>
+          <p:nvSpPr>
+            <p:cNvPr id="33" name="Freeform 20"/>
+            <p:cNvSpPr/>
+            <p:nvPr/>
+          </p:nvSpPr>
+          <p:spPr bwMode="auto">
+            <a:xfrm>
+              <a:off x="3273426" y="5653088"/>
+              <a:ext cx="138113" cy="287338"/>
+            </a:xfrm>
+            <a:custGeom>
+              <a:avLst/>
+              <a:gdLst/>
+              <a:ahLst/>
+              <a:cxnLst/>
+              <a:rect l="0" t="0" r="r" b="b"/>
+              <a:pathLst>
+                <a:path w="35" h="73">
+                  <a:moveTo>
+                    <a:pt x="0" y="0"/>
+                  </a:moveTo>
+                  <a:cubicBezTo>
+                    <a:pt x="7" y="24"/>
+                    <a:pt x="16" y="49"/>
+                    <a:pt x="26" y="73"/>
+                  </a:cubicBezTo>
+                  <a:cubicBezTo>
+                    <a:pt x="35" y="73"/>
+                    <a:pt x="35" y="73"/>
+                    <a:pt x="35" y="73"/>
+                  </a:cubicBezTo>
+                  <a:cubicBezTo>
+                    <a:pt x="23" y="49"/>
+                    <a:pt x="11" y="24"/>
+                    <a:pt x="0" y="0"/>
+                  </a:cubicBezTo>
+                  <a:close/>
+                </a:path>
+              </a:pathLst>
+            </a:custGeom>
+            <a:solidFill>
+              <a:schemeClr val="tx2">
+                <a:alpha val="20000"/>
+              </a:schemeClr>
+            </a:solidFill>
+            <a:ln>
+              <a:noFill/>
+            </a:ln>
+          </p:spPr>
+        </p:sp>
+        <p:sp>
+          <p:nvSpPr>
+            <p:cNvPr id="34" name="Freeform 21"/>
+            <p:cNvSpPr/>
+            <p:nvPr/>
+          </p:nvSpPr>
+          <p:spPr bwMode="auto">
+            <a:xfrm>
+              <a:off x="3143251" y="4656138"/>
+              <a:ext cx="31750" cy="188913"/>
+            </a:xfrm>
+            <a:custGeom>
+              <a:avLst/>
+              <a:gdLst/>
+              <a:ahLst/>
+              <a:cxnLst/>
+              <a:rect l="0" t="0" r="r" b="b"/>
+              <a:pathLst>
+                <a:path w="8" h="48">
+                  <a:moveTo>
+                    <a:pt x="7" y="44"/>
+                  </a:moveTo>
+                  <a:cubicBezTo>
+                    <a:pt x="7" y="46"/>
+                    <a:pt x="8" y="47"/>
+                    <a:pt x="8" y="48"/>
+                  </a:cubicBezTo>
+                  <a:cubicBezTo>
+                    <a:pt x="8" y="38"/>
+                    <a:pt x="8" y="29"/>
+                    <a:pt x="8" y="19"/>
+                  </a:cubicBezTo>
+                  <a:cubicBezTo>
+                    <a:pt x="5" y="13"/>
+                    <a:pt x="3" y="6"/>
+                    <a:pt x="1" y="0"/>
+                  </a:cubicBezTo>
+                  <a:cubicBezTo>
+                    <a:pt x="0" y="9"/>
+                    <a:pt x="0" y="17"/>
+                    <a:pt x="0" y="26"/>
+                  </a:cubicBezTo>
+                  <a:cubicBezTo>
+                    <a:pt x="2" y="32"/>
+                    <a:pt x="5" y="38"/>
+                    <a:pt x="7" y="44"/>
+                  </a:cubicBezTo>
+                  <a:close/>
+                </a:path>
+              </a:pathLst>
+            </a:custGeom>
+            <a:solidFill>
+              <a:schemeClr val="tx2">
+                <a:alpha val="20000"/>
+              </a:schemeClr>
+            </a:solidFill>
+            <a:ln>
+              <a:noFill/>
+            </a:ln>
+          </p:spPr>
+        </p:sp>
+        <p:sp>
+          <p:nvSpPr>
+            <p:cNvPr id="35" name="Freeform 22"/>
+            <p:cNvSpPr/>
+            <p:nvPr/>
+          </p:nvSpPr>
+          <p:spPr bwMode="auto">
+            <a:xfrm>
+              <a:off x="3211513" y="5410200"/>
+              <a:ext cx="203200" cy="530225"/>
+            </a:xfrm>
+            <a:custGeom>
+              <a:avLst/>
+              <a:gdLst/>
+              <a:ahLst/>
+              <a:cxnLst/>
+              <a:rect l="0" t="0" r="r" b="b"/>
+              <a:pathLst>
+                <a:path w="52" h="135">
+                  <a:moveTo>
+                    <a:pt x="7" y="18"/>
+                  </a:moveTo>
+                  <a:cubicBezTo>
+                    <a:pt x="5" y="12"/>
+                    <a:pt x="2" y="6"/>
+                    <a:pt x="0" y="0"/>
+                  </a:cubicBezTo>
+                  <a:cubicBezTo>
+                    <a:pt x="3" y="16"/>
+                    <a:pt x="7" y="32"/>
+                    <a:pt x="12" y="48"/>
+                  </a:cubicBezTo>
+                  <a:cubicBezTo>
+                    <a:pt x="13" y="53"/>
+                    <a:pt x="14" y="57"/>
+                    <a:pt x="16" y="62"/>
+                  </a:cubicBezTo>
+                  <a:cubicBezTo>
+                    <a:pt x="27" y="86"/>
+                    <a:pt x="39" y="111"/>
+                    <a:pt x="51" y="135"/>
+                  </a:cubicBezTo>
+                  <a:cubicBezTo>
+                    <a:pt x="52" y="135"/>
+                    <a:pt x="52" y="135"/>
+                    <a:pt x="52" y="135"/>
+                  </a:cubicBezTo>
+                  <a:cubicBezTo>
+                    <a:pt x="41" y="109"/>
+                    <a:pt x="32" y="83"/>
+                    <a:pt x="24" y="56"/>
+                  </a:cubicBezTo>
+                  <a:cubicBezTo>
+                    <a:pt x="18" y="43"/>
+                    <a:pt x="13" y="31"/>
+                    <a:pt x="7" y="18"/>
+                  </a:cubicBezTo>
+                  <a:close/>
+                </a:path>
+              </a:pathLst>
+            </a:custGeom>
+            <a:solidFill>
+              <a:schemeClr val="tx2">
+                <a:alpha val="20000"/>
+              </a:schemeClr>
+            </a:solidFill>
+            <a:ln>
+              <a:noFill/>
+            </a:ln>
+          </p:spPr>
+        </p:sp>
+      </p:grpSp>
+      <p:grpSp>
+        <p:nvGrpSpPr>
+          <p:cNvPr id="10" name="Group 9"/>
+          <p:cNvGrpSpPr/>
+          <p:nvPr/>
+        </p:nvGrpSpPr>
+        <p:grpSpPr>
+          <a:xfrm>
+            <a:off x="27221" y="-786"/>
+            <a:ext cx="2356674" cy="6854039"/>
+            <a:chOff x="6627813" y="194833"/>
+            <a:chExt cx="1952625" cy="5678918"/>
+          </a:xfrm>
+        </p:grpSpPr>
+        <p:sp>
+          <p:nvSpPr>
+            <p:cNvPr id="11" name="Freeform 27"/>
+            <p:cNvSpPr/>
+            <p:nvPr/>
+          </p:nvSpPr>
+          <p:spPr bwMode="auto">
+            <a:xfrm>
+              <a:off x="6627813" y="194833"/>
+              <a:ext cx="409575" cy="3646488"/>
+            </a:xfrm>
+            <a:custGeom>
+              <a:avLst/>
+              <a:gdLst/>
+              <a:ahLst/>
+              <a:cxnLst/>
+              <a:rect l="0" t="0" r="r" b="b"/>
+              <a:pathLst>
+                <a:path w="103" h="920">
+                  <a:moveTo>
+                    <a:pt x="7" y="210"/>
+                  </a:moveTo>
+                  <a:cubicBezTo>
+                    <a:pt x="11" y="288"/>
+                    <a:pt x="17" y="367"/>
+                    <a:pt x="26" y="445"/>
+                  </a:cubicBezTo>
+                  <a:cubicBezTo>
+                    <a:pt x="34" y="523"/>
+                    <a:pt x="44" y="601"/>
+                    <a:pt x="57" y="679"/>
+                  </a:cubicBezTo>
+                  <a:cubicBezTo>
+                    <a:pt x="69" y="757"/>
+                    <a:pt x="84" y="834"/>
+                    <a:pt x="101" y="911"/>
+                  </a:cubicBezTo>
+                  <a:cubicBezTo>
+                    <a:pt x="102" y="914"/>
+                    <a:pt x="103" y="917"/>
+                    <a:pt x="103" y="920"/>
+                  </a:cubicBezTo>
+                  <a:cubicBezTo>
+                    <a:pt x="102" y="905"/>
+                    <a:pt x="100" y="889"/>
+                    <a:pt x="99" y="874"/>
+                  </a:cubicBezTo>
+                  <a:cubicBezTo>
+                    <a:pt x="99" y="871"/>
+                    <a:pt x="99" y="868"/>
+                    <a:pt x="99" y="866"/>
+                  </a:cubicBezTo>
+                  <a:cubicBezTo>
+                    <a:pt x="85" y="803"/>
+                    <a:pt x="73" y="741"/>
+                    <a:pt x="63" y="678"/>
+                  </a:cubicBezTo>
+                  <a:cubicBezTo>
+                    <a:pt x="50" y="600"/>
+                    <a:pt x="39" y="523"/>
+                    <a:pt x="30" y="444"/>
+                  </a:cubicBezTo>
+                  <a:cubicBezTo>
+                    <a:pt x="21" y="366"/>
+                    <a:pt x="14" y="288"/>
+                    <a:pt x="9" y="209"/>
+                  </a:cubicBezTo>
+                  <a:cubicBezTo>
+                    <a:pt x="7" y="170"/>
+                    <a:pt x="5" y="131"/>
+                    <a:pt x="3" y="92"/>
+                  </a:cubicBezTo>
+                  <a:cubicBezTo>
+                    <a:pt x="2" y="61"/>
+                    <a:pt x="1" y="31"/>
+                    <a:pt x="1" y="0"/>
+                  </a:cubicBezTo>
+                  <a:cubicBezTo>
+                    <a:pt x="0" y="0"/>
+                    <a:pt x="0" y="0"/>
+                    <a:pt x="0" y="0"/>
+                  </a:cubicBezTo>
+                  <a:cubicBezTo>
+                    <a:pt x="0" y="31"/>
+                    <a:pt x="1" y="61"/>
+                    <a:pt x="1" y="92"/>
+                  </a:cubicBezTo>
+                  <a:cubicBezTo>
+                    <a:pt x="3" y="131"/>
+                    <a:pt x="4" y="170"/>
+                    <a:pt x="7" y="210"/>
+                  </a:cubicBezTo>
+                  <a:close/>
+                </a:path>
+              </a:pathLst>
+            </a:custGeom>
+            <a:solidFill>
+              <a:schemeClr val="tx2"/>
+            </a:solidFill>
+            <a:ln>
+              <a:noFill/>
+            </a:ln>
+          </p:spPr>
+        </p:sp>
+        <p:sp>
+          <p:nvSpPr>
+            <p:cNvPr id="12" name="Freeform 28"/>
+            <p:cNvSpPr/>
+            <p:nvPr/>
+          </p:nvSpPr>
+          <p:spPr bwMode="auto">
+            <a:xfrm>
+              <a:off x="7061201" y="3771900"/>
+              <a:ext cx="350838" cy="1309688"/>
+            </a:xfrm>
+            <a:custGeom>
+              <a:avLst/>
+              <a:gdLst/>
+              <a:ahLst/>
+              <a:cxnLst/>
+              <a:rect l="0" t="0" r="r" b="b"/>
+              <a:pathLst>
+                <a:path w="88" h="330">
+                  <a:moveTo>
+                    <a:pt x="53" y="229"/>
+                  </a:moveTo>
+                  <a:cubicBezTo>
+                    <a:pt x="64" y="263"/>
+                    <a:pt x="75" y="297"/>
+                    <a:pt x="88" y="330"/>
+                  </a:cubicBezTo>
+                  <a:cubicBezTo>
+                    <a:pt x="88" y="323"/>
+                    <a:pt x="88" y="315"/>
+                    <a:pt x="88" y="308"/>
+                  </a:cubicBezTo>
+                  <a:cubicBezTo>
+                    <a:pt x="88" y="307"/>
+                    <a:pt x="88" y="305"/>
+                    <a:pt x="88" y="304"/>
+                  </a:cubicBezTo>
+                  <a:cubicBezTo>
+                    <a:pt x="79" y="278"/>
+                    <a:pt x="70" y="252"/>
+                    <a:pt x="62" y="226"/>
+                  </a:cubicBezTo>
+                  <a:cubicBezTo>
+                    <a:pt x="38" y="152"/>
+                    <a:pt x="17" y="76"/>
+                    <a:pt x="0" y="0"/>
+                  </a:cubicBezTo>
+                  <a:cubicBezTo>
+                    <a:pt x="2" y="21"/>
+                    <a:pt x="4" y="42"/>
+                    <a:pt x="7" y="63"/>
+                  </a:cubicBezTo>
+                  <a:cubicBezTo>
+                    <a:pt x="21" y="119"/>
+                    <a:pt x="36" y="174"/>
+                    <a:pt x="53" y="229"/>
+                  </a:cubicBezTo>
+                  <a:close/>
+                </a:path>
+              </a:pathLst>
+            </a:custGeom>
+            <a:solidFill>
+              <a:schemeClr val="tx2"/>
+            </a:solidFill>
+            <a:ln>
+              <a:noFill/>
+            </a:ln>
+          </p:spPr>
+        </p:sp>
+        <p:sp>
+          <p:nvSpPr>
+            <p:cNvPr id="13" name="Freeform 29"/>
+            <p:cNvSpPr/>
+            <p:nvPr/>
+          </p:nvSpPr>
+          <p:spPr bwMode="auto">
+            <a:xfrm>
+              <a:off x="7439026" y="5053013"/>
+              <a:ext cx="357188" cy="820738"/>
+            </a:xfrm>
+            <a:custGeom>
+              <a:avLst/>
+              <a:gdLst/>
+              <a:ahLst/>
+              <a:cxnLst/>
+              <a:rect l="0" t="0" r="r" b="b"/>
+              <a:pathLst>
+                <a:path w="90" h="207">
+                  <a:moveTo>
+                    <a:pt x="6" y="15"/>
+                  </a:moveTo>
+                  <a:cubicBezTo>
+                    <a:pt x="4" y="10"/>
+                    <a:pt x="2" y="5"/>
+                    <a:pt x="0" y="0"/>
+                  </a:cubicBezTo>
+                  <a:cubicBezTo>
+                    <a:pt x="0" y="9"/>
+                    <a:pt x="0" y="19"/>
+                    <a:pt x="1" y="29"/>
+                  </a:cubicBezTo>
+                  <a:cubicBezTo>
+                    <a:pt x="14" y="62"/>
+                    <a:pt x="27" y="95"/>
+                    <a:pt x="42" y="127"/>
+                  </a:cubicBezTo>
+                  <a:cubicBezTo>
+                    <a:pt x="54" y="154"/>
+                    <a:pt x="67" y="181"/>
+                    <a:pt x="80" y="207"/>
+                  </a:cubicBezTo>
+                  <a:cubicBezTo>
+                    <a:pt x="90" y="207"/>
+                    <a:pt x="90" y="207"/>
+                    <a:pt x="90" y="207"/>
+                  </a:cubicBezTo>
+                  <a:cubicBezTo>
+                    <a:pt x="76" y="180"/>
+                    <a:pt x="63" y="152"/>
+                    <a:pt x="50" y="123"/>
+                  </a:cubicBezTo>
+                  <a:cubicBezTo>
+                    <a:pt x="34" y="88"/>
+                    <a:pt x="20" y="51"/>
+                    <a:pt x="6" y="15"/>
+                  </a:cubicBezTo>
+                  <a:close/>
+                </a:path>
+              </a:pathLst>
+            </a:custGeom>
+            <a:solidFill>
+              <a:schemeClr val="tx2"/>
+            </a:solidFill>
+            <a:ln>
+              <a:noFill/>
+            </a:ln>
+          </p:spPr>
+        </p:sp>
+        <p:sp>
+          <p:nvSpPr>
+            <p:cNvPr id="14" name="Freeform 30"/>
+            <p:cNvSpPr/>
+            <p:nvPr/>
+          </p:nvSpPr>
+          <p:spPr bwMode="auto">
+            <a:xfrm>
+              <a:off x="7037388" y="3811588"/>
+              <a:ext cx="457200" cy="1852613"/>
+            </a:xfrm>
+            <a:custGeom>
+              <a:avLst/>
+              <a:gdLst/>
+              <a:ahLst/>
+              <a:cxnLst/>
+              <a:rect l="0" t="0" r="r" b="b"/>
+              <a:pathLst>
+                <a:path w="115" h="467">
+                  <a:moveTo>
+                    <a:pt x="101" y="409"/>
+                  </a:moveTo>
+                  <a:cubicBezTo>
+                    <a:pt x="93" y="388"/>
+                    <a:pt x="85" y="366"/>
+                    <a:pt x="78" y="344"/>
+                  </a:cubicBezTo>
+                  <a:cubicBezTo>
+                    <a:pt x="57" y="281"/>
+                    <a:pt x="41" y="216"/>
+                    <a:pt x="29" y="151"/>
+                  </a:cubicBezTo>
+                  <a:cubicBezTo>
+                    <a:pt x="22" y="119"/>
+                    <a:pt x="17" y="86"/>
+                    <a:pt x="13" y="53"/>
+                  </a:cubicBezTo>
+                  <a:cubicBezTo>
+                    <a:pt x="9" y="35"/>
+                    <a:pt x="4" y="18"/>
+                    <a:pt x="0" y="0"/>
+                  </a:cubicBezTo>
+                  <a:cubicBezTo>
+                    <a:pt x="5" y="51"/>
+                    <a:pt x="12" y="102"/>
+                    <a:pt x="21" y="152"/>
+                  </a:cubicBezTo>
+                  <a:cubicBezTo>
+                    <a:pt x="33" y="218"/>
+                    <a:pt x="49" y="283"/>
+                    <a:pt x="69" y="347"/>
+                  </a:cubicBezTo>
+                  <a:cubicBezTo>
+                    <a:pt x="79" y="378"/>
+                    <a:pt x="90" y="410"/>
+                    <a:pt x="103" y="441"/>
+                  </a:cubicBezTo>
+                  <a:cubicBezTo>
+                    <a:pt x="107" y="449"/>
+                    <a:pt x="111" y="458"/>
+                    <a:pt x="115" y="467"/>
+                  </a:cubicBezTo>
+                  <a:cubicBezTo>
+                    <a:pt x="114" y="464"/>
+                    <a:pt x="113" y="461"/>
+                    <a:pt x="112" y="458"/>
+                  </a:cubicBezTo>
+                  <a:cubicBezTo>
+                    <a:pt x="108" y="442"/>
+                    <a:pt x="104" y="425"/>
+                    <a:pt x="101" y="409"/>
+                  </a:cubicBezTo>
+                  <a:close/>
+                </a:path>
+              </a:pathLst>
+            </a:custGeom>
+            <a:solidFill>
+              <a:schemeClr val="tx2"/>
+            </a:solidFill>
+            <a:ln>
+              <a:noFill/>
+            </a:ln>
+          </p:spPr>
+        </p:sp>
+        <p:sp>
+          <p:nvSpPr>
+            <p:cNvPr id="15" name="Freeform 31"/>
+            <p:cNvSpPr/>
+            <p:nvPr/>
+          </p:nvSpPr>
+          <p:spPr bwMode="auto">
+            <a:xfrm>
+              <a:off x="6992938" y="1263650"/>
+              <a:ext cx="144463" cy="2508250"/>
+            </a:xfrm>
+            <a:custGeom>
+              <a:avLst/>
+              <a:gdLst/>
+              <a:ahLst/>
+              <a:cxnLst/>
+              <a:rect l="0" t="0" r="r" b="b"/>
+              <a:pathLst>
+                <a:path w="36" h="633">
+                  <a:moveTo>
+                    <a:pt x="17" y="633"/>
+                  </a:moveTo>
+                  <a:cubicBezTo>
+                    <a:pt x="15" y="621"/>
+                    <a:pt x="14" y="609"/>
+                    <a:pt x="13" y="597"/>
+                  </a:cubicBezTo>
+                  <a:cubicBezTo>
+                    <a:pt x="8" y="530"/>
+                    <a:pt x="5" y="464"/>
+                    <a:pt x="5" y="398"/>
+                  </a:cubicBezTo>
+                  <a:cubicBezTo>
+                    <a:pt x="5" y="331"/>
+                    <a:pt x="8" y="265"/>
+                    <a:pt x="13" y="198"/>
+                  </a:cubicBezTo>
+                  <a:cubicBezTo>
+                    <a:pt x="15" y="165"/>
+                    <a:pt x="18" y="132"/>
+                    <a:pt x="22" y="99"/>
+                  </a:cubicBezTo>
+                  <a:cubicBezTo>
+                    <a:pt x="26" y="66"/>
+                    <a:pt x="30" y="33"/>
+                    <a:pt x="36" y="0"/>
+                  </a:cubicBezTo>
+                  <a:cubicBezTo>
+                    <a:pt x="35" y="0"/>
+                    <a:pt x="35" y="0"/>
+                    <a:pt x="35" y="0"/>
+                  </a:cubicBezTo>
+                  <a:cubicBezTo>
+                    <a:pt x="29" y="33"/>
+                    <a:pt x="24" y="66"/>
+                    <a:pt x="20" y="99"/>
+                  </a:cubicBezTo>
+                  <a:cubicBezTo>
+                    <a:pt x="16" y="132"/>
+                    <a:pt x="13" y="165"/>
+                    <a:pt x="10" y="198"/>
+                  </a:cubicBezTo>
+                  <a:cubicBezTo>
+                    <a:pt x="4" y="264"/>
+                    <a:pt x="1" y="331"/>
+                    <a:pt x="1" y="398"/>
+                  </a:cubicBezTo>
+                  <a:cubicBezTo>
+                    <a:pt x="0" y="461"/>
+                    <a:pt x="2" y="525"/>
+                    <a:pt x="7" y="589"/>
+                  </a:cubicBezTo>
+                  <a:cubicBezTo>
+                    <a:pt x="10" y="603"/>
+                    <a:pt x="13" y="618"/>
+                    <a:pt x="16" y="632"/>
+                  </a:cubicBezTo>
+                  <a:cubicBezTo>
+                    <a:pt x="16" y="632"/>
+                    <a:pt x="17" y="633"/>
+                    <a:pt x="17" y="633"/>
+                  </a:cubicBezTo>
+                  <a:close/>
+                </a:path>
+              </a:pathLst>
+            </a:custGeom>
+            <a:solidFill>
+              <a:schemeClr val="tx2"/>
+            </a:solidFill>
+            <a:ln>
+              <a:noFill/>
+            </a:ln>
+          </p:spPr>
+        </p:sp>
+        <p:sp>
+          <p:nvSpPr>
+            <p:cNvPr id="16" name="Freeform 32"/>
+            <p:cNvSpPr/>
+            <p:nvPr/>
+          </p:nvSpPr>
+          <p:spPr bwMode="auto">
+            <a:xfrm>
+              <a:off x="7526338" y="5640388"/>
+              <a:ext cx="111125" cy="233363"/>
+            </a:xfrm>
+            <a:custGeom>
+              <a:avLst/>
+              <a:gdLst/>
+              <a:ahLst/>
+              <a:cxnLst/>
+              <a:rect l="0" t="0" r="r" b="b"/>
+              <a:pathLst>
+                <a:path w="28" h="59">
+                  <a:moveTo>
+                    <a:pt x="22" y="59"/>
+                  </a:moveTo>
+                  <a:cubicBezTo>
+                    <a:pt x="28" y="59"/>
+                    <a:pt x="28" y="59"/>
+                    <a:pt x="28" y="59"/>
+                  </a:cubicBezTo>
+                  <a:cubicBezTo>
+                    <a:pt x="18" y="40"/>
+                    <a:pt x="9" y="20"/>
+                    <a:pt x="0" y="0"/>
+                  </a:cubicBezTo>
+                  <a:cubicBezTo>
+                    <a:pt x="6" y="20"/>
+                    <a:pt x="13" y="40"/>
+                    <a:pt x="22" y="59"/>
+                  </a:cubicBezTo>
+                  <a:close/>
+                </a:path>
+              </a:pathLst>
+            </a:custGeom>
+            <a:solidFill>
+              <a:schemeClr val="tx2"/>
+            </a:solidFill>
+            <a:ln>
+              <a:noFill/>
+            </a:ln>
+          </p:spPr>
+        </p:sp>
+        <p:sp>
+          <p:nvSpPr>
+            <p:cNvPr id="17" name="Freeform 33"/>
+            <p:cNvSpPr/>
+            <p:nvPr/>
+          </p:nvSpPr>
+          <p:spPr bwMode="auto">
+            <a:xfrm>
+              <a:off x="7021513" y="3598863"/>
+              <a:ext cx="68263" cy="423863"/>
+            </a:xfrm>
+            <a:custGeom>
+              <a:avLst/>
+              <a:gdLst/>
+              <a:ahLst/>
+              <a:cxnLst/>
+              <a:rect l="0" t="0" r="r" b="b"/>
+              <a:pathLst>
+                <a:path w="17" h="107">
+                  <a:moveTo>
+                    <a:pt x="4" y="54"/>
+                  </a:moveTo>
+                  <a:cubicBezTo>
+                    <a:pt x="8" y="72"/>
+                    <a:pt x="13" y="89"/>
+                    <a:pt x="17" y="107"/>
+                  </a:cubicBezTo>
+                  <a:cubicBezTo>
+                    <a:pt x="14" y="86"/>
+                    <a:pt x="12" y="65"/>
+                    <a:pt x="10" y="44"/>
+                  </a:cubicBezTo>
+                  <a:cubicBezTo>
+                    <a:pt x="10" y="44"/>
+                    <a:pt x="9" y="43"/>
+                    <a:pt x="9" y="43"/>
+                  </a:cubicBezTo>
+                  <a:cubicBezTo>
+                    <a:pt x="6" y="29"/>
+                    <a:pt x="3" y="14"/>
+                    <a:pt x="0" y="0"/>
+                  </a:cubicBezTo>
+                  <a:cubicBezTo>
+                    <a:pt x="0" y="2"/>
+                    <a:pt x="0" y="5"/>
+                    <a:pt x="0" y="8"/>
+                  </a:cubicBezTo>
+                  <a:cubicBezTo>
+                    <a:pt x="1" y="23"/>
+                    <a:pt x="3" y="39"/>
+                    <a:pt x="4" y="54"/>
+                  </a:cubicBezTo>
+                  <a:close/>
+                </a:path>
+              </a:pathLst>
+            </a:custGeom>
+            <a:solidFill>
+              <a:schemeClr val="tx2"/>
+            </a:solidFill>
+            <a:ln>
+              <a:noFill/>
+            </a:ln>
+          </p:spPr>
+        </p:sp>
+        <p:sp>
+          <p:nvSpPr>
+            <p:cNvPr id="18" name="Freeform 34"/>
+            <p:cNvSpPr/>
+            <p:nvPr/>
+          </p:nvSpPr>
+          <p:spPr bwMode="auto">
+            <a:xfrm>
+              <a:off x="7412038" y="2801938"/>
+              <a:ext cx="1168400" cy="2251075"/>
+            </a:xfrm>
+            <a:custGeom>
+              <a:avLst/>
+              <a:gdLst/>
+              <a:ahLst/>
+              <a:cxnLst/>
+              <a:rect l="0" t="0" r="r" b="b"/>
+              <a:pathLst>
+                <a:path w="294" h="568">
+                  <a:moveTo>
+                    <a:pt x="8" y="553"/>
+                  </a:moveTo>
+                  <a:cubicBezTo>
+                    <a:pt x="9" y="501"/>
+                    <a:pt x="19" y="448"/>
+                    <a:pt x="35" y="397"/>
+                  </a:cubicBezTo>
+                  <a:cubicBezTo>
+                    <a:pt x="51" y="347"/>
+                    <a:pt x="73" y="298"/>
+                    <a:pt x="99" y="252"/>
+                  </a:cubicBezTo>
+                  <a:cubicBezTo>
+                    <a:pt x="124" y="205"/>
+                    <a:pt x="154" y="161"/>
+                    <a:pt x="187" y="119"/>
+                  </a:cubicBezTo>
+                  <a:cubicBezTo>
+                    <a:pt x="203" y="98"/>
+                    <a:pt x="220" y="77"/>
+                    <a:pt x="238" y="58"/>
+                  </a:cubicBezTo>
+                  <a:cubicBezTo>
+                    <a:pt x="247" y="48"/>
+                    <a:pt x="256" y="38"/>
+                    <a:pt x="265" y="28"/>
+                  </a:cubicBezTo>
+                  <a:cubicBezTo>
+                    <a:pt x="274" y="19"/>
+                    <a:pt x="284" y="9"/>
+                    <a:pt x="294" y="0"/>
+                  </a:cubicBezTo>
+                  <a:cubicBezTo>
+                    <a:pt x="293" y="0"/>
+                    <a:pt x="293" y="0"/>
+                    <a:pt x="293" y="0"/>
+                  </a:cubicBezTo>
+                  <a:cubicBezTo>
+                    <a:pt x="283" y="9"/>
+                    <a:pt x="273" y="18"/>
+                    <a:pt x="264" y="27"/>
+                  </a:cubicBezTo>
+                  <a:cubicBezTo>
+                    <a:pt x="255" y="37"/>
+                    <a:pt x="246" y="47"/>
+                    <a:pt x="237" y="56"/>
+                  </a:cubicBezTo>
+                  <a:cubicBezTo>
+                    <a:pt x="218" y="76"/>
+                    <a:pt x="201" y="96"/>
+                    <a:pt x="185" y="117"/>
+                  </a:cubicBezTo>
+                  <a:cubicBezTo>
+                    <a:pt x="151" y="159"/>
+                    <a:pt x="121" y="203"/>
+                    <a:pt x="95" y="249"/>
+                  </a:cubicBezTo>
+                  <a:cubicBezTo>
+                    <a:pt x="68" y="296"/>
+                    <a:pt x="46" y="345"/>
+                    <a:pt x="30" y="396"/>
+                  </a:cubicBezTo>
+                  <a:cubicBezTo>
+                    <a:pt x="13" y="445"/>
+                    <a:pt x="3" y="497"/>
+                    <a:pt x="0" y="549"/>
+                  </a:cubicBezTo>
+                  <a:cubicBezTo>
+                    <a:pt x="3" y="555"/>
+                    <a:pt x="5" y="561"/>
+                    <a:pt x="7" y="568"/>
+                  </a:cubicBezTo>
+                  <a:cubicBezTo>
+                    <a:pt x="7" y="563"/>
+                    <a:pt x="7" y="558"/>
+                    <a:pt x="8" y="553"/>
+                  </a:cubicBezTo>
+                  <a:close/>
+                </a:path>
+              </a:pathLst>
+            </a:custGeom>
+            <a:solidFill>
+              <a:schemeClr val="tx2"/>
+            </a:solidFill>
+            <a:ln>
+              <a:noFill/>
+            </a:ln>
+          </p:spPr>
+        </p:sp>
+        <p:sp>
+          <p:nvSpPr>
+            <p:cNvPr id="19" name="Freeform 35"/>
+            <p:cNvSpPr/>
+            <p:nvPr/>
+          </p:nvSpPr>
+          <p:spPr bwMode="auto">
+            <a:xfrm>
+              <a:off x="7494588" y="5664200"/>
+              <a:ext cx="100013" cy="209550"/>
+            </a:xfrm>
+            <a:custGeom>
+              <a:avLst/>
+              <a:gdLst/>
+              <a:ahLst/>
+              <a:cxnLst/>
+              <a:rect l="0" t="0" r="r" b="b"/>
+              <a:pathLst>
+                <a:path w="25" h="53">
+                  <a:moveTo>
+                    <a:pt x="0" y="0"/>
+                  </a:moveTo>
+                  <a:cubicBezTo>
+                    <a:pt x="5" y="18"/>
+                    <a:pt x="12" y="36"/>
+                    <a:pt x="19" y="53"/>
+                  </a:cubicBezTo>
+                  <a:cubicBezTo>
+                    <a:pt x="25" y="53"/>
+                    <a:pt x="25" y="53"/>
+                    <a:pt x="25" y="53"/>
+                  </a:cubicBezTo>
+                  <a:cubicBezTo>
+                    <a:pt x="16" y="36"/>
+                    <a:pt x="8" y="18"/>
+                    <a:pt x="0" y="0"/>
+                  </a:cubicBezTo>
+                  <a:close/>
+                </a:path>
+              </a:pathLst>
+            </a:custGeom>
+            <a:solidFill>
+              <a:schemeClr val="tx2"/>
+            </a:solidFill>
+            <a:ln>
+              <a:noFill/>
+            </a:ln>
+          </p:spPr>
+        </p:sp>
+        <p:sp>
+          <p:nvSpPr>
+            <p:cNvPr id="20" name="Freeform 36"/>
+            <p:cNvSpPr/>
+            <p:nvPr/>
+          </p:nvSpPr>
+          <p:spPr bwMode="auto">
+            <a:xfrm>
+              <a:off x="7412038" y="5081588"/>
+              <a:ext cx="114300" cy="558800"/>
+            </a:xfrm>
+            <a:custGeom>
+              <a:avLst/>
+              <a:gdLst/>
+              <a:ahLst/>
+              <a:cxnLst/>
+              <a:rect l="0" t="0" r="r" b="b"/>
+              <a:pathLst>
+                <a:path w="29" h="141">
+                  <a:moveTo>
+                    <a:pt x="0" y="0"/>
+                  </a:moveTo>
+                  <a:cubicBezTo>
+                    <a:pt x="0" y="30"/>
+                    <a:pt x="2" y="60"/>
+                    <a:pt x="7" y="89"/>
+                  </a:cubicBezTo>
+                  <a:cubicBezTo>
+                    <a:pt x="11" y="98"/>
+                    <a:pt x="14" y="108"/>
+                    <a:pt x="18" y="117"/>
+                  </a:cubicBezTo>
+                  <a:cubicBezTo>
+                    <a:pt x="22" y="125"/>
+                    <a:pt x="25" y="133"/>
+                    <a:pt x="29" y="141"/>
+                  </a:cubicBezTo>
+                  <a:cubicBezTo>
+                    <a:pt x="28" y="139"/>
+                    <a:pt x="28" y="137"/>
+                    <a:pt x="27" y="135"/>
+                  </a:cubicBezTo>
+                  <a:cubicBezTo>
+                    <a:pt x="16" y="98"/>
+                    <a:pt x="10" y="60"/>
+                    <a:pt x="8" y="22"/>
+                  </a:cubicBezTo>
+                  <a:cubicBezTo>
+                    <a:pt x="7" y="18"/>
+                    <a:pt x="5" y="15"/>
+                    <a:pt x="4" y="11"/>
+                  </a:cubicBezTo>
+                  <a:cubicBezTo>
+                    <a:pt x="2" y="7"/>
+                    <a:pt x="1" y="3"/>
+                    <a:pt x="0" y="0"/>
+                  </a:cubicBezTo>
+                  <a:close/>
+                </a:path>
+              </a:pathLst>
+            </a:custGeom>
+            <a:solidFill>
+              <a:schemeClr val="tx2"/>
+            </a:solidFill>
+            <a:ln>
+              <a:noFill/>
+            </a:ln>
+          </p:spPr>
+        </p:sp>
+        <p:sp>
+          <p:nvSpPr>
+            <p:cNvPr id="21" name="Freeform 37"/>
+            <p:cNvSpPr/>
+            <p:nvPr/>
+          </p:nvSpPr>
+          <p:spPr bwMode="auto">
+            <a:xfrm>
+              <a:off x="7412038" y="4978400"/>
+              <a:ext cx="31750" cy="188913"/>
+            </a:xfrm>
+            <a:custGeom>
+              <a:avLst/>
+              <a:gdLst/>
+              <a:ahLst/>
+              <a:cxnLst/>
+              <a:rect l="0" t="0" r="r" b="b"/>
+              <a:pathLst>
+                <a:path w="8" h="48">
+                  <a:moveTo>
+                    <a:pt x="0" y="26"/>
+                  </a:moveTo>
+                  <a:cubicBezTo>
+                    <a:pt x="1" y="29"/>
+                    <a:pt x="2" y="33"/>
+                    <a:pt x="4" y="37"/>
+                  </a:cubicBezTo>
+                  <a:cubicBezTo>
+                    <a:pt x="5" y="41"/>
+                    <a:pt x="7" y="44"/>
+                    <a:pt x="8" y="48"/>
+                  </a:cubicBezTo>
+                  <a:cubicBezTo>
+                    <a:pt x="7" y="38"/>
+                    <a:pt x="7" y="28"/>
+                    <a:pt x="7" y="19"/>
+                  </a:cubicBezTo>
+                  <a:cubicBezTo>
+                    <a:pt x="5" y="12"/>
+                    <a:pt x="3" y="6"/>
+                    <a:pt x="0" y="0"/>
+                  </a:cubicBezTo>
+                  <a:cubicBezTo>
+                    <a:pt x="0" y="1"/>
+                    <a:pt x="0" y="3"/>
+                    <a:pt x="0" y="4"/>
+                  </a:cubicBezTo>
+                  <a:cubicBezTo>
+                    <a:pt x="0" y="11"/>
+                    <a:pt x="0" y="19"/>
+                    <a:pt x="0" y="26"/>
+                  </a:cubicBezTo>
+                  <a:close/>
+                </a:path>
+              </a:pathLst>
+            </a:custGeom>
+            <a:solidFill>
+              <a:schemeClr val="tx2"/>
+            </a:solidFill>
+            <a:ln>
+              <a:noFill/>
+            </a:ln>
+          </p:spPr>
+        </p:sp>
+        <p:sp>
+          <p:nvSpPr>
+            <p:cNvPr id="22" name="Freeform 38"/>
+            <p:cNvSpPr/>
+            <p:nvPr/>
+          </p:nvSpPr>
+          <p:spPr bwMode="auto">
+            <a:xfrm>
+              <a:off x="7439026" y="5434013"/>
+              <a:ext cx="174625" cy="439738"/>
+            </a:xfrm>
+            <a:custGeom>
+              <a:avLst/>
+              <a:gdLst/>
+              <a:ahLst/>
+              <a:cxnLst/>
+              <a:rect l="0" t="0" r="r" b="b"/>
+              <a:pathLst>
+                <a:path w="44" h="111">
+                  <a:moveTo>
+                    <a:pt x="11" y="28"/>
+                  </a:moveTo>
+                  <a:cubicBezTo>
+                    <a:pt x="7" y="19"/>
+                    <a:pt x="4" y="9"/>
+                    <a:pt x="0" y="0"/>
+                  </a:cubicBezTo>
+                  <a:cubicBezTo>
+                    <a:pt x="3" y="16"/>
+                    <a:pt x="7" y="33"/>
+                    <a:pt x="11" y="49"/>
+                  </a:cubicBezTo>
+                  <a:cubicBezTo>
+                    <a:pt x="12" y="52"/>
+                    <a:pt x="13" y="55"/>
+                    <a:pt x="14" y="58"/>
+                  </a:cubicBezTo>
+                  <a:cubicBezTo>
+                    <a:pt x="22" y="76"/>
+                    <a:pt x="30" y="94"/>
+                    <a:pt x="39" y="111"/>
+                  </a:cubicBezTo>
+                  <a:cubicBezTo>
+                    <a:pt x="44" y="111"/>
+                    <a:pt x="44" y="111"/>
+                    <a:pt x="44" y="111"/>
+                  </a:cubicBezTo>
+                  <a:cubicBezTo>
+                    <a:pt x="35" y="92"/>
+                    <a:pt x="28" y="72"/>
+                    <a:pt x="22" y="52"/>
+                  </a:cubicBezTo>
+                  <a:cubicBezTo>
+                    <a:pt x="18" y="44"/>
+                    <a:pt x="15" y="36"/>
+                    <a:pt x="11" y="28"/>
+                  </a:cubicBezTo>
+                  <a:close/>
+                </a:path>
+              </a:pathLst>
+            </a:custGeom>
+            <a:solidFill>
+              <a:schemeClr val="tx2"/>
+            </a:solidFill>
+            <a:ln>
+              <a:noFill/>
+            </a:ln>
+          </p:spPr>
+        </p:sp>
+      </p:grpSp>
+      <p:sp>
+        <p:nvSpPr>
+          <p:cNvPr id="7" name="Rectangle 6"/>
+          <p:cNvSpPr/>
+          <p:nvPr/>
         </p:nvSpPr>
         <p:spPr>
           <a:xfrm>
-            <a:off x="838200" y="365125"/>
-            <a:ext cx="10515600" cy="1325563"/>
+            <a:off x="0" y="0"/>
+            <a:ext cx="182880" cy="6858000"/>
+          </a:xfrm>
+          <a:prstGeom prst="rect">
+            <a:avLst/>
+          </a:prstGeom>
+          <a:solidFill>
+            <a:schemeClr val="tx2"/>
+          </a:solidFill>
+          <a:ln>
+            <a:noFill/>
+          </a:ln>
+          <a:effectLst/>
+        </p:spPr>
+        <p:style>
+          <a:lnRef idx="1">
+            <a:schemeClr val="accent1"/>
+          </a:lnRef>
+          <a:fillRef idx="3">
+            <a:schemeClr val="accent1"/>
+          </a:fillRef>
+          <a:effectRef idx="2">
+            <a:schemeClr val="accent1"/>
+          </a:effectRef>
+          <a:fontRef idx="minor">
+            <a:schemeClr val="lt1"/>
+          </a:fontRef>
+        </p:style>
+      </p:sp>
+      <p:sp>
+        <p:nvSpPr>
+          <p:cNvPr id="2" name="Title Placeholder 1"/>
+          <p:cNvSpPr>
+            <a:spLocks noGrp="1"/>
+          </p:cNvSpPr>
+          <p:nvPr>
+            <p:ph type="title"/>
+          </p:nvPr>
+        </p:nvSpPr>
+        <p:spPr>
+          <a:xfrm>
+            <a:off x="2592924" y="624110"/>
+            <a:ext cx="8911687" cy="1280890"/>
           </a:xfrm>
           <a:prstGeom prst="rect">
             <a:avLst/>
           </a:prstGeom>
         </p:spPr>
         <p:txBody>
-          <a:bodyPr vert="horz" lIns="91440" tIns="45720" rIns="91440" bIns="45720" rtlCol="0" anchor="ctr">
+          <a:bodyPr vert="horz" lIns="91440" tIns="45720" rIns="91440" bIns="45720" rtlCol="0" anchor="t">
             <a:normAutofit/>
           </a:bodyPr>
           <a:lstStyle/>
@@ -2812,19 +7060,13 @@
               <a:rPr lang="en-US"/>
               <a:t>Click to edit Master title style</a:t>
             </a:r>
-            <a:endParaRPr lang="en-CA"/>
-          </a:p>
-        </p:txBody>
-      </p:sp>
-      <p:sp>
-        <p:nvSpPr>
-          <p:cNvPr id="3" name="Text Placeholder 2">
-            <a:extLst>
-              <a:ext uri="{FF2B5EF4-FFF2-40B4-BE49-F238E27FC236}">
-                <a16:creationId xmlns:a16="http://schemas.microsoft.com/office/drawing/2014/main" id="{01C1D042-5A6A-4DF2-8CD8-B1D9B1A6E12A}"/>
-              </a:ext>
-            </a:extLst>
-          </p:cNvPr>
+            <a:endParaRPr lang="en-US" dirty="0"/>
+          </a:p>
+        </p:txBody>
+      </p:sp>
+      <p:sp>
+        <p:nvSpPr>
+          <p:cNvPr id="3" name="Text Placeholder 2"/>
           <p:cNvSpPr>
             <a:spLocks noGrp="1"/>
           </p:cNvSpPr>
@@ -2834,8 +7076,8 @@
         </p:nvSpPr>
         <p:spPr>
           <a:xfrm>
-            <a:off x="838200" y="1825625"/>
-            <a:ext cx="10515600" cy="4351338"/>
+            <a:off x="2589212" y="2133600"/>
+            <a:ext cx="8915400" cy="3886200"/>
           </a:xfrm>
           <a:prstGeom prst="rect">
             <a:avLst/>
@@ -2880,19 +7122,13 @@
               <a:rPr lang="en-US"/>
               <a:t>Fifth level</a:t>
             </a:r>
-            <a:endParaRPr lang="en-CA"/>
-          </a:p>
-        </p:txBody>
-      </p:sp>
-      <p:sp>
-        <p:nvSpPr>
-          <p:cNvPr id="4" name="Date Placeholder 3">
-            <a:extLst>
-              <a:ext uri="{FF2B5EF4-FFF2-40B4-BE49-F238E27FC236}">
-                <a16:creationId xmlns:a16="http://schemas.microsoft.com/office/drawing/2014/main" id="{ACB945CA-1965-432B-A4A1-A5BDD52DA9E2}"/>
-              </a:ext>
-            </a:extLst>
-          </p:cNvPr>
+            <a:endParaRPr lang="en-US" dirty="0"/>
+          </a:p>
+        </p:txBody>
+      </p:sp>
+      <p:sp>
+        <p:nvSpPr>
+          <p:cNvPr id="4" name="Date Placeholder 3"/>
           <p:cNvSpPr>
             <a:spLocks noGrp="1"/>
           </p:cNvSpPr>
@@ -2902,8 +7138,8 @@
         </p:nvSpPr>
         <p:spPr>
           <a:xfrm>
-            <a:off x="838200" y="6356350"/>
-            <a:ext cx="2743200" cy="365125"/>
+            <a:off x="10361612" y="6130437"/>
+            <a:ext cx="1146283" cy="370396"/>
           </a:xfrm>
           <a:prstGeom prst="rect">
             <a:avLst/>
@@ -2912,8 +7148,8 @@
         <p:txBody>
           <a:bodyPr vert="horz" lIns="91440" tIns="45720" rIns="91440" bIns="45720" rtlCol="0" anchor="ctr"/>
           <a:lstStyle>
-            <a:lvl1pPr algn="l">
-              <a:defRPr sz="1200">
+            <a:lvl1pPr algn="r">
+              <a:defRPr sz="900">
                 <a:solidFill>
                   <a:schemeClr val="tx1">
                     <a:tint val="75000"/>
@@ -2933,13 +7169,7 @@
       </p:sp>
       <p:sp>
         <p:nvSpPr>
-          <p:cNvPr id="5" name="Footer Placeholder 4">
-            <a:extLst>
-              <a:ext uri="{FF2B5EF4-FFF2-40B4-BE49-F238E27FC236}">
-                <a16:creationId xmlns:a16="http://schemas.microsoft.com/office/drawing/2014/main" id="{B15B238F-2541-4D5A-AF16-5F2449FD658E}"/>
-              </a:ext>
-            </a:extLst>
-          </p:cNvPr>
+          <p:cNvPr id="5" name="Footer Placeholder 4"/>
           <p:cNvSpPr>
             <a:spLocks noGrp="1"/>
           </p:cNvSpPr>
@@ -2949,8 +7179,8 @@
         </p:nvSpPr>
         <p:spPr>
           <a:xfrm>
-            <a:off x="4038600" y="6356350"/>
-            <a:ext cx="4114800" cy="365125"/>
+            <a:off x="2589212" y="6135808"/>
+            <a:ext cx="7619999" cy="365125"/>
           </a:xfrm>
           <a:prstGeom prst="rect">
             <a:avLst/>
@@ -2959,8 +7189,8 @@
         <p:txBody>
           <a:bodyPr vert="horz" lIns="91440" tIns="45720" rIns="91440" bIns="45720" rtlCol="0" anchor="ctr"/>
           <a:lstStyle>
-            <a:lvl1pPr algn="ctr">
-              <a:defRPr sz="1200">
+            <a:lvl1pPr algn="l">
+              <a:defRPr sz="900">
                 <a:solidFill>
                   <a:schemeClr val="tx1">
                     <a:tint val="75000"/>
@@ -2976,13 +7206,7 @@
       </p:sp>
       <p:sp>
         <p:nvSpPr>
-          <p:cNvPr id="6" name="Slide Number Placeholder 5">
-            <a:extLst>
-              <a:ext uri="{FF2B5EF4-FFF2-40B4-BE49-F238E27FC236}">
-                <a16:creationId xmlns:a16="http://schemas.microsoft.com/office/drawing/2014/main" id="{3AAEEFAE-7A32-4E54-9EDC-7928978B4BC3}"/>
-              </a:ext>
-            </a:extLst>
-          </p:cNvPr>
+          <p:cNvPr id="6" name="Slide Number Placeholder 5"/>
           <p:cNvSpPr>
             <a:spLocks noGrp="1"/>
           </p:cNvSpPr>
@@ -2990,10 +7214,10 @@
             <p:ph type="sldNum" sz="quarter" idx="4"/>
           </p:nvPr>
         </p:nvSpPr>
-        <p:spPr>
+        <p:spPr bwMode="gray">
           <a:xfrm>
-            <a:off x="8610600" y="6356350"/>
-            <a:ext cx="2743200" cy="365125"/>
+            <a:off x="531812" y="787782"/>
+            <a:ext cx="779767" cy="365125"/>
           </a:xfrm>
           <a:prstGeom prst="rect">
             <a:avLst/>
@@ -3003,11 +7227,9 @@
           <a:bodyPr vert="horz" lIns="91440" tIns="45720" rIns="91440" bIns="45720" rtlCol="0" anchor="ctr"/>
           <a:lstStyle>
             <a:lvl1pPr algn="r">
-              <a:defRPr sz="1200">
+              <a:defRPr sz="2000">
                 <a:solidFill>
-                  <a:schemeClr val="tx1">
-                    <a:tint val="75000"/>
-                  </a:schemeClr>
+                  <a:srgbClr val="FEFFFF"/>
                 </a:solidFill>
               </a:defRPr>
             </a:lvl1pPr>
@@ -3024,201 +7246,316 @@
     </p:spTree>
     <p:extLst>
       <p:ext uri="{BB962C8B-B14F-4D97-AF65-F5344CB8AC3E}">
-        <p14:creationId xmlns:p14="http://schemas.microsoft.com/office/powerpoint/2010/main" val="813415000"/>
+        <p14:creationId xmlns:p14="http://schemas.microsoft.com/office/powerpoint/2010/main" val="1071976113"/>
       </p:ext>
     </p:extLst>
   </p:cSld>
   <p:clrMap bg1="lt1" tx1="dk1" bg2="lt2" tx2="dk2" accent1="accent1" accent2="accent2" accent3="accent3" accent4="accent4" accent5="accent5" accent6="accent6" hlink="hlink" folHlink="folHlink"/>
   <p:sldLayoutIdLst>
-    <p:sldLayoutId id="2147483649" r:id="rId1"/>
-    <p:sldLayoutId id="2147483650" r:id="rId2"/>
-    <p:sldLayoutId id="2147483651" r:id="rId3"/>
-    <p:sldLayoutId id="2147483652" r:id="rId4"/>
-    <p:sldLayoutId id="2147483653" r:id="rId5"/>
-    <p:sldLayoutId id="2147483654" r:id="rId6"/>
-    <p:sldLayoutId id="2147483655" r:id="rId7"/>
-    <p:sldLayoutId id="2147483656" r:id="rId8"/>
-    <p:sldLayoutId id="2147483657" r:id="rId9"/>
-    <p:sldLayoutId id="2147483658" r:id="rId10"/>
-    <p:sldLayoutId id="2147483659" r:id="rId11"/>
+    <p:sldLayoutId id="2147483661" r:id="rId1"/>
+    <p:sldLayoutId id="2147483662" r:id="rId2"/>
+    <p:sldLayoutId id="2147483663" r:id="rId3"/>
+    <p:sldLayoutId id="2147483664" r:id="rId4"/>
+    <p:sldLayoutId id="2147483665" r:id="rId5"/>
+    <p:sldLayoutId id="2147483666" r:id="rId6"/>
+    <p:sldLayoutId id="2147483667" r:id="rId7"/>
+    <p:sldLayoutId id="2147483668" r:id="rId8"/>
+    <p:sldLayoutId id="2147483669" r:id="rId9"/>
+    <p:sldLayoutId id="2147483670" r:id="rId10"/>
+    <p:sldLayoutId id="2147483671" r:id="rId11"/>
+    <p:sldLayoutId id="2147483672" r:id="rId12"/>
+    <p:sldLayoutId id="2147483673" r:id="rId13"/>
+    <p:sldLayoutId id="2147483674" r:id="rId14"/>
+    <p:sldLayoutId id="2147483675" r:id="rId15"/>
+    <p:sldLayoutId id="2147483676" r:id="rId16"/>
   </p:sldLayoutIdLst>
   <p:txStyles>
     <p:titleStyle>
-      <a:lvl1pPr algn="l" defTabSz="914400" rtl="0" eaLnBrk="1" latinLnBrk="0" hangingPunct="1">
-        <a:lnSpc>
-          <a:spcPct val="90000"/>
-        </a:lnSpc>
+      <a:lvl1pPr algn="l" defTabSz="457200" rtl="0" eaLnBrk="1" latinLnBrk="0" hangingPunct="1">
         <a:spcBef>
           <a:spcPct val="0"/>
         </a:spcBef>
         <a:buNone/>
-        <a:defRPr sz="4400" kern="1200">
+        <a:defRPr sz="3600" kern="1200">
           <a:solidFill>
-            <a:schemeClr val="tx1"/>
+            <a:schemeClr val="tx1">
+              <a:lumMod val="85000"/>
+              <a:lumOff val="15000"/>
+            </a:schemeClr>
           </a:solidFill>
           <a:latin typeface="+mj-lt"/>
           <a:ea typeface="+mj-ea"/>
           <a:cs typeface="+mj-cs"/>
         </a:defRPr>
       </a:lvl1pPr>
+      <a:lvl2pPr eaLnBrk="1" hangingPunct="1">
+        <a:defRPr>
+          <a:solidFill>
+            <a:schemeClr val="tx2"/>
+          </a:solidFill>
+        </a:defRPr>
+      </a:lvl2pPr>
+      <a:lvl3pPr eaLnBrk="1" hangingPunct="1">
+        <a:defRPr>
+          <a:solidFill>
+            <a:schemeClr val="tx2"/>
+          </a:solidFill>
+        </a:defRPr>
+      </a:lvl3pPr>
+      <a:lvl4pPr eaLnBrk="1" hangingPunct="1">
+        <a:defRPr>
+          <a:solidFill>
+            <a:schemeClr val="tx2"/>
+          </a:solidFill>
+        </a:defRPr>
+      </a:lvl4pPr>
+      <a:lvl5pPr eaLnBrk="1" hangingPunct="1">
+        <a:defRPr>
+          <a:solidFill>
+            <a:schemeClr val="tx2"/>
+          </a:solidFill>
+        </a:defRPr>
+      </a:lvl5pPr>
+      <a:lvl6pPr eaLnBrk="1" hangingPunct="1">
+        <a:defRPr>
+          <a:solidFill>
+            <a:schemeClr val="tx2"/>
+          </a:solidFill>
+        </a:defRPr>
+      </a:lvl6pPr>
+      <a:lvl7pPr eaLnBrk="1" hangingPunct="1">
+        <a:defRPr>
+          <a:solidFill>
+            <a:schemeClr val="tx2"/>
+          </a:solidFill>
+        </a:defRPr>
+      </a:lvl7pPr>
+      <a:lvl8pPr eaLnBrk="1" hangingPunct="1">
+        <a:defRPr>
+          <a:solidFill>
+            <a:schemeClr val="tx2"/>
+          </a:solidFill>
+        </a:defRPr>
+      </a:lvl8pPr>
+      <a:lvl9pPr eaLnBrk="1" hangingPunct="1">
+        <a:defRPr>
+          <a:solidFill>
+            <a:schemeClr val="tx2"/>
+          </a:solidFill>
+        </a:defRPr>
+      </a:lvl9pPr>
     </p:titleStyle>
     <p:bodyStyle>
-      <a:lvl1pPr marL="228600" indent="-228600" algn="l" defTabSz="914400" rtl="0" eaLnBrk="1" latinLnBrk="0" hangingPunct="1">
-        <a:lnSpc>
-          <a:spcPct val="90000"/>
-        </a:lnSpc>
+      <a:lvl1pPr marL="342900" indent="-342900" algn="l" defTabSz="457200" rtl="0" eaLnBrk="1" latinLnBrk="0" hangingPunct="1">
         <a:spcBef>
           <a:spcPts val="1000"/>
         </a:spcBef>
-        <a:buFont typeface="Arial" panose="020B0604020202020204" pitchFamily="34" charset="0"/>
-        <a:buChar char="•"/>
-        <a:defRPr sz="2800" kern="1200">
+        <a:spcAft>
+          <a:spcPts val="0"/>
+        </a:spcAft>
+        <a:buClr>
+          <a:schemeClr val="accent1"/>
+        </a:buClr>
+        <a:buFont typeface="Wingdings 3" charset="2"/>
+        <a:buChar char=""/>
+        <a:defRPr sz="1800" kern="1200">
           <a:solidFill>
-            <a:schemeClr val="tx1"/>
+            <a:schemeClr val="tx1">
+              <a:lumMod val="75000"/>
+              <a:lumOff val="25000"/>
+            </a:schemeClr>
           </a:solidFill>
           <a:latin typeface="+mn-lt"/>
           <a:ea typeface="+mn-ea"/>
           <a:cs typeface="+mn-cs"/>
         </a:defRPr>
       </a:lvl1pPr>
-      <a:lvl2pPr marL="685800" indent="-228600" algn="l" defTabSz="914400" rtl="0" eaLnBrk="1" latinLnBrk="0" hangingPunct="1">
-        <a:lnSpc>
-          <a:spcPct val="90000"/>
-        </a:lnSpc>
+      <a:lvl2pPr marL="742950" indent="-285750" algn="l" defTabSz="457200" rtl="0" eaLnBrk="1" latinLnBrk="0" hangingPunct="1">
         <a:spcBef>
-          <a:spcPts val="500"/>
+          <a:spcPts val="1000"/>
         </a:spcBef>
-        <a:buFont typeface="Arial" panose="020B0604020202020204" pitchFamily="34" charset="0"/>
-        <a:buChar char="•"/>
-        <a:defRPr sz="2400" kern="1200">
+        <a:spcAft>
+          <a:spcPts val="0"/>
+        </a:spcAft>
+        <a:buClr>
+          <a:schemeClr val="accent1"/>
+        </a:buClr>
+        <a:buFont typeface="Wingdings 3" charset="2"/>
+        <a:buChar char=""/>
+        <a:defRPr sz="1600" kern="1200">
           <a:solidFill>
-            <a:schemeClr val="tx1"/>
+            <a:schemeClr val="tx1">
+              <a:lumMod val="75000"/>
+              <a:lumOff val="25000"/>
+            </a:schemeClr>
           </a:solidFill>
           <a:latin typeface="+mn-lt"/>
           <a:ea typeface="+mn-ea"/>
           <a:cs typeface="+mn-cs"/>
         </a:defRPr>
       </a:lvl2pPr>
-      <a:lvl3pPr marL="1143000" indent="-228600" algn="l" defTabSz="914400" rtl="0" eaLnBrk="1" latinLnBrk="0" hangingPunct="1">
-        <a:lnSpc>
-          <a:spcPct val="90000"/>
-        </a:lnSpc>
+      <a:lvl3pPr marL="1143000" indent="-228600" algn="l" defTabSz="457200" rtl="0" eaLnBrk="1" latinLnBrk="0" hangingPunct="1">
         <a:spcBef>
-          <a:spcPts val="500"/>
+          <a:spcPts val="1000"/>
         </a:spcBef>
-        <a:buFont typeface="Arial" panose="020B0604020202020204" pitchFamily="34" charset="0"/>
-        <a:buChar char="•"/>
-        <a:defRPr sz="2000" kern="1200">
+        <a:spcAft>
+          <a:spcPts val="0"/>
+        </a:spcAft>
+        <a:buClr>
+          <a:schemeClr val="accent1"/>
+        </a:buClr>
+        <a:buFont typeface="Wingdings 3" charset="2"/>
+        <a:buChar char=""/>
+        <a:defRPr sz="1400" kern="1200">
           <a:solidFill>
-            <a:schemeClr val="tx1"/>
+            <a:schemeClr val="tx1">
+              <a:lumMod val="75000"/>
+              <a:lumOff val="25000"/>
+            </a:schemeClr>
           </a:solidFill>
           <a:latin typeface="+mn-lt"/>
           <a:ea typeface="+mn-ea"/>
           <a:cs typeface="+mn-cs"/>
         </a:defRPr>
       </a:lvl3pPr>
-      <a:lvl4pPr marL="1600200" indent="-228600" algn="l" defTabSz="914400" rtl="0" eaLnBrk="1" latinLnBrk="0" hangingPunct="1">
-        <a:lnSpc>
-          <a:spcPct val="90000"/>
-        </a:lnSpc>
+      <a:lvl4pPr marL="1600200" indent="-228600" algn="l" defTabSz="457200" rtl="0" eaLnBrk="1" latinLnBrk="0" hangingPunct="1">
         <a:spcBef>
-          <a:spcPts val="500"/>
+          <a:spcPts val="1000"/>
         </a:spcBef>
-        <a:buFont typeface="Arial" panose="020B0604020202020204" pitchFamily="34" charset="0"/>
-        <a:buChar char="•"/>
-        <a:defRPr sz="1800" kern="1200">
+        <a:spcAft>
+          <a:spcPts val="0"/>
+        </a:spcAft>
+        <a:buClr>
+          <a:schemeClr val="accent1"/>
+        </a:buClr>
+        <a:buFont typeface="Wingdings 3" charset="2"/>
+        <a:buChar char=""/>
+        <a:defRPr sz="1200" kern="1200">
           <a:solidFill>
-            <a:schemeClr val="tx1"/>
+            <a:schemeClr val="tx1">
+              <a:lumMod val="75000"/>
+              <a:lumOff val="25000"/>
+            </a:schemeClr>
           </a:solidFill>
           <a:latin typeface="+mn-lt"/>
           <a:ea typeface="+mn-ea"/>
           <a:cs typeface="+mn-cs"/>
         </a:defRPr>
       </a:lvl4pPr>
-      <a:lvl5pPr marL="2057400" indent="-228600" algn="l" defTabSz="914400" rtl="0" eaLnBrk="1" latinLnBrk="0" hangingPunct="1">
-        <a:lnSpc>
-          <a:spcPct val="90000"/>
-        </a:lnSpc>
+      <a:lvl5pPr marL="2057400" indent="-228600" algn="l" defTabSz="457200" rtl="0" eaLnBrk="1" latinLnBrk="0" hangingPunct="1">
         <a:spcBef>
-          <a:spcPts val="500"/>
+          <a:spcPts val="1000"/>
         </a:spcBef>
-        <a:buFont typeface="Arial" panose="020B0604020202020204" pitchFamily="34" charset="0"/>
-        <a:buChar char="•"/>
-        <a:defRPr sz="1800" kern="1200">
+        <a:spcAft>
+          <a:spcPts val="0"/>
+        </a:spcAft>
+        <a:buClr>
+          <a:schemeClr val="accent1"/>
+        </a:buClr>
+        <a:buFont typeface="Wingdings 3" charset="2"/>
+        <a:buChar char=""/>
+        <a:defRPr sz="1200" kern="1200">
           <a:solidFill>
-            <a:schemeClr val="tx1"/>
+            <a:schemeClr val="tx1">
+              <a:lumMod val="75000"/>
+              <a:lumOff val="25000"/>
+            </a:schemeClr>
           </a:solidFill>
           <a:latin typeface="+mn-lt"/>
           <a:ea typeface="+mn-ea"/>
           <a:cs typeface="+mn-cs"/>
         </a:defRPr>
       </a:lvl5pPr>
-      <a:lvl6pPr marL="2514600" indent="-228600" algn="l" defTabSz="914400" rtl="0" eaLnBrk="1" latinLnBrk="0" hangingPunct="1">
-        <a:lnSpc>
-          <a:spcPct val="90000"/>
-        </a:lnSpc>
+      <a:lvl6pPr marL="2514600" indent="-228600" algn="l" defTabSz="457200" rtl="0" eaLnBrk="1" latinLnBrk="0" hangingPunct="1">
         <a:spcBef>
-          <a:spcPts val="500"/>
+          <a:spcPts val="1000"/>
         </a:spcBef>
-        <a:buFont typeface="Arial" panose="020B0604020202020204" pitchFamily="34" charset="0"/>
-        <a:buChar char="•"/>
-        <a:defRPr sz="1800" kern="1200">
+        <a:spcAft>
+          <a:spcPts val="0"/>
+        </a:spcAft>
+        <a:buClr>
+          <a:schemeClr val="accent1"/>
+        </a:buClr>
+        <a:buFont typeface="Wingdings 3" charset="2"/>
+        <a:buChar char=""/>
+        <a:defRPr sz="1200" kern="1200">
           <a:solidFill>
-            <a:schemeClr val="tx1"/>
+            <a:schemeClr val="tx1">
+              <a:lumMod val="75000"/>
+              <a:lumOff val="25000"/>
+            </a:schemeClr>
           </a:solidFill>
           <a:latin typeface="+mn-lt"/>
           <a:ea typeface="+mn-ea"/>
           <a:cs typeface="+mn-cs"/>
         </a:defRPr>
       </a:lvl6pPr>
-      <a:lvl7pPr marL="2971800" indent="-228600" algn="l" defTabSz="914400" rtl="0" eaLnBrk="1" latinLnBrk="0" hangingPunct="1">
-        <a:lnSpc>
-          <a:spcPct val="90000"/>
-        </a:lnSpc>
+      <a:lvl7pPr marL="2971800" indent="-228600" algn="l" defTabSz="457200" rtl="0" eaLnBrk="1" latinLnBrk="0" hangingPunct="1">
         <a:spcBef>
-          <a:spcPts val="500"/>
+          <a:spcPts val="1000"/>
         </a:spcBef>
-        <a:buFont typeface="Arial" panose="020B0604020202020204" pitchFamily="34" charset="0"/>
-        <a:buChar char="•"/>
-        <a:defRPr sz="1800" kern="1200">
+        <a:spcAft>
+          <a:spcPts val="0"/>
+        </a:spcAft>
+        <a:buClr>
+          <a:schemeClr val="accent1"/>
+        </a:buClr>
+        <a:buFont typeface="Wingdings 3" charset="2"/>
+        <a:buChar char=""/>
+        <a:defRPr sz="1200" kern="1200">
           <a:solidFill>
-            <a:schemeClr val="tx1"/>
+            <a:schemeClr val="tx1">
+              <a:lumMod val="75000"/>
+              <a:lumOff val="25000"/>
+            </a:schemeClr>
           </a:solidFill>
           <a:latin typeface="+mn-lt"/>
           <a:ea typeface="+mn-ea"/>
           <a:cs typeface="+mn-cs"/>
         </a:defRPr>
       </a:lvl7pPr>
-      <a:lvl8pPr marL="3429000" indent="-228600" algn="l" defTabSz="914400" rtl="0" eaLnBrk="1" latinLnBrk="0" hangingPunct="1">
-        <a:lnSpc>
-          <a:spcPct val="90000"/>
-        </a:lnSpc>
+      <a:lvl8pPr marL="3429000" indent="-228600" algn="l" defTabSz="457200" rtl="0" eaLnBrk="1" latinLnBrk="0" hangingPunct="1">
         <a:spcBef>
-          <a:spcPts val="500"/>
+          <a:spcPts val="1000"/>
         </a:spcBef>
-        <a:buFont typeface="Arial" panose="020B0604020202020204" pitchFamily="34" charset="0"/>
-        <a:buChar char="•"/>
-        <a:defRPr sz="1800" kern="1200">
+        <a:spcAft>
+          <a:spcPts val="0"/>
+        </a:spcAft>
+        <a:buClr>
+          <a:schemeClr val="accent1"/>
+        </a:buClr>
+        <a:buFont typeface="Wingdings 3" charset="2"/>
+        <a:buChar char=""/>
+        <a:defRPr sz="1200" kern="1200">
           <a:solidFill>
-            <a:schemeClr val="tx1"/>
+            <a:schemeClr val="tx1">
+              <a:lumMod val="75000"/>
+              <a:lumOff val="25000"/>
+            </a:schemeClr>
           </a:solidFill>
           <a:latin typeface="+mn-lt"/>
           <a:ea typeface="+mn-ea"/>
           <a:cs typeface="+mn-cs"/>
         </a:defRPr>
       </a:lvl8pPr>
-      <a:lvl9pPr marL="3886200" indent="-228600" algn="l" defTabSz="914400" rtl="0" eaLnBrk="1" latinLnBrk="0" hangingPunct="1">
-        <a:lnSpc>
-          <a:spcPct val="90000"/>
-        </a:lnSpc>
+      <a:lvl9pPr marL="3886200" indent="-228600" algn="l" defTabSz="457200" rtl="0" eaLnBrk="1" latinLnBrk="0" hangingPunct="1">
         <a:spcBef>
-          <a:spcPts val="500"/>
+          <a:spcPts val="1000"/>
         </a:spcBef>
-        <a:buFont typeface="Arial" panose="020B0604020202020204" pitchFamily="34" charset="0"/>
-        <a:buChar char="•"/>
-        <a:defRPr sz="1800" kern="1200">
+        <a:spcAft>
+          <a:spcPts val="0"/>
+        </a:spcAft>
+        <a:buClr>
+          <a:schemeClr val="accent1"/>
+        </a:buClr>
+        <a:buFont typeface="Wingdings 3" charset="2"/>
+        <a:buChar char=""/>
+        <a:defRPr sz="1200" kern="1200">
           <a:solidFill>
-            <a:schemeClr val="tx1"/>
+            <a:schemeClr val="tx1">
+              <a:lumMod val="75000"/>
+              <a:lumOff val="25000"/>
+            </a:schemeClr>
           </a:solidFill>
           <a:latin typeface="+mn-lt"/>
           <a:ea typeface="+mn-ea"/>
@@ -3230,7 +7567,7 @@
       <a:defPPr>
         <a:defRPr lang="en-US"/>
       </a:defPPr>
-      <a:lvl1pPr marL="0" algn="l" defTabSz="914400" rtl="0" eaLnBrk="1" latinLnBrk="0" hangingPunct="1">
+      <a:lvl1pPr marL="0" algn="l" defTabSz="457200" rtl="0" eaLnBrk="1" latinLnBrk="0" hangingPunct="1">
         <a:defRPr sz="1800" kern="1200">
           <a:solidFill>
             <a:schemeClr val="tx1"/>
@@ -3240,7 +7577,7 @@
           <a:cs typeface="+mn-cs"/>
         </a:defRPr>
       </a:lvl1pPr>
-      <a:lvl2pPr marL="457200" algn="l" defTabSz="914400" rtl="0" eaLnBrk="1" latinLnBrk="0" hangingPunct="1">
+      <a:lvl2pPr marL="457200" algn="l" defTabSz="457200" rtl="0" eaLnBrk="1" latinLnBrk="0" hangingPunct="1">
         <a:defRPr sz="1800" kern="1200">
           <a:solidFill>
             <a:schemeClr val="tx1"/>
@@ -3250,7 +7587,7 @@
           <a:cs typeface="+mn-cs"/>
         </a:defRPr>
       </a:lvl2pPr>
-      <a:lvl3pPr marL="914400" algn="l" defTabSz="914400" rtl="0" eaLnBrk="1" latinLnBrk="0" hangingPunct="1">
+      <a:lvl3pPr marL="914400" algn="l" defTabSz="457200" rtl="0" eaLnBrk="1" latinLnBrk="0" hangingPunct="1">
         <a:defRPr sz="1800" kern="1200">
           <a:solidFill>
             <a:schemeClr val="tx1"/>
@@ -3260,7 +7597,7 @@
           <a:cs typeface="+mn-cs"/>
         </a:defRPr>
       </a:lvl3pPr>
-      <a:lvl4pPr marL="1371600" algn="l" defTabSz="914400" rtl="0" eaLnBrk="1" latinLnBrk="0" hangingPunct="1">
+      <a:lvl4pPr marL="1371600" algn="l" defTabSz="457200" rtl="0" eaLnBrk="1" latinLnBrk="0" hangingPunct="1">
         <a:defRPr sz="1800" kern="1200">
           <a:solidFill>
             <a:schemeClr val="tx1"/>
@@ -3270,7 +7607,7 @@
           <a:cs typeface="+mn-cs"/>
         </a:defRPr>
       </a:lvl4pPr>
-      <a:lvl5pPr marL="1828800" algn="l" defTabSz="914400" rtl="0" eaLnBrk="1" latinLnBrk="0" hangingPunct="1">
+      <a:lvl5pPr marL="1828800" algn="l" defTabSz="457200" rtl="0" eaLnBrk="1" latinLnBrk="0" hangingPunct="1">
         <a:defRPr sz="1800" kern="1200">
           <a:solidFill>
             <a:schemeClr val="tx1"/>
@@ -3280,7 +7617,7 @@
           <a:cs typeface="+mn-cs"/>
         </a:defRPr>
       </a:lvl5pPr>
-      <a:lvl6pPr marL="2286000" algn="l" defTabSz="914400" rtl="0" eaLnBrk="1" latinLnBrk="0" hangingPunct="1">
+      <a:lvl6pPr marL="2286000" algn="l" defTabSz="457200" rtl="0" eaLnBrk="1" latinLnBrk="0" hangingPunct="1">
         <a:defRPr sz="1800" kern="1200">
           <a:solidFill>
             <a:schemeClr val="tx1"/>
@@ -3290,7 +7627,7 @@
           <a:cs typeface="+mn-cs"/>
         </a:defRPr>
       </a:lvl6pPr>
-      <a:lvl7pPr marL="2743200" algn="l" defTabSz="914400" rtl="0" eaLnBrk="1" latinLnBrk="0" hangingPunct="1">
+      <a:lvl7pPr marL="2743200" algn="l" defTabSz="457200" rtl="0" eaLnBrk="1" latinLnBrk="0" hangingPunct="1">
         <a:defRPr sz="1800" kern="1200">
           <a:solidFill>
             <a:schemeClr val="tx1"/>
@@ -3300,7 +7637,7 @@
           <a:cs typeface="+mn-cs"/>
         </a:defRPr>
       </a:lvl7pPr>
-      <a:lvl8pPr marL="3200400" algn="l" defTabSz="914400" rtl="0" eaLnBrk="1" latinLnBrk="0" hangingPunct="1">
+      <a:lvl8pPr marL="3200400" algn="l" defTabSz="457200" rtl="0" eaLnBrk="1" latinLnBrk="0" hangingPunct="1">
         <a:defRPr sz="1800" kern="1200">
           <a:solidFill>
             <a:schemeClr val="tx1"/>
@@ -3310,7 +7647,7 @@
           <a:cs typeface="+mn-cs"/>
         </a:defRPr>
       </a:lvl8pPr>
-      <a:lvl9pPr marL="3657600" algn="l" defTabSz="914400" rtl="0" eaLnBrk="1" latinLnBrk="0" hangingPunct="1">
+      <a:lvl9pPr marL="3657600" algn="l" defTabSz="457200" rtl="0" eaLnBrk="1" latinLnBrk="0" hangingPunct="1">
         <a:defRPr sz="1800" kern="1200">
           <a:solidFill>
             <a:schemeClr val="tx1"/>
@@ -3392,7 +7729,7 @@
           <a:lstStyle/>
           <a:p>
             <a:r>
-              <a:rPr lang="en-CA"/>
+              <a:rPr lang="en-CA" dirty="0"/>
               <a:t>Of Toronto</a:t>
             </a:r>
           </a:p>
@@ -3411,10 +7748,829 @@
 </p:sld>
 </file>
 
+<file path=ppt/slides/slide2.xml><?xml version="1.0" encoding="utf-8"?>
+<p:sld xmlns:a="http://schemas.openxmlformats.org/drawingml/2006/main" xmlns:r="http://schemas.openxmlformats.org/officeDocument/2006/relationships" xmlns:p="http://schemas.openxmlformats.org/presentationml/2006/main">
+  <p:cSld>
+    <p:spTree>
+      <p:nvGrpSpPr>
+        <p:cNvPr id="1" name=""/>
+        <p:cNvGrpSpPr/>
+        <p:nvPr/>
+      </p:nvGrpSpPr>
+      <p:grpSpPr>
+        <a:xfrm>
+          <a:off x="0" y="0"/>
+          <a:ext cx="0" cy="0"/>
+          <a:chOff x="0" y="0"/>
+          <a:chExt cx="0" cy="0"/>
+        </a:xfrm>
+      </p:grpSpPr>
+      <p:sp>
+        <p:nvSpPr>
+          <p:cNvPr id="3" name="Content Placeholder 2">
+            <a:extLst>
+              <a:ext uri="{FF2B5EF4-FFF2-40B4-BE49-F238E27FC236}">
+                <a16:creationId xmlns:a16="http://schemas.microsoft.com/office/drawing/2014/main" id="{812B2BB5-E8C8-458A-9BE5-21B0DD41B7E2}"/>
+              </a:ext>
+            </a:extLst>
+          </p:cNvPr>
+          <p:cNvSpPr>
+            <a:spLocks noGrp="1"/>
+          </p:cNvSpPr>
+          <p:nvPr>
+            <p:ph idx="1"/>
+          </p:nvPr>
+        </p:nvSpPr>
+        <p:spPr/>
+        <p:txBody>
+          <a:bodyPr/>
+          <a:lstStyle/>
+          <a:p>
+            <a:pPr marL="0" indent="0" algn="ctr">
+              <a:buNone/>
+            </a:pPr>
+            <a:r>
+              <a:rPr lang="en-CA" sz="2800" dirty="0"/>
+              <a:t>According to the Coffee Association of Canada, in a 2017 study, 71% of participants responded that they had consumed coffee the previous day. Obviously, we are a population who loves coffee. This offers a huge market for entrepreneurs who want to satisfy this desire for coffee. </a:t>
+            </a:r>
+          </a:p>
+          <a:p>
+            <a:endParaRPr lang="en-CA" dirty="0"/>
+          </a:p>
+        </p:txBody>
+      </p:sp>
+    </p:spTree>
+    <p:extLst>
+      <p:ext uri="{BB962C8B-B14F-4D97-AF65-F5344CB8AC3E}">
+        <p14:creationId xmlns:p14="http://schemas.microsoft.com/office/powerpoint/2010/main" val="1853285155"/>
+      </p:ext>
+    </p:extLst>
+  </p:cSld>
+  <p:clrMapOvr>
+    <a:masterClrMapping/>
+  </p:clrMapOvr>
+</p:sld>
+</file>
+
+<file path=ppt/slides/slide3.xml><?xml version="1.0" encoding="utf-8"?>
+<p:sld xmlns:a="http://schemas.openxmlformats.org/drawingml/2006/main" xmlns:r="http://schemas.openxmlformats.org/officeDocument/2006/relationships" xmlns:p="http://schemas.openxmlformats.org/presentationml/2006/main">
+  <p:cSld>
+    <p:spTree>
+      <p:nvGrpSpPr>
+        <p:cNvPr id="1" name=""/>
+        <p:cNvGrpSpPr/>
+        <p:nvPr/>
+      </p:nvGrpSpPr>
+      <p:grpSpPr>
+        <a:xfrm>
+          <a:off x="0" y="0"/>
+          <a:ext cx="0" cy="0"/>
+          <a:chOff x="0" y="0"/>
+          <a:chExt cx="0" cy="0"/>
+        </a:xfrm>
+      </p:grpSpPr>
+      <p:sp>
+        <p:nvSpPr>
+          <p:cNvPr id="3" name="Content Placeholder 2">
+            <a:extLst>
+              <a:ext uri="{FF2B5EF4-FFF2-40B4-BE49-F238E27FC236}">
+                <a16:creationId xmlns:a16="http://schemas.microsoft.com/office/drawing/2014/main" id="{C8E779D3-BF4B-4E89-9D11-081A7E84F5DA}"/>
+              </a:ext>
+            </a:extLst>
+          </p:cNvPr>
+          <p:cNvSpPr>
+            <a:spLocks noGrp="1"/>
+          </p:cNvSpPr>
+          <p:nvPr>
+            <p:ph idx="1"/>
+          </p:nvPr>
+        </p:nvSpPr>
+        <p:spPr>
+          <a:xfrm>
+            <a:off x="2589212" y="2133600"/>
+            <a:ext cx="8107363" cy="3777622"/>
+          </a:xfrm>
+        </p:spPr>
+        <p:txBody>
+          <a:bodyPr>
+            <a:normAutofit/>
+          </a:bodyPr>
+          <a:lstStyle/>
+          <a:p>
+            <a:pPr marL="0" indent="0" algn="ctr">
+              <a:buNone/>
+            </a:pPr>
+            <a:r>
+              <a:rPr lang="en-CA" sz="2400" dirty="0"/>
+              <a:t>In order to determine which neighborhood might offer the best opportunity for opening a coffee house in Toronto, we will look at the current coffee distribution per neighborhood and also consider the population of each neighborhood.</a:t>
+            </a:r>
+          </a:p>
+        </p:txBody>
+      </p:sp>
+    </p:spTree>
+    <p:extLst>
+      <p:ext uri="{BB962C8B-B14F-4D97-AF65-F5344CB8AC3E}">
+        <p14:creationId xmlns:p14="http://schemas.microsoft.com/office/powerpoint/2010/main" val="3036761562"/>
+      </p:ext>
+    </p:extLst>
+  </p:cSld>
+  <p:clrMapOvr>
+    <a:masterClrMapping/>
+  </p:clrMapOvr>
+</p:sld>
+</file>
+
+<file path=ppt/slides/slide4.xml><?xml version="1.0" encoding="utf-8"?>
+<p:sld xmlns:a="http://schemas.openxmlformats.org/drawingml/2006/main" xmlns:r="http://schemas.openxmlformats.org/officeDocument/2006/relationships" xmlns:p="http://schemas.openxmlformats.org/presentationml/2006/main">
+  <p:cSld>
+    <p:spTree>
+      <p:nvGrpSpPr>
+        <p:cNvPr id="1" name=""/>
+        <p:cNvGrpSpPr/>
+        <p:nvPr/>
+      </p:nvGrpSpPr>
+      <p:grpSpPr>
+        <a:xfrm>
+          <a:off x="0" y="0"/>
+          <a:ext cx="0" cy="0"/>
+          <a:chOff x="0" y="0"/>
+          <a:chExt cx="0" cy="0"/>
+        </a:xfrm>
+      </p:grpSpPr>
+      <p:sp>
+        <p:nvSpPr>
+          <p:cNvPr id="2" name="Title 1">
+            <a:extLst>
+              <a:ext uri="{FF2B5EF4-FFF2-40B4-BE49-F238E27FC236}">
+                <a16:creationId xmlns:a16="http://schemas.microsoft.com/office/drawing/2014/main" id="{A599988A-E812-43B5-A8DF-93E48D8A702A}"/>
+              </a:ext>
+            </a:extLst>
+          </p:cNvPr>
+          <p:cNvSpPr>
+            <a:spLocks noGrp="1"/>
+          </p:cNvSpPr>
+          <p:nvPr>
+            <p:ph type="title"/>
+          </p:nvPr>
+        </p:nvSpPr>
+        <p:spPr/>
+        <p:txBody>
+          <a:bodyPr>
+            <a:normAutofit fontScale="90000"/>
+          </a:bodyPr>
+          <a:lstStyle/>
+          <a:p>
+            <a:r>
+              <a:rPr lang="en-CA" sz="2200" dirty="0"/>
+              <a:t>Based on data from this report, there are 1177 coffee locations in Toronto spread over 140 neighborhoods. </a:t>
+            </a:r>
+            <a:br>
+              <a:rPr lang="en-CA" dirty="0"/>
+            </a:br>
+            <a:endParaRPr lang="en-CA" dirty="0"/>
+          </a:p>
+        </p:txBody>
+      </p:sp>
+      <p:pic>
+        <p:nvPicPr>
+          <p:cNvPr id="24" name="Content Placeholder 23">
+            <a:extLst>
+              <a:ext uri="{FF2B5EF4-FFF2-40B4-BE49-F238E27FC236}">
+                <a16:creationId xmlns:a16="http://schemas.microsoft.com/office/drawing/2014/main" id="{DE53B452-0C3A-4575-87DD-1DA849228DCD}"/>
+              </a:ext>
+            </a:extLst>
+          </p:cNvPr>
+          <p:cNvPicPr>
+            <a:picLocks noGrp="1" noChangeAspect="1"/>
+          </p:cNvPicPr>
+          <p:nvPr>
+            <p:ph idx="1"/>
+          </p:nvPr>
+        </p:nvPicPr>
+        <p:blipFill>
+          <a:blip r:embed="rId2">
+            <a:extLst>
+              <a:ext uri="{28A0092B-C50C-407E-A947-70E740481C1C}">
+                <a14:useLocalDpi xmlns:a14="http://schemas.microsoft.com/office/drawing/2010/main" val="0"/>
+              </a:ext>
+            </a:extLst>
+          </a:blip>
+          <a:stretch>
+            <a:fillRect/>
+          </a:stretch>
+        </p:blipFill>
+        <p:spPr>
+          <a:xfrm>
+            <a:off x="3298190" y="1688676"/>
+            <a:ext cx="6878320" cy="4585546"/>
+          </a:xfrm>
+        </p:spPr>
+      </p:pic>
+    </p:spTree>
+    <p:extLst>
+      <p:ext uri="{BB962C8B-B14F-4D97-AF65-F5344CB8AC3E}">
+        <p14:creationId xmlns:p14="http://schemas.microsoft.com/office/powerpoint/2010/main" val="36149368"/>
+      </p:ext>
+    </p:extLst>
+  </p:cSld>
+  <p:clrMapOvr>
+    <a:masterClrMapping/>
+  </p:clrMapOvr>
+</p:sld>
+</file>
+
+<file path=ppt/slides/slide5.xml><?xml version="1.0" encoding="utf-8"?>
+<p:sld xmlns:a="http://schemas.openxmlformats.org/drawingml/2006/main" xmlns:r="http://schemas.openxmlformats.org/officeDocument/2006/relationships" xmlns:p="http://schemas.openxmlformats.org/presentationml/2006/main">
+  <p:cSld>
+    <p:spTree>
+      <p:nvGrpSpPr>
+        <p:cNvPr id="1" name=""/>
+        <p:cNvGrpSpPr/>
+        <p:nvPr/>
+      </p:nvGrpSpPr>
+      <p:grpSpPr>
+        <a:xfrm>
+          <a:off x="0" y="0"/>
+          <a:ext cx="0" cy="0"/>
+          <a:chOff x="0" y="0"/>
+          <a:chExt cx="0" cy="0"/>
+        </a:xfrm>
+      </p:grpSpPr>
+      <p:sp>
+        <p:nvSpPr>
+          <p:cNvPr id="2" name="Title 1">
+            <a:extLst>
+              <a:ext uri="{FF2B5EF4-FFF2-40B4-BE49-F238E27FC236}">
+                <a16:creationId xmlns:a16="http://schemas.microsoft.com/office/drawing/2014/main" id="{231B6718-3D9E-4045-8289-A01B9C4B593D}"/>
+              </a:ext>
+            </a:extLst>
+          </p:cNvPr>
+          <p:cNvSpPr>
+            <a:spLocks noGrp="1"/>
+          </p:cNvSpPr>
+          <p:nvPr>
+            <p:ph type="title"/>
+          </p:nvPr>
+        </p:nvSpPr>
+        <p:spPr/>
+        <p:txBody>
+          <a:bodyPr/>
+          <a:lstStyle/>
+          <a:p>
+            <a:pPr algn="ctr"/>
+            <a:r>
+              <a:rPr lang="en-CA" dirty="0"/>
+              <a:t>Neighborhoods with the highest number of coffee locations</a:t>
+            </a:r>
+          </a:p>
+        </p:txBody>
+      </p:sp>
+      <p:sp>
+        <p:nvSpPr>
+          <p:cNvPr id="3" name="Content Placeholder 2">
+            <a:extLst>
+              <a:ext uri="{FF2B5EF4-FFF2-40B4-BE49-F238E27FC236}">
+                <a16:creationId xmlns:a16="http://schemas.microsoft.com/office/drawing/2014/main" id="{F64C7FF6-26C0-4ED8-8F1E-C5B65535606B}"/>
+              </a:ext>
+            </a:extLst>
+          </p:cNvPr>
+          <p:cNvSpPr>
+            <a:spLocks noGrp="1"/>
+          </p:cNvSpPr>
+          <p:nvPr>
+            <p:ph idx="1"/>
+          </p:nvPr>
+        </p:nvSpPr>
+        <p:spPr/>
+        <p:txBody>
+          <a:bodyPr>
+            <a:normAutofit/>
+          </a:bodyPr>
+          <a:lstStyle/>
+          <a:p>
+            <a:pPr>
+              <a:buFont typeface="+mj-lt"/>
+              <a:buAutoNum type="arabicPeriod"/>
+            </a:pPr>
+            <a:r>
+              <a:rPr lang="en-CA" sz="2400" dirty="0"/>
+              <a:t>Bay Street Corridor</a:t>
+            </a:r>
+          </a:p>
+          <a:p>
+            <a:pPr>
+              <a:buFont typeface="+mj-lt"/>
+              <a:buAutoNum type="arabicPeriod"/>
+            </a:pPr>
+            <a:r>
+              <a:rPr lang="en-CA" sz="2400" dirty="0"/>
+              <a:t>Kensington-Chinatown</a:t>
+            </a:r>
+          </a:p>
+          <a:p>
+            <a:pPr>
+              <a:buFont typeface="+mj-lt"/>
+              <a:buAutoNum type="arabicPeriod"/>
+            </a:pPr>
+            <a:r>
+              <a:rPr lang="en-CA" sz="2400" dirty="0"/>
+              <a:t>Church-Yonge Corridor</a:t>
+            </a:r>
+          </a:p>
+          <a:p>
+            <a:pPr>
+              <a:buFont typeface="+mj-lt"/>
+              <a:buAutoNum type="arabicPeriod"/>
+            </a:pPr>
+            <a:r>
+              <a:rPr lang="en-CA" sz="2400" dirty="0"/>
+              <a:t>Waterfront Communities-The Island</a:t>
+            </a:r>
+          </a:p>
+          <a:p>
+            <a:pPr>
+              <a:buFont typeface="+mj-lt"/>
+              <a:buAutoNum type="arabicPeriod"/>
+            </a:pPr>
+            <a:r>
+              <a:rPr lang="en-CA" sz="2400" dirty="0"/>
+              <a:t>Annex</a:t>
+            </a:r>
+          </a:p>
+        </p:txBody>
+      </p:sp>
+    </p:spTree>
+    <p:extLst>
+      <p:ext uri="{BB962C8B-B14F-4D97-AF65-F5344CB8AC3E}">
+        <p14:creationId xmlns:p14="http://schemas.microsoft.com/office/powerpoint/2010/main" val="691962840"/>
+      </p:ext>
+    </p:extLst>
+  </p:cSld>
+  <p:clrMapOvr>
+    <a:masterClrMapping/>
+  </p:clrMapOvr>
+</p:sld>
+</file>
+
+<file path=ppt/slides/slide6.xml><?xml version="1.0" encoding="utf-8"?>
+<p:sld xmlns:a="http://schemas.openxmlformats.org/drawingml/2006/main" xmlns:r="http://schemas.openxmlformats.org/officeDocument/2006/relationships" xmlns:p="http://schemas.openxmlformats.org/presentationml/2006/main">
+  <p:cSld>
+    <p:spTree>
+      <p:nvGrpSpPr>
+        <p:cNvPr id="1" name=""/>
+        <p:cNvGrpSpPr/>
+        <p:nvPr/>
+      </p:nvGrpSpPr>
+      <p:grpSpPr>
+        <a:xfrm>
+          <a:off x="0" y="0"/>
+          <a:ext cx="0" cy="0"/>
+          <a:chOff x="0" y="0"/>
+          <a:chExt cx="0" cy="0"/>
+        </a:xfrm>
+      </p:grpSpPr>
+      <p:sp>
+        <p:nvSpPr>
+          <p:cNvPr id="2" name="Title 1">
+            <a:extLst>
+              <a:ext uri="{FF2B5EF4-FFF2-40B4-BE49-F238E27FC236}">
+                <a16:creationId xmlns:a16="http://schemas.microsoft.com/office/drawing/2014/main" id="{1FA21652-0429-492E-BE39-DDFEB3A9A273}"/>
+              </a:ext>
+            </a:extLst>
+          </p:cNvPr>
+          <p:cNvSpPr>
+            <a:spLocks noGrp="1"/>
+          </p:cNvSpPr>
+          <p:nvPr>
+            <p:ph type="title"/>
+          </p:nvPr>
+        </p:nvSpPr>
+        <p:spPr/>
+        <p:txBody>
+          <a:bodyPr/>
+          <a:lstStyle/>
+          <a:p>
+            <a:pPr algn="ctr"/>
+            <a:r>
+              <a:rPr lang="en-CA" dirty="0"/>
+              <a:t>Neighborhoods with the lowest number of coffee locations</a:t>
+            </a:r>
+          </a:p>
+        </p:txBody>
+      </p:sp>
+      <p:sp>
+        <p:nvSpPr>
+          <p:cNvPr id="3" name="Content Placeholder 2">
+            <a:extLst>
+              <a:ext uri="{FF2B5EF4-FFF2-40B4-BE49-F238E27FC236}">
+                <a16:creationId xmlns:a16="http://schemas.microsoft.com/office/drawing/2014/main" id="{3539EAA0-58E9-4010-94A5-4AAAE2039692}"/>
+              </a:ext>
+            </a:extLst>
+          </p:cNvPr>
+          <p:cNvSpPr>
+            <a:spLocks noGrp="1"/>
+          </p:cNvSpPr>
+          <p:nvPr>
+            <p:ph idx="1"/>
+          </p:nvPr>
+        </p:nvSpPr>
+        <p:spPr/>
+        <p:txBody>
+          <a:bodyPr>
+            <a:normAutofit/>
+          </a:bodyPr>
+          <a:lstStyle/>
+          <a:p>
+            <a:pPr>
+              <a:buFont typeface="+mj-lt"/>
+              <a:buAutoNum type="arabicPeriod"/>
+            </a:pPr>
+            <a:r>
+              <a:rPr lang="en-CA" sz="2400" dirty="0"/>
+              <a:t>Steeles</a:t>
+            </a:r>
+          </a:p>
+          <a:p>
+            <a:pPr>
+              <a:buFont typeface="+mj-lt"/>
+              <a:buAutoNum type="arabicPeriod"/>
+            </a:pPr>
+            <a:r>
+              <a:rPr lang="en-CA" sz="2400" dirty="0"/>
+              <a:t>Lansing-Westgate</a:t>
+            </a:r>
+          </a:p>
+          <a:p>
+            <a:pPr>
+              <a:buFont typeface="+mj-lt"/>
+              <a:buAutoNum type="arabicPeriod"/>
+            </a:pPr>
+            <a:r>
+              <a:rPr lang="en-CA" sz="2400" dirty="0" err="1"/>
+              <a:t>Cliffcrest</a:t>
+            </a:r>
+            <a:endParaRPr lang="en-CA" sz="2400" dirty="0"/>
+          </a:p>
+          <a:p>
+            <a:pPr>
+              <a:buFont typeface="+mj-lt"/>
+              <a:buAutoNum type="arabicPeriod"/>
+            </a:pPr>
+            <a:r>
+              <a:rPr lang="en-CA" sz="2400" dirty="0"/>
+              <a:t>Oakridge</a:t>
+            </a:r>
+          </a:p>
+          <a:p>
+            <a:pPr>
+              <a:buFont typeface="+mj-lt"/>
+              <a:buAutoNum type="arabicPeriod"/>
+            </a:pPr>
+            <a:r>
+              <a:rPr lang="en-CA" sz="2400" dirty="0"/>
+              <a:t>Princess-</a:t>
+            </a:r>
+            <a:r>
+              <a:rPr lang="en-CA" sz="2400" dirty="0" err="1"/>
+              <a:t>Rosethorn</a:t>
+            </a:r>
+            <a:endParaRPr lang="en-CA" sz="2400" dirty="0"/>
+          </a:p>
+        </p:txBody>
+      </p:sp>
+    </p:spTree>
+    <p:extLst>
+      <p:ext uri="{BB962C8B-B14F-4D97-AF65-F5344CB8AC3E}">
+        <p14:creationId xmlns:p14="http://schemas.microsoft.com/office/powerpoint/2010/main" val="2650237277"/>
+      </p:ext>
+    </p:extLst>
+  </p:cSld>
+  <p:clrMapOvr>
+    <a:masterClrMapping/>
+  </p:clrMapOvr>
+</p:sld>
+</file>
+
+<file path=ppt/slides/slide7.xml><?xml version="1.0" encoding="utf-8"?>
+<p:sld xmlns:a="http://schemas.openxmlformats.org/drawingml/2006/main" xmlns:r="http://schemas.openxmlformats.org/officeDocument/2006/relationships" xmlns:p="http://schemas.openxmlformats.org/presentationml/2006/main">
+  <p:cSld>
+    <p:spTree>
+      <p:nvGrpSpPr>
+        <p:cNvPr id="1" name=""/>
+        <p:cNvGrpSpPr/>
+        <p:nvPr/>
+      </p:nvGrpSpPr>
+      <p:grpSpPr>
+        <a:xfrm>
+          <a:off x="0" y="0"/>
+          <a:ext cx="0" cy="0"/>
+          <a:chOff x="0" y="0"/>
+          <a:chExt cx="0" cy="0"/>
+        </a:xfrm>
+      </p:grpSpPr>
+      <p:sp>
+        <p:nvSpPr>
+          <p:cNvPr id="3" name="Content Placeholder 2">
+            <a:extLst>
+              <a:ext uri="{FF2B5EF4-FFF2-40B4-BE49-F238E27FC236}">
+                <a16:creationId xmlns:a16="http://schemas.microsoft.com/office/drawing/2014/main" id="{881F1128-46C4-490E-9FBF-8C646F859EE5}"/>
+              </a:ext>
+            </a:extLst>
+          </p:cNvPr>
+          <p:cNvSpPr>
+            <a:spLocks noGrp="1"/>
+          </p:cNvSpPr>
+          <p:nvPr>
+            <p:ph idx="1"/>
+          </p:nvPr>
+        </p:nvSpPr>
+        <p:spPr>
+          <a:xfrm>
+            <a:off x="2589212" y="1485900"/>
+            <a:ext cx="8915400" cy="4425322"/>
+          </a:xfrm>
+        </p:spPr>
+        <p:txBody>
+          <a:bodyPr>
+            <a:normAutofit/>
+          </a:bodyPr>
+          <a:lstStyle/>
+          <a:p>
+            <a:pPr marL="0" indent="0">
+              <a:buNone/>
+            </a:pPr>
+            <a:r>
+              <a:rPr lang="en-CA" sz="2000" dirty="0"/>
+              <a:t>When looking at this data, we might assume that the neighbourhoods with the highest number of coffee houses are likely already saturated, and therefore, would not be the ideal place to open a new location.</a:t>
+            </a:r>
+          </a:p>
+          <a:p>
+            <a:pPr marL="0" indent="0">
+              <a:buNone/>
+            </a:pPr>
+            <a:r>
+              <a:rPr lang="en-CA" sz="2000" dirty="0"/>
+              <a:t> </a:t>
+            </a:r>
+          </a:p>
+          <a:p>
+            <a:pPr marL="0" indent="0">
+              <a:buNone/>
+            </a:pPr>
+            <a:r>
+              <a:rPr lang="en-CA" sz="2000" dirty="0"/>
+              <a:t>A better approach might be to determine the neighborhoods which have the highest population to coffee house ratio. These neighborhoods are not yet saturated and would likely have the most potential in customer base for opening a new location.</a:t>
+            </a:r>
+          </a:p>
+        </p:txBody>
+      </p:sp>
+    </p:spTree>
+    <p:extLst>
+      <p:ext uri="{BB962C8B-B14F-4D97-AF65-F5344CB8AC3E}">
+        <p14:creationId xmlns:p14="http://schemas.microsoft.com/office/powerpoint/2010/main" val="1024181638"/>
+      </p:ext>
+    </p:extLst>
+  </p:cSld>
+  <p:clrMapOvr>
+    <a:masterClrMapping/>
+  </p:clrMapOvr>
+</p:sld>
+</file>
+
+<file path=ppt/slides/slide8.xml><?xml version="1.0" encoding="utf-8"?>
+<p:sld xmlns:a="http://schemas.openxmlformats.org/drawingml/2006/main" xmlns:r="http://schemas.openxmlformats.org/officeDocument/2006/relationships" xmlns:p="http://schemas.openxmlformats.org/presentationml/2006/main">
+  <p:cSld>
+    <p:spTree>
+      <p:nvGrpSpPr>
+        <p:cNvPr id="1" name=""/>
+        <p:cNvGrpSpPr/>
+        <p:nvPr/>
+      </p:nvGrpSpPr>
+      <p:grpSpPr>
+        <a:xfrm>
+          <a:off x="0" y="0"/>
+          <a:ext cx="0" cy="0"/>
+          <a:chOff x="0" y="0"/>
+          <a:chExt cx="0" cy="0"/>
+        </a:xfrm>
+      </p:grpSpPr>
+      <p:sp>
+        <p:nvSpPr>
+          <p:cNvPr id="2" name="Title 1">
+            <a:extLst>
+              <a:ext uri="{FF2B5EF4-FFF2-40B4-BE49-F238E27FC236}">
+                <a16:creationId xmlns:a16="http://schemas.microsoft.com/office/drawing/2014/main" id="{5EF94E08-C6E6-4B49-ABE2-B5085BD3BF5B}"/>
+              </a:ext>
+            </a:extLst>
+          </p:cNvPr>
+          <p:cNvSpPr>
+            <a:spLocks noGrp="1"/>
+          </p:cNvSpPr>
+          <p:nvPr>
+            <p:ph type="title"/>
+          </p:nvPr>
+        </p:nvSpPr>
+        <p:spPr/>
+        <p:txBody>
+          <a:bodyPr/>
+          <a:lstStyle/>
+          <a:p>
+            <a:pPr algn="ctr"/>
+            <a:r>
+              <a:rPr lang="en-CA" dirty="0"/>
+              <a:t>Neighborhoods with highest population to coffee house ratio</a:t>
+            </a:r>
+          </a:p>
+        </p:txBody>
+      </p:sp>
+      <p:sp>
+        <p:nvSpPr>
+          <p:cNvPr id="3" name="Content Placeholder 2">
+            <a:extLst>
+              <a:ext uri="{FF2B5EF4-FFF2-40B4-BE49-F238E27FC236}">
+                <a16:creationId xmlns:a16="http://schemas.microsoft.com/office/drawing/2014/main" id="{A64FB5C0-7148-48E2-8E2A-56E3F790EA47}"/>
+              </a:ext>
+            </a:extLst>
+          </p:cNvPr>
+          <p:cNvSpPr>
+            <a:spLocks noGrp="1"/>
+          </p:cNvSpPr>
+          <p:nvPr>
+            <p:ph idx="1"/>
+          </p:nvPr>
+        </p:nvSpPr>
+        <p:spPr/>
+        <p:txBody>
+          <a:bodyPr>
+            <a:normAutofit/>
+          </a:bodyPr>
+          <a:lstStyle/>
+          <a:p>
+            <a:pPr>
+              <a:buFont typeface="+mj-lt"/>
+              <a:buAutoNum type="arabicPeriod"/>
+            </a:pPr>
+            <a:r>
+              <a:rPr lang="en-CA" sz="2400" dirty="0"/>
+              <a:t>Steeles</a:t>
+            </a:r>
+          </a:p>
+          <a:p>
+            <a:pPr>
+              <a:buFont typeface="+mj-lt"/>
+              <a:buAutoNum type="arabicPeriod"/>
+            </a:pPr>
+            <a:r>
+              <a:rPr lang="en-CA" sz="2400" dirty="0"/>
+              <a:t>Lansing-Westgate</a:t>
+            </a:r>
+          </a:p>
+          <a:p>
+            <a:pPr>
+              <a:buFont typeface="+mj-lt"/>
+              <a:buAutoNum type="arabicPeriod"/>
+            </a:pPr>
+            <a:r>
+              <a:rPr lang="en-CA" sz="2400" dirty="0" err="1"/>
+              <a:t>Cliffcrest</a:t>
+            </a:r>
+            <a:endParaRPr lang="en-CA" sz="2400" dirty="0"/>
+          </a:p>
+          <a:p>
+            <a:pPr>
+              <a:buFont typeface="+mj-lt"/>
+              <a:buAutoNum type="arabicPeriod"/>
+            </a:pPr>
+            <a:r>
+              <a:rPr lang="en-CA" sz="2400" dirty="0"/>
+              <a:t>Glenfield-Jane Heights</a:t>
+            </a:r>
+          </a:p>
+          <a:p>
+            <a:pPr>
+              <a:buFont typeface="+mj-lt"/>
+              <a:buAutoNum type="arabicPeriod"/>
+            </a:pPr>
+            <a:r>
+              <a:rPr lang="en-CA" sz="2400" dirty="0"/>
+              <a:t>Malvern</a:t>
+            </a:r>
+          </a:p>
+        </p:txBody>
+      </p:sp>
+    </p:spTree>
+    <p:extLst>
+      <p:ext uri="{BB962C8B-B14F-4D97-AF65-F5344CB8AC3E}">
+        <p14:creationId xmlns:p14="http://schemas.microsoft.com/office/powerpoint/2010/main" val="4061325053"/>
+      </p:ext>
+    </p:extLst>
+  </p:cSld>
+  <p:clrMapOvr>
+    <a:masterClrMapping/>
+  </p:clrMapOvr>
+</p:sld>
+</file>
+
+<file path=ppt/slides/slide9.xml><?xml version="1.0" encoding="utf-8"?>
+<p:sld xmlns:a="http://schemas.openxmlformats.org/drawingml/2006/main" xmlns:r="http://schemas.openxmlformats.org/officeDocument/2006/relationships" xmlns:p="http://schemas.openxmlformats.org/presentationml/2006/main">
+  <p:cSld>
+    <p:spTree>
+      <p:nvGrpSpPr>
+        <p:cNvPr id="1" name=""/>
+        <p:cNvGrpSpPr/>
+        <p:nvPr/>
+      </p:nvGrpSpPr>
+      <p:grpSpPr>
+        <a:xfrm>
+          <a:off x="0" y="0"/>
+          <a:ext cx="0" cy="0"/>
+          <a:chOff x="0" y="0"/>
+          <a:chExt cx="0" cy="0"/>
+        </a:xfrm>
+      </p:grpSpPr>
+      <p:sp>
+        <p:nvSpPr>
+          <p:cNvPr id="3" name="Content Placeholder 2">
+            <a:extLst>
+              <a:ext uri="{FF2B5EF4-FFF2-40B4-BE49-F238E27FC236}">
+                <a16:creationId xmlns:a16="http://schemas.microsoft.com/office/drawing/2014/main" id="{1CD9DE30-6E2F-4D71-B5E1-9B604BBDB61D}"/>
+              </a:ext>
+            </a:extLst>
+          </p:cNvPr>
+          <p:cNvSpPr>
+            <a:spLocks noGrp="1"/>
+          </p:cNvSpPr>
+          <p:nvPr>
+            <p:ph idx="1"/>
+          </p:nvPr>
+        </p:nvSpPr>
+        <p:spPr>
+          <a:xfrm>
+            <a:off x="2589212" y="1390650"/>
+            <a:ext cx="8915400" cy="4520572"/>
+          </a:xfrm>
+        </p:spPr>
+        <p:txBody>
+          <a:bodyPr/>
+          <a:lstStyle/>
+          <a:p>
+            <a:pPr marL="0" indent="0">
+              <a:buNone/>
+            </a:pPr>
+            <a:r>
+              <a:rPr lang="en-CA" dirty="0"/>
+              <a:t>Further investigation is warranted to determine is there are reasons why these neighborhoods have fewer coffee locations and thus would not be ideal locations for new coffee businesses. </a:t>
+            </a:r>
+          </a:p>
+          <a:p>
+            <a:pPr marL="0" indent="0">
+              <a:buNone/>
+            </a:pPr>
+            <a:endParaRPr lang="en-CA" dirty="0"/>
+          </a:p>
+          <a:p>
+            <a:pPr marL="0" indent="0">
+              <a:buNone/>
+            </a:pPr>
+            <a:r>
+              <a:rPr lang="en-CA" dirty="0"/>
+              <a:t>Also, neighborhoods with the highest number of coffee locations could indicate a population where coffee is particularly popular. A brave entrepreneur might want to try to squeeze into one of these neighborhoods. </a:t>
+            </a:r>
+          </a:p>
+          <a:p>
+            <a:pPr marL="0" indent="0">
+              <a:buNone/>
+            </a:pPr>
+            <a:endParaRPr lang="en-CA" dirty="0"/>
+          </a:p>
+          <a:p>
+            <a:pPr marL="0" indent="0">
+              <a:buNone/>
+            </a:pPr>
+            <a:r>
+              <a:rPr lang="en-CA" dirty="0"/>
+              <a:t>This report provides a solid starting place to provide information about the current coffee house distribution across neighborhoods in Toronto. </a:t>
+            </a:r>
+          </a:p>
+        </p:txBody>
+      </p:sp>
+    </p:spTree>
+    <p:extLst>
+      <p:ext uri="{BB962C8B-B14F-4D97-AF65-F5344CB8AC3E}">
+        <p14:creationId xmlns:p14="http://schemas.microsoft.com/office/powerpoint/2010/main" val="107150618"/>
+      </p:ext>
+    </p:extLst>
+  </p:cSld>
+  <p:clrMapOvr>
+    <a:masterClrMapping/>
+  </p:clrMapOvr>
+</p:sld>
+</file>
+
 <file path=ppt/theme/theme1.xml><?xml version="1.0" encoding="utf-8"?>
-<a:theme xmlns:a="http://schemas.openxmlformats.org/drawingml/2006/main" name="Office Theme">
+<a:theme xmlns:a="http://schemas.openxmlformats.org/drawingml/2006/main" name="Wisp">
   <a:themeElements>
-    <a:clrScheme name="Office">
+    <a:clrScheme name="Wisp">
       <a:dk1>
         <a:sysClr val="windowText" lastClr="000000"/>
       </a:dk1>
@@ -3422,100 +8578,48 @@
         <a:sysClr val="window" lastClr="FFFFFF"/>
       </a:lt1>
       <a:dk2>
-        <a:srgbClr val="44546A"/>
+        <a:srgbClr val="766F54"/>
       </a:dk2>
       <a:lt2>
-        <a:srgbClr val="E7E6E6"/>
+        <a:srgbClr val="E3EACF"/>
       </a:lt2>
       <a:accent1>
-        <a:srgbClr val="4472C4"/>
+        <a:srgbClr val="A53010"/>
       </a:accent1>
       <a:accent2>
-        <a:srgbClr val="ED7D31"/>
+        <a:srgbClr val="DE7E18"/>
       </a:accent2>
       <a:accent3>
-        <a:srgbClr val="A5A5A5"/>
+        <a:srgbClr val="9F8351"/>
       </a:accent3>
       <a:accent4>
-        <a:srgbClr val="FFC000"/>
+        <a:srgbClr val="728653"/>
       </a:accent4>
       <a:accent5>
-        <a:srgbClr val="5B9BD5"/>
+        <a:srgbClr val="92AA4C"/>
       </a:accent5>
       <a:accent6>
-        <a:srgbClr val="70AD47"/>
+        <a:srgbClr val="6AAC91"/>
       </a:accent6>
       <a:hlink>
-        <a:srgbClr val="0563C1"/>
+        <a:srgbClr val="FB4A18"/>
       </a:hlink>
       <a:folHlink>
-        <a:srgbClr val="954F72"/>
+        <a:srgbClr val="FB9318"/>
       </a:folHlink>
     </a:clrScheme>
-    <a:fontScheme name="Office">
+    <a:fontScheme name="Wisp">
       <a:majorFont>
-        <a:latin typeface="Calibri Light" panose="020F0302020204030204"/>
+        <a:latin typeface="Century Gothic" panose="020B0502020202020204"/>
         <a:ea typeface=""/>
         <a:cs typeface=""/>
-        <a:font script="Jpan" typeface="游ゴシック Light"/>
-        <a:font script="Hang" typeface="맑은 고딕"/>
-        <a:font script="Hans" typeface="等线 Light"/>
-        <a:font script="Hant" typeface="新細明體"/>
-        <a:font script="Arab" typeface="Times New Roman"/>
-        <a:font script="Hebr" typeface="Times New Roman"/>
-        <a:font script="Thai" typeface="Angsana New"/>
-        <a:font script="Ethi" typeface="Nyala"/>
-        <a:font script="Beng" typeface="Vrinda"/>
-        <a:font script="Gujr" typeface="Shruti"/>
-        <a:font script="Khmr" typeface="MoolBoran"/>
-        <a:font script="Knda" typeface="Tunga"/>
-        <a:font script="Guru" typeface="Raavi"/>
-        <a:font script="Cans" typeface="Euphemia"/>
-        <a:font script="Cher" typeface="Plantagenet Cherokee"/>
-        <a:font script="Yiii" typeface="Microsoft Yi Baiti"/>
-        <a:font script="Tibt" typeface="Microsoft Himalaya"/>
-        <a:font script="Thaa" typeface="MV Boli"/>
-        <a:font script="Deva" typeface="Mangal"/>
-        <a:font script="Telu" typeface="Gautami"/>
-        <a:font script="Taml" typeface="Latha"/>
-        <a:font script="Syrc" typeface="Estrangelo Edessa"/>
-        <a:font script="Orya" typeface="Kalinga"/>
-        <a:font script="Mlym" typeface="Kartika"/>
-        <a:font script="Laoo" typeface="DokChampa"/>
-        <a:font script="Sinh" typeface="Iskoola Pota"/>
-        <a:font script="Mong" typeface="Mongolian Baiti"/>
-        <a:font script="Viet" typeface="Times New Roman"/>
-        <a:font script="Uigh" typeface="Microsoft Uighur"/>
-        <a:font script="Geor" typeface="Sylfaen"/>
-        <a:font script="Armn" typeface="Arial"/>
-        <a:font script="Bugi" typeface="Leelawadee UI"/>
-        <a:font script="Bopo" typeface="Microsoft JhengHei"/>
-        <a:font script="Java" typeface="Javanese Text"/>
-        <a:font script="Lisu" typeface="Segoe UI"/>
-        <a:font script="Mymr" typeface="Myanmar Text"/>
-        <a:font script="Nkoo" typeface="Ebrima"/>
-        <a:font script="Olck" typeface="Nirmala UI"/>
-        <a:font script="Osma" typeface="Ebrima"/>
-        <a:font script="Phag" typeface="Phagspa"/>
-        <a:font script="Syrn" typeface="Estrangelo Edessa"/>
-        <a:font script="Syrj" typeface="Estrangelo Edessa"/>
-        <a:font script="Syre" typeface="Estrangelo Edessa"/>
-        <a:font script="Sora" typeface="Nirmala UI"/>
-        <a:font script="Tale" typeface="Microsoft Tai Le"/>
-        <a:font script="Talu" typeface="Microsoft New Tai Lue"/>
-        <a:font script="Tfng" typeface="Ebrima"/>
-      </a:majorFont>
-      <a:minorFont>
-        <a:latin typeface="Calibri" panose="020F0502020204030204"/>
-        <a:ea typeface=""/>
-        <a:cs typeface=""/>
-        <a:font script="Jpan" typeface="游ゴシック"/>
-        <a:font script="Hang" typeface="맑은 고딕"/>
-        <a:font script="Hans" typeface="等线"/>
-        <a:font script="Hant" typeface="新細明體"/>
-        <a:font script="Arab" typeface="Arial"/>
-        <a:font script="Hebr" typeface="Arial"/>
-        <a:font script="Thai" typeface="Cordia New"/>
+        <a:font script="Jpan" typeface="メイリオ"/>
+        <a:font script="Hang" typeface="HY중고딕"/>
+        <a:font script="Hans" typeface="幼圆"/>
+        <a:font script="Hant" typeface="微軟正黑體"/>
+        <a:font script="Arab" typeface="Tahoma"/>
+        <a:font script="Hebr" typeface="Gisha"/>
+        <a:font script="Thai" typeface="DilleniaUPC"/>
         <a:font script="Ethi" typeface="Nyala"/>
         <a:font script="Beng" typeface="Vrinda"/>
         <a:font script="Gujr" typeface="Shruti"/>
@@ -3536,30 +8640,121 @@
         <a:font script="Laoo" typeface="DokChampa"/>
         <a:font script="Sinh" typeface="Iskoola Pota"/>
         <a:font script="Mong" typeface="Mongolian Baiti"/>
-        <a:font script="Viet" typeface="Arial"/>
+        <a:font script="Viet" typeface="Tahoma"/>
         <a:font script="Uigh" typeface="Microsoft Uighur"/>
         <a:font script="Geor" typeface="Sylfaen"/>
-        <a:font script="Armn" typeface="Arial"/>
-        <a:font script="Bugi" typeface="Leelawadee UI"/>
-        <a:font script="Bopo" typeface="Microsoft JhengHei"/>
-        <a:font script="Java" typeface="Javanese Text"/>
-        <a:font script="Lisu" typeface="Segoe UI"/>
-        <a:font script="Mymr" typeface="Myanmar Text"/>
-        <a:font script="Nkoo" typeface="Ebrima"/>
-        <a:font script="Olck" typeface="Nirmala UI"/>
-        <a:font script="Osma" typeface="Ebrima"/>
-        <a:font script="Phag" typeface="Phagspa"/>
-        <a:font script="Syrn" typeface="Estrangelo Edessa"/>
-        <a:font script="Syrj" typeface="Estrangelo Edessa"/>
-        <a:font script="Syre" typeface="Estrangelo Edessa"/>
-        <a:font script="Sora" typeface="Nirmala UI"/>
-        <a:font script="Tale" typeface="Microsoft Tai Le"/>
-        <a:font script="Talu" typeface="Microsoft New Tai Lue"/>
-        <a:font script="Tfng" typeface="Ebrima"/>
+      </a:majorFont>
+      <a:minorFont>
+        <a:latin typeface="Century Gothic" panose="020B0502020202020204"/>
+        <a:ea typeface=""/>
+        <a:cs typeface=""/>
+        <a:font script="Jpan" typeface="メイリオ"/>
+        <a:font script="Hang" typeface="HY중고딕"/>
+        <a:font script="Hans" typeface="幼圆"/>
+        <a:font script="Hant" typeface="微軟正黑體"/>
+        <a:font script="Arab" typeface="Tahoma"/>
+        <a:font script="Hebr" typeface="Gisha"/>
+        <a:font script="Thai" typeface="DilleniaUPC"/>
+        <a:font script="Ethi" typeface="Nyala"/>
+        <a:font script="Beng" typeface="Vrinda"/>
+        <a:font script="Gujr" typeface="Shruti"/>
+        <a:font script="Khmr" typeface="DaunPenh"/>
+        <a:font script="Knda" typeface="Tunga"/>
+        <a:font script="Guru" typeface="Raavi"/>
+        <a:font script="Cans" typeface="Euphemia"/>
+        <a:font script="Cher" typeface="Plantagenet Cherokee"/>
+        <a:font script="Yiii" typeface="Microsoft Yi Baiti"/>
+        <a:font script="Tibt" typeface="Microsoft Himalaya"/>
+        <a:font script="Thaa" typeface="MV Boli"/>
+        <a:font script="Deva" typeface="Mangal"/>
+        <a:font script="Telu" typeface="Gautami"/>
+        <a:font script="Taml" typeface="Latha"/>
+        <a:font script="Syrc" typeface="Estrangelo Edessa"/>
+        <a:font script="Orya" typeface="Kalinga"/>
+        <a:font script="Mlym" typeface="Kartika"/>
+        <a:font script="Laoo" typeface="DokChampa"/>
+        <a:font script="Sinh" typeface="Iskoola Pota"/>
+        <a:font script="Mong" typeface="Mongolian Baiti"/>
+        <a:font script="Viet" typeface="Tahoma"/>
+        <a:font script="Uigh" typeface="Microsoft Uighur"/>
+        <a:font script="Geor" typeface="Sylfaen"/>
       </a:minorFont>
     </a:fontScheme>
-    <a:fmtScheme name="Office">
+    <a:fmtScheme name="Wisp">
       <a:fillStyleLst>
+        <a:solidFill>
+          <a:schemeClr val="phClr"/>
+        </a:solidFill>
+        <a:solidFill>
+          <a:schemeClr val="phClr">
+            <a:tint val="70000"/>
+            <a:lumMod val="104000"/>
+          </a:schemeClr>
+        </a:solidFill>
+        <a:gradFill rotWithShape="1">
+          <a:gsLst>
+            <a:gs pos="0">
+              <a:schemeClr val="phClr">
+                <a:tint val="96000"/>
+                <a:lumMod val="104000"/>
+              </a:schemeClr>
+            </a:gs>
+            <a:gs pos="100000">
+              <a:schemeClr val="phClr">
+                <a:shade val="98000"/>
+                <a:lumMod val="94000"/>
+              </a:schemeClr>
+            </a:gs>
+          </a:gsLst>
+          <a:lin ang="5400000" scaled="0"/>
+        </a:gradFill>
+      </a:fillStyleLst>
+      <a:lnStyleLst>
+        <a:ln w="9525" cap="rnd" cmpd="sng" algn="ctr">
+          <a:solidFill>
+            <a:schemeClr val="phClr">
+              <a:shade val="90000"/>
+            </a:schemeClr>
+          </a:solidFill>
+          <a:prstDash val="solid"/>
+        </a:ln>
+        <a:ln w="15875" cap="rnd" cmpd="sng" algn="ctr">
+          <a:solidFill>
+            <a:schemeClr val="phClr"/>
+          </a:solidFill>
+          <a:prstDash val="solid"/>
+        </a:ln>
+        <a:ln w="22225" cap="rnd" cmpd="sng" algn="ctr">
+          <a:solidFill>
+            <a:schemeClr val="phClr"/>
+          </a:solidFill>
+          <a:prstDash val="solid"/>
+        </a:ln>
+      </a:lnStyleLst>
+      <a:effectStyleLst>
+        <a:effectStyle>
+          <a:effectLst/>
+        </a:effectStyle>
+        <a:effectStyle>
+          <a:effectLst>
+            <a:outerShdw blurRad="38100" dist="25400" dir="5400000" rotWithShape="0">
+              <a:srgbClr val="000000">
+                <a:alpha val="25000"/>
+              </a:srgbClr>
+            </a:outerShdw>
+          </a:effectLst>
+        </a:effectStyle>
+        <a:effectStyle>
+          <a:effectLst>
+            <a:outerShdw blurRad="50800" dist="38100" dir="5400000" rotWithShape="0">
+              <a:srgbClr val="000000">
+                <a:alpha val="60000"/>
+              </a:srgbClr>
+            </a:outerShdw>
+          </a:effectLst>
+        </a:effectStyle>
+      </a:effectStyleLst>
+      <a:bgFillStyleLst>
         <a:solidFill>
           <a:schemeClr val="phClr"/>
         </a:solidFill>
@@ -3567,23 +8762,15 @@
           <a:gsLst>
             <a:gs pos="0">
               <a:schemeClr val="phClr">
-                <a:lumMod val="110000"/>
-                <a:satMod val="105000"/>
-                <a:tint val="67000"/>
-              </a:schemeClr>
-            </a:gs>
-            <a:gs pos="50000">
-              <a:schemeClr val="phClr">
-                <a:lumMod val="105000"/>
-                <a:satMod val="103000"/>
-                <a:tint val="73000"/>
+                <a:tint val="90000"/>
+                <a:lumMod val="120000"/>
               </a:schemeClr>
             </a:gs>
             <a:gs pos="100000">
               <a:schemeClr val="phClr">
-                <a:lumMod val="105000"/>
-                <a:satMod val="109000"/>
-                <a:tint val="81000"/>
+                <a:shade val="98000"/>
+                <a:satMod val="120000"/>
+                <a:lumMod val="98000"/>
               </a:schemeClr>
             </a:gs>
           </a:gsLst>
@@ -3593,105 +8780,22 @@
           <a:gsLst>
             <a:gs pos="0">
               <a:schemeClr val="phClr">
-                <a:satMod val="103000"/>
-                <a:lumMod val="102000"/>
-                <a:tint val="94000"/>
-              </a:schemeClr>
-            </a:gs>
-            <a:gs pos="50000">
-              <a:schemeClr val="phClr">
-                <a:satMod val="110000"/>
-                <a:lumMod val="100000"/>
-                <a:shade val="100000"/>
+                <a:tint val="90000"/>
+                <a:satMod val="92000"/>
+                <a:lumMod val="120000"/>
               </a:schemeClr>
             </a:gs>
             <a:gs pos="100000">
               <a:schemeClr val="phClr">
-                <a:lumMod val="99000"/>
+                <a:shade val="98000"/>
                 <a:satMod val="120000"/>
-                <a:shade val="78000"/>
+                <a:lumMod val="98000"/>
               </a:schemeClr>
             </a:gs>
           </a:gsLst>
-          <a:lin ang="5400000" scaled="0"/>
-        </a:gradFill>
-      </a:fillStyleLst>
-      <a:lnStyleLst>
-        <a:ln w="6350" cap="flat" cmpd="sng" algn="ctr">
-          <a:solidFill>
-            <a:schemeClr val="phClr"/>
-          </a:solidFill>
-          <a:prstDash val="solid"/>
-          <a:miter lim="800000"/>
-        </a:ln>
-        <a:ln w="12700" cap="flat" cmpd="sng" algn="ctr">
-          <a:solidFill>
-            <a:schemeClr val="phClr"/>
-          </a:solidFill>
-          <a:prstDash val="solid"/>
-          <a:miter lim="800000"/>
-        </a:ln>
-        <a:ln w="19050" cap="flat" cmpd="sng" algn="ctr">
-          <a:solidFill>
-            <a:schemeClr val="phClr"/>
-          </a:solidFill>
-          <a:prstDash val="solid"/>
-          <a:miter lim="800000"/>
-        </a:ln>
-      </a:lnStyleLst>
-      <a:effectStyleLst>
-        <a:effectStyle>
-          <a:effectLst/>
-        </a:effectStyle>
-        <a:effectStyle>
-          <a:effectLst/>
-        </a:effectStyle>
-        <a:effectStyle>
-          <a:effectLst>
-            <a:outerShdw blurRad="57150" dist="19050" dir="5400000" algn="ctr" rotWithShape="0">
-              <a:srgbClr val="000000">
-                <a:alpha val="63000"/>
-              </a:srgbClr>
-            </a:outerShdw>
-          </a:effectLst>
-        </a:effectStyle>
-      </a:effectStyleLst>
-      <a:bgFillStyleLst>
-        <a:solidFill>
-          <a:schemeClr val="phClr"/>
-        </a:solidFill>
-        <a:solidFill>
-          <a:schemeClr val="phClr">
-            <a:tint val="95000"/>
-            <a:satMod val="170000"/>
-          </a:schemeClr>
-        </a:solidFill>
-        <a:gradFill rotWithShape="1">
-          <a:gsLst>
-            <a:gs pos="0">
-              <a:schemeClr val="phClr">
-                <a:tint val="93000"/>
-                <a:satMod val="150000"/>
-                <a:shade val="98000"/>
-                <a:lumMod val="102000"/>
-              </a:schemeClr>
-            </a:gs>
-            <a:gs pos="50000">
-              <a:schemeClr val="phClr">
-                <a:tint val="98000"/>
-                <a:satMod val="130000"/>
-                <a:shade val="90000"/>
-                <a:lumMod val="103000"/>
-              </a:schemeClr>
-            </a:gs>
-            <a:gs pos="100000">
-              <a:schemeClr val="phClr">
-                <a:shade val="63000"/>
-                <a:satMod val="120000"/>
-              </a:schemeClr>
-            </a:gs>
-          </a:gsLst>
-          <a:lin ang="5400000" scaled="0"/>
+          <a:path path="circle">
+            <a:fillToRect l="50000" t="50000" r="100000" b="100000"/>
+          </a:path>
         </a:gradFill>
       </a:bgFillStyleLst>
     </a:fmtScheme>
@@ -3700,7 +8804,7 @@
   <a:extraClrSchemeLst/>
   <a:extLst>
     <a:ext uri="{05A4C25C-085E-4340-85A3-A5531E510DB2}">
-      <thm15:themeFamily xmlns:thm15="http://schemas.microsoft.com/office/thememl/2012/main" name="Office Theme" id="{62F939B6-93AF-4DB8-9C6B-D6C7DFDC589F}" vid="{4A3C46E8-61CC-4603-A589-7422A47A8E4A}"/>
+      <thm15:themeFamily xmlns:thm15="http://schemas.microsoft.com/office/thememl/2012/main" name="Wisp" id="{7CB32D59-10C0-40DD-B7BD-2E94284A981C}" vid="{24B1A44C-C006-48B2-A4D7-E5549B3D8CD4}"/>
     </a:ext>
   </a:extLst>
 </a:theme>
